--- a/Documentation/FYP_Oral.pptx
+++ b/Documentation/FYP_Oral.pptx
@@ -28278,6 +28278,102 @@
           <a:p>
             <a:r>
               <a:rPr lang="en-US" dirty="0" smtClean="0"/>
+              <a:t>30</a:t>
+            </a:r>
+            <a:r>
+              <a:rPr lang="en-US" baseline="0" dirty="0" smtClean="0"/>
+              <a:t> libraries and 130</a:t>
+            </a:r>
+            <a:r>
+              <a:rPr lang="en-US" baseline="0" smtClean="0"/>
+              <a:t>+ classes</a:t>
+            </a:r>
+            <a:endParaRPr lang="en-US"/>
+          </a:p>
+        </p:txBody>
+      </p:sp>
+      <p:sp>
+        <p:nvSpPr>
+          <p:cNvPr id="4" name="Slide Number Placeholder 3"/>
+          <p:cNvSpPr>
+            <a:spLocks noGrp="1"/>
+          </p:cNvSpPr>
+          <p:nvPr>
+            <p:ph type="sldNum" sz="quarter" idx="10"/>
+          </p:nvPr>
+        </p:nvSpPr>
+        <p:spPr/>
+        <p:txBody>
+          <a:bodyPr/>
+          <a:lstStyle/>
+          <a:p>
+            <a:fld id="{8A44A9E9-B5EF-42FE-BD01-8FB63A6653F1}" type="slidenum">
+              <a:rPr lang="en-US" smtClean="0"/>
+              <a:t>18</a:t>
+            </a:fld>
+            <a:endParaRPr lang="en-US"/>
+          </a:p>
+        </p:txBody>
+      </p:sp>
+    </p:spTree>
+    <p:extLst>
+      <p:ext uri="{BB962C8B-B14F-4D97-AF65-F5344CB8AC3E}">
+        <p14:creationId xmlns:p14="http://schemas.microsoft.com/office/powerpoint/2010/main" val="1411943499"/>
+      </p:ext>
+    </p:extLst>
+  </p:cSld>
+  <p:clrMapOvr>
+    <a:masterClrMapping/>
+  </p:clrMapOvr>
+</p:notes>
+</file>
+
+<file path=ppt/notesSlides/notesSlide4.xml><?xml version="1.0" encoding="utf-8"?>
+<p:notes xmlns:a="http://schemas.openxmlformats.org/drawingml/2006/main" xmlns:r="http://schemas.openxmlformats.org/officeDocument/2006/relationships" xmlns:p="http://schemas.openxmlformats.org/presentationml/2006/main">
+  <p:cSld>
+    <p:spTree>
+      <p:nvGrpSpPr>
+        <p:cNvPr id="1" name=""/>
+        <p:cNvGrpSpPr/>
+        <p:nvPr/>
+      </p:nvGrpSpPr>
+      <p:grpSpPr>
+        <a:xfrm>
+          <a:off x="0" y="0"/>
+          <a:ext cx="0" cy="0"/>
+          <a:chOff x="0" y="0"/>
+          <a:chExt cx="0" cy="0"/>
+        </a:xfrm>
+      </p:grpSpPr>
+      <p:sp>
+        <p:nvSpPr>
+          <p:cNvPr id="2" name="Slide Image Placeholder 1"/>
+          <p:cNvSpPr>
+            <a:spLocks noGrp="1" noRot="1" noChangeAspect="1"/>
+          </p:cNvSpPr>
+          <p:nvPr>
+            <p:ph type="sldImg"/>
+          </p:nvPr>
+        </p:nvSpPr>
+        <p:spPr/>
+      </p:sp>
+      <p:sp>
+        <p:nvSpPr>
+          <p:cNvPr id="3" name="Notes Placeholder 2"/>
+          <p:cNvSpPr>
+            <a:spLocks noGrp="1"/>
+          </p:cNvSpPr>
+          <p:nvPr>
+            <p:ph type="body" idx="1"/>
+          </p:nvPr>
+        </p:nvSpPr>
+        <p:spPr/>
+        <p:txBody>
+          <a:bodyPr/>
+          <a:lstStyle/>
+          <a:p>
+            <a:r>
+              <a:rPr lang="en-US" dirty="0" smtClean="0"/>
               <a:t>Compare</a:t>
             </a:r>
             <a:r>
@@ -28324,7 +28420,7 @@
 </p:notes>
 </file>
 
-<file path=ppt/notesSlides/notesSlide4.xml><?xml version="1.0" encoding="utf-8"?>
+<file path=ppt/notesSlides/notesSlide5.xml><?xml version="1.0" encoding="utf-8"?>
 <p:notes xmlns:a="http://schemas.openxmlformats.org/drawingml/2006/main" xmlns:r="http://schemas.openxmlformats.org/officeDocument/2006/relationships" xmlns:p="http://schemas.openxmlformats.org/presentationml/2006/main">
   <p:cSld>
     <p:spTree>
@@ -35401,7 +35497,7 @@
           <p:nvPr/>
         </p:nvPicPr>
         <p:blipFill rotWithShape="1">
-          <a:blip r:embed="rId2">
+          <a:blip r:embed="rId3">
             <a:extLst>
               <a:ext uri="{28A0092B-C50C-407E-A947-70E740481C1C}">
                 <a14:useLocalDpi xmlns:a14="http://schemas.microsoft.com/office/drawing/2010/main" val="0"/>

--- a/Documentation/FYP_Oral.pptx
+++ b/Documentation/FYP_Oral.pptx
@@ -5,7 +5,7 @@
     <p:sldMasterId id="2147483660" r:id="rId1"/>
   </p:sldMasterIdLst>
   <p:notesMasterIdLst>
-    <p:notesMasterId r:id="rId26"/>
+    <p:notesMasterId r:id="rId29"/>
   </p:notesMasterIdLst>
   <p:sldIdLst>
     <p:sldId id="256" r:id="rId2"/>
@@ -16,22 +16,25 @@
     <p:sldId id="259" r:id="rId7"/>
     <p:sldId id="263" r:id="rId8"/>
     <p:sldId id="279" r:id="rId9"/>
-    <p:sldId id="274" r:id="rId10"/>
-    <p:sldId id="265" r:id="rId11"/>
-    <p:sldId id="267" r:id="rId12"/>
-    <p:sldId id="269" r:id="rId13"/>
-    <p:sldId id="270" r:id="rId14"/>
-    <p:sldId id="273" r:id="rId15"/>
-    <p:sldId id="260" r:id="rId16"/>
-    <p:sldId id="275" r:id="rId17"/>
-    <p:sldId id="280" r:id="rId18"/>
-    <p:sldId id="281" r:id="rId19"/>
-    <p:sldId id="272" r:id="rId20"/>
-    <p:sldId id="266" r:id="rId21"/>
-    <p:sldId id="268" r:id="rId22"/>
-    <p:sldId id="277" r:id="rId23"/>
-    <p:sldId id="261" r:id="rId24"/>
-    <p:sldId id="262" r:id="rId25"/>
+    <p:sldId id="282" r:id="rId10"/>
+    <p:sldId id="280" r:id="rId11"/>
+    <p:sldId id="281" r:id="rId12"/>
+    <p:sldId id="273" r:id="rId13"/>
+    <p:sldId id="265" r:id="rId14"/>
+    <p:sldId id="267" r:id="rId15"/>
+    <p:sldId id="269" r:id="rId16"/>
+    <p:sldId id="283" r:id="rId17"/>
+    <p:sldId id="284" r:id="rId18"/>
+    <p:sldId id="270" r:id="rId19"/>
+    <p:sldId id="285" r:id="rId20"/>
+    <p:sldId id="275" r:id="rId21"/>
+    <p:sldId id="260" r:id="rId22"/>
+    <p:sldId id="272" r:id="rId23"/>
+    <p:sldId id="266" r:id="rId24"/>
+    <p:sldId id="268" r:id="rId25"/>
+    <p:sldId id="277" r:id="rId26"/>
+    <p:sldId id="261" r:id="rId27"/>
+    <p:sldId id="262" r:id="rId28"/>
   </p:sldIdLst>
   <p:sldSz cx="9144000" cy="6858000" type="screen4x3"/>
   <p:notesSz cx="6858000" cy="9144000"/>
@@ -4675,7 +4678,7 @@
         <a:p>
           <a:r>
             <a:rPr lang="en-US" dirty="0" smtClean="0"/>
-            <a:t>How GNW is improved</a:t>
+            <a:t>Challenges</a:t>
           </a:r>
           <a:endParaRPr lang="en-US" dirty="0"/>
         </a:p>
@@ -4711,8 +4714,8 @@
         <a:lstStyle/>
         <a:p>
           <a:r>
-            <a:rPr lang="en-US" dirty="0" smtClean="0"/>
-            <a:t>Demonstration</a:t>
+            <a:rPr lang="en-US" smtClean="0"/>
+            <a:t>How GNW is improved</a:t>
           </a:r>
           <a:endParaRPr lang="en-US" dirty="0"/>
         </a:p>
@@ -4749,7 +4752,7 @@
         <a:p>
           <a:r>
             <a:rPr lang="en-US" dirty="0" smtClean="0"/>
-            <a:t>Challenges</a:t>
+            <a:t>Demonstration</a:t>
           </a:r>
           <a:endParaRPr lang="en-US" dirty="0"/>
         </a:p>
@@ -5161,7 +5164,7 @@
         <a:p>
           <a:r>
             <a:rPr lang="en-US" dirty="0" smtClean="0"/>
-            <a:t>How GNW is improved</a:t>
+            <a:t>Challenges</a:t>
           </a:r>
           <a:endParaRPr lang="en-US" dirty="0"/>
         </a:p>
@@ -5198,7 +5201,7 @@
         <a:p>
           <a:r>
             <a:rPr lang="en-US" dirty="0" smtClean="0"/>
-            <a:t>Demonstration</a:t>
+            <a:t>How GNW is improved</a:t>
           </a:r>
           <a:endParaRPr lang="en-US" dirty="0"/>
         </a:p>
@@ -5235,7 +5238,7 @@
         <a:p>
           <a:r>
             <a:rPr lang="en-US" dirty="0" smtClean="0"/>
-            <a:t>Challenges</a:t>
+            <a:t>Demonstration</a:t>
           </a:r>
           <a:endParaRPr lang="en-US" dirty="0"/>
         </a:p>
@@ -5647,7 +5650,7 @@
         <a:p>
           <a:r>
             <a:rPr lang="en-US" dirty="0" smtClean="0"/>
-            <a:t>How GNW is improved</a:t>
+            <a:t>Challenges</a:t>
           </a:r>
           <a:endParaRPr lang="en-US" dirty="0"/>
         </a:p>
@@ -5684,7 +5687,7 @@
         <a:p>
           <a:r>
             <a:rPr lang="en-US" dirty="0" smtClean="0"/>
-            <a:t>Demonstration</a:t>
+            <a:t>How GNW is improved</a:t>
           </a:r>
           <a:endParaRPr lang="en-US" dirty="0"/>
         </a:p>
@@ -5721,7 +5724,7 @@
         <a:p>
           <a:r>
             <a:rPr lang="en-US" dirty="0" smtClean="0"/>
-            <a:t>Challenges</a:t>
+            <a:t>Demonstration</a:t>
           </a:r>
           <a:endParaRPr lang="en-US" dirty="0"/>
         </a:p>
@@ -6021,41 +6024,41 @@
     </dgm:pt>
   </dgm:ptLst>
   <dgm:cxnLst>
-    <dgm:cxn modelId="{CE958D8F-F8C8-4B9B-9F8B-7A5A7616B82F}" type="presOf" srcId="{361801A8-C855-4DE8-8AFF-4C5292E9E188}" destId="{762225E5-12A1-4001-AE77-5E4109F69E5C}" srcOrd="1" destOrd="0" presId="urn:microsoft.com/office/officeart/2005/8/layout/vProcess5"/>
-    <dgm:cxn modelId="{A0B4917A-9413-491A-AAE1-5E19C43D302A}" type="presOf" srcId="{EEED3801-BEE9-4272-B5CB-1AFBBEE9EA6D}" destId="{C745A14B-A37F-41BE-9F6E-A7B55BEB4B75}" srcOrd="0" destOrd="0" presId="urn:microsoft.com/office/officeart/2005/8/layout/vProcess5"/>
-    <dgm:cxn modelId="{18258612-6C31-46F1-8407-1C04F84B6ABB}" type="presOf" srcId="{FE57953D-9819-41A7-A9C0-D46B463AE0F7}" destId="{F8C2941E-9DC8-4223-A9D4-8F39DC8937BC}" srcOrd="0" destOrd="0" presId="urn:microsoft.com/office/officeart/2005/8/layout/vProcess5"/>
-    <dgm:cxn modelId="{79AD3712-D19A-44F4-A568-85EA39C2C6CB}" type="presOf" srcId="{7B43CCD9-CF9C-4E04-A981-876C17354378}" destId="{ED80F958-D652-4442-A02A-B87785A08A48}" srcOrd="0" destOrd="0" presId="urn:microsoft.com/office/officeart/2005/8/layout/vProcess5"/>
-    <dgm:cxn modelId="{16BFF304-3DBA-441E-B908-522B6E61556E}" type="presOf" srcId="{3ACE088F-2853-4A0E-82FA-ABEEFFB08F8B}" destId="{B822015E-D0C0-4C5D-A0F0-F701DE2DA15C}" srcOrd="0" destOrd="0" presId="urn:microsoft.com/office/officeart/2005/8/layout/vProcess5"/>
-    <dgm:cxn modelId="{F5C3A17C-A5D3-49A8-9AA0-4B4421C2A355}" type="presOf" srcId="{ECF917C3-B620-4049-85E7-A88C4EDC4955}" destId="{B6D182C3-E790-40B2-B8AC-D44D50438494}" srcOrd="0" destOrd="0" presId="urn:microsoft.com/office/officeart/2005/8/layout/vProcess5"/>
-    <dgm:cxn modelId="{FF9810D6-8B5F-4B47-92B7-2589D34EEC03}" type="presOf" srcId="{361801A8-C855-4DE8-8AFF-4C5292E9E188}" destId="{C45D4A83-CB62-4CE9-B5BF-3B1C1F88378E}" srcOrd="0" destOrd="0" presId="urn:microsoft.com/office/officeart/2005/8/layout/vProcess5"/>
+    <dgm:cxn modelId="{DC7BC4E7-CAAA-4AC4-8C82-1D7A8CD9D29D}" type="presOf" srcId="{ECF917C3-B620-4049-85E7-A88C4EDC4955}" destId="{B6D182C3-E790-40B2-B8AC-D44D50438494}" srcOrd="0" destOrd="0" presId="urn:microsoft.com/office/officeart/2005/8/layout/vProcess5"/>
+    <dgm:cxn modelId="{1D067AB9-79CD-41A0-AC62-63C3CFDB06B0}" type="presOf" srcId="{3ACE088F-2853-4A0E-82FA-ABEEFFB08F8B}" destId="{B822015E-D0C0-4C5D-A0F0-F701DE2DA15C}" srcOrd="0" destOrd="0" presId="urn:microsoft.com/office/officeart/2005/8/layout/vProcess5"/>
+    <dgm:cxn modelId="{114B13BF-DBB9-4963-9AF7-FDE2D9AAA6F0}" type="presOf" srcId="{86DF506E-5C0D-4C78-89EE-7E9453C36908}" destId="{7F18B49F-138E-4C48-BA15-695C2EA0B677}" srcOrd="0" destOrd="0" presId="urn:microsoft.com/office/officeart/2005/8/layout/vProcess5"/>
+    <dgm:cxn modelId="{DA436D96-A5D0-4684-B610-D85FBB8BE3E5}" type="presOf" srcId="{C3A56353-6555-410B-BAFC-0D307B4CA6A1}" destId="{188A72EE-5A1F-46C2-BF27-B37DEB5FA738}" srcOrd="0" destOrd="0" presId="urn:microsoft.com/office/officeart/2005/8/layout/vProcess5"/>
+    <dgm:cxn modelId="{408901E3-669F-4A3B-B83B-F1A23BB9911E}" type="presOf" srcId="{BE5E9E65-D884-4F8A-A672-35B3D0BC54A2}" destId="{1A67A8D3-384B-4690-A7B4-E770D2187CA1}" srcOrd="0" destOrd="0" presId="urn:microsoft.com/office/officeart/2005/8/layout/vProcess5"/>
+    <dgm:cxn modelId="{F60743F3-DF7D-4A8A-8BE7-026CA2D1842A}" type="presOf" srcId="{7B43CCD9-CF9C-4E04-A981-876C17354378}" destId="{ED80F958-D652-4442-A02A-B87785A08A48}" srcOrd="0" destOrd="0" presId="urn:microsoft.com/office/officeart/2005/8/layout/vProcess5"/>
+    <dgm:cxn modelId="{80C5A55F-C765-4792-A877-450A29245A06}" type="presOf" srcId="{3ACE088F-2853-4A0E-82FA-ABEEFFB08F8B}" destId="{85653EBE-F675-40A6-87FB-28DF97C11CD0}" srcOrd="1" destOrd="0" presId="urn:microsoft.com/office/officeart/2005/8/layout/vProcess5"/>
     <dgm:cxn modelId="{2D316CC4-5E7C-482A-A80E-1687A61A55DA}" srcId="{86DF506E-5C0D-4C78-89EE-7E9453C36908}" destId="{ECF917C3-B620-4049-85E7-A88C4EDC4955}" srcOrd="2" destOrd="0" parTransId="{654B18A5-42C0-49F1-8FA4-402BB35B7B3A}" sibTransId="{C3A56353-6555-410B-BAFC-0D307B4CA6A1}"/>
-    <dgm:cxn modelId="{7D5F60CC-5E47-4A5A-AC8A-37AFDAF4E9D0}" type="presOf" srcId="{7B43CCD9-CF9C-4E04-A981-876C17354378}" destId="{3F21B131-9967-4E96-9AA8-AF1913E44B5C}" srcOrd="1" destOrd="0" presId="urn:microsoft.com/office/officeart/2005/8/layout/vProcess5"/>
+    <dgm:cxn modelId="{2EC24295-310F-47D3-857F-FB0150CD82B2}" type="presOf" srcId="{E4B68AF0-A3B0-4C28-8634-A56939CEDEF5}" destId="{9527034B-0489-41A7-9BC7-D283A5999F71}" srcOrd="0" destOrd="0" presId="urn:microsoft.com/office/officeart/2005/8/layout/vProcess5"/>
+    <dgm:cxn modelId="{DE3E1844-E809-49BC-98B7-28080F8C92B7}" type="presOf" srcId="{ECF917C3-B620-4049-85E7-A88C4EDC4955}" destId="{F4B9D34D-93BE-47FE-B269-C6644DA81755}" srcOrd="1" destOrd="0" presId="urn:microsoft.com/office/officeart/2005/8/layout/vProcess5"/>
     <dgm:cxn modelId="{0B3D76F2-BE83-49D4-8C7B-EB62DA9E300C}" srcId="{86DF506E-5C0D-4C78-89EE-7E9453C36908}" destId="{7B43CCD9-CF9C-4E04-A981-876C17354378}" srcOrd="3" destOrd="0" parTransId="{AB3A2796-4723-4147-B964-2FEA6261F370}" sibTransId="{BE5E9E65-D884-4F8A-A672-35B3D0BC54A2}"/>
-    <dgm:cxn modelId="{56E12140-4532-4C29-92B9-2153C36B89A5}" type="presOf" srcId="{EEED3801-BEE9-4272-B5CB-1AFBBEE9EA6D}" destId="{444C1B2C-0185-49D0-8D89-FA979F9F2B23}" srcOrd="1" destOrd="0" presId="urn:microsoft.com/office/officeart/2005/8/layout/vProcess5"/>
+    <dgm:cxn modelId="{B88C4BDB-1552-4F38-A424-F52008200584}" type="presOf" srcId="{EEED3801-BEE9-4272-B5CB-1AFBBEE9EA6D}" destId="{444C1B2C-0185-49D0-8D89-FA979F9F2B23}" srcOrd="1" destOrd="0" presId="urn:microsoft.com/office/officeart/2005/8/layout/vProcess5"/>
     <dgm:cxn modelId="{CB4C2EED-8FAA-46AF-9443-F2006365A603}" srcId="{86DF506E-5C0D-4C78-89EE-7E9453C36908}" destId="{3ACE088F-2853-4A0E-82FA-ABEEFFB08F8B}" srcOrd="4" destOrd="0" parTransId="{C37819AD-3074-47CE-A5F7-8BEDEB48FCB2}" sibTransId="{8F866BAD-CB6F-47DD-9707-C45C18A63F2C}"/>
-    <dgm:cxn modelId="{EC99CCF6-0A41-489B-AA33-ABEDDC5D2572}" type="presOf" srcId="{3ACE088F-2853-4A0E-82FA-ABEEFFB08F8B}" destId="{85653EBE-F675-40A6-87FB-28DF97C11CD0}" srcOrd="1" destOrd="0" presId="urn:microsoft.com/office/officeart/2005/8/layout/vProcess5"/>
-    <dgm:cxn modelId="{2C8D6C5F-B004-455B-9A7D-59DE05CE691A}" type="presOf" srcId="{BE5E9E65-D884-4F8A-A672-35B3D0BC54A2}" destId="{1A67A8D3-384B-4690-A7B4-E770D2187CA1}" srcOrd="0" destOrd="0" presId="urn:microsoft.com/office/officeart/2005/8/layout/vProcess5"/>
-    <dgm:cxn modelId="{6DA0860E-7842-4FB1-833B-57D290BFD978}" type="presOf" srcId="{86DF506E-5C0D-4C78-89EE-7E9453C36908}" destId="{7F18B49F-138E-4C48-BA15-695C2EA0B677}" srcOrd="0" destOrd="0" presId="urn:microsoft.com/office/officeart/2005/8/layout/vProcess5"/>
+    <dgm:cxn modelId="{D414236D-557C-4F53-8CD1-43CAB744DD7E}" type="presOf" srcId="{361801A8-C855-4DE8-8AFF-4C5292E9E188}" destId="{762225E5-12A1-4001-AE77-5E4109F69E5C}" srcOrd="1" destOrd="0" presId="urn:microsoft.com/office/officeart/2005/8/layout/vProcess5"/>
+    <dgm:cxn modelId="{3E2845A3-6C43-4C63-825C-CC1517C2EAA6}" type="presOf" srcId="{7B43CCD9-CF9C-4E04-A981-876C17354378}" destId="{3F21B131-9967-4E96-9AA8-AF1913E44B5C}" srcOrd="1" destOrd="0" presId="urn:microsoft.com/office/officeart/2005/8/layout/vProcess5"/>
+    <dgm:cxn modelId="{A033EE33-F101-4EB6-9AA1-9C122832C54E}" type="presOf" srcId="{361801A8-C855-4DE8-8AFF-4C5292E9E188}" destId="{C45D4A83-CB62-4CE9-B5BF-3B1C1F88378E}" srcOrd="0" destOrd="0" presId="urn:microsoft.com/office/officeart/2005/8/layout/vProcess5"/>
+    <dgm:cxn modelId="{986349F3-E59B-4393-9672-F1AAAABA008F}" type="presOf" srcId="{EEED3801-BEE9-4272-B5CB-1AFBBEE9EA6D}" destId="{C745A14B-A37F-41BE-9F6E-A7B55BEB4B75}" srcOrd="0" destOrd="0" presId="urn:microsoft.com/office/officeart/2005/8/layout/vProcess5"/>
     <dgm:cxn modelId="{71F04B70-67EB-40E8-8644-94C493A302B9}" srcId="{86DF506E-5C0D-4C78-89EE-7E9453C36908}" destId="{361801A8-C855-4DE8-8AFF-4C5292E9E188}" srcOrd="1" destOrd="0" parTransId="{A81564DB-BE02-4CD3-839D-BD4C0E23E7AC}" sibTransId="{FE57953D-9819-41A7-A9C0-D46B463AE0F7}"/>
-    <dgm:cxn modelId="{E6F8AE6B-D1E6-4F60-982C-D57F4FB29E8E}" type="presOf" srcId="{C3A56353-6555-410B-BAFC-0D307B4CA6A1}" destId="{188A72EE-5A1F-46C2-BF27-B37DEB5FA738}" srcOrd="0" destOrd="0" presId="urn:microsoft.com/office/officeart/2005/8/layout/vProcess5"/>
-    <dgm:cxn modelId="{4F33C6E2-F26B-4B1E-ABC6-5EEB0091767E}" type="presOf" srcId="{ECF917C3-B620-4049-85E7-A88C4EDC4955}" destId="{F4B9D34D-93BE-47FE-B269-C6644DA81755}" srcOrd="1" destOrd="0" presId="urn:microsoft.com/office/officeart/2005/8/layout/vProcess5"/>
+    <dgm:cxn modelId="{5ACF8117-A95D-473D-BA08-5F9E87F7ABD6}" type="presOf" srcId="{FE57953D-9819-41A7-A9C0-D46B463AE0F7}" destId="{F8C2941E-9DC8-4223-A9D4-8F39DC8937BC}" srcOrd="0" destOrd="0" presId="urn:microsoft.com/office/officeart/2005/8/layout/vProcess5"/>
     <dgm:cxn modelId="{6C8F59A1-DCEC-4931-AFAB-315C7D1855CD}" srcId="{86DF506E-5C0D-4C78-89EE-7E9453C36908}" destId="{EEED3801-BEE9-4272-B5CB-1AFBBEE9EA6D}" srcOrd="0" destOrd="0" parTransId="{1BA7901C-1E00-455F-A1C1-5A434CC66F4C}" sibTransId="{E4B68AF0-A3B0-4C28-8634-A56939CEDEF5}"/>
-    <dgm:cxn modelId="{ABBBBB9E-4499-421A-BD77-3F1B4668BABD}" type="presOf" srcId="{E4B68AF0-A3B0-4C28-8634-A56939CEDEF5}" destId="{9527034B-0489-41A7-9BC7-D283A5999F71}" srcOrd="0" destOrd="0" presId="urn:microsoft.com/office/officeart/2005/8/layout/vProcess5"/>
-    <dgm:cxn modelId="{93754EEC-9160-493E-A0B2-F0CD074395DB}" type="presParOf" srcId="{7F18B49F-138E-4C48-BA15-695C2EA0B677}" destId="{2134DC3F-020A-4A52-AD1E-2A6AE58EB6FB}" srcOrd="0" destOrd="0" presId="urn:microsoft.com/office/officeart/2005/8/layout/vProcess5"/>
-    <dgm:cxn modelId="{520C7D0E-3E6F-4BB8-A641-2F767D9B5FEF}" type="presParOf" srcId="{7F18B49F-138E-4C48-BA15-695C2EA0B677}" destId="{C745A14B-A37F-41BE-9F6E-A7B55BEB4B75}" srcOrd="1" destOrd="0" presId="urn:microsoft.com/office/officeart/2005/8/layout/vProcess5"/>
-    <dgm:cxn modelId="{CC333986-19D9-4E73-8FDF-EBA9EE5F9047}" type="presParOf" srcId="{7F18B49F-138E-4C48-BA15-695C2EA0B677}" destId="{C45D4A83-CB62-4CE9-B5BF-3B1C1F88378E}" srcOrd="2" destOrd="0" presId="urn:microsoft.com/office/officeart/2005/8/layout/vProcess5"/>
-    <dgm:cxn modelId="{0174FD9E-07DC-4D9F-BA85-9E5346A4D86E}" type="presParOf" srcId="{7F18B49F-138E-4C48-BA15-695C2EA0B677}" destId="{B6D182C3-E790-40B2-B8AC-D44D50438494}" srcOrd="3" destOrd="0" presId="urn:microsoft.com/office/officeart/2005/8/layout/vProcess5"/>
-    <dgm:cxn modelId="{E725D527-1878-41CE-B7AA-D3538CEE17F9}" type="presParOf" srcId="{7F18B49F-138E-4C48-BA15-695C2EA0B677}" destId="{ED80F958-D652-4442-A02A-B87785A08A48}" srcOrd="4" destOrd="0" presId="urn:microsoft.com/office/officeart/2005/8/layout/vProcess5"/>
-    <dgm:cxn modelId="{AC3B8208-6400-40EE-B12D-F0ABC0E49C3E}" type="presParOf" srcId="{7F18B49F-138E-4C48-BA15-695C2EA0B677}" destId="{B822015E-D0C0-4C5D-A0F0-F701DE2DA15C}" srcOrd="5" destOrd="0" presId="urn:microsoft.com/office/officeart/2005/8/layout/vProcess5"/>
-    <dgm:cxn modelId="{50CF37F4-9C8A-476C-8BB0-CB44A08A3270}" type="presParOf" srcId="{7F18B49F-138E-4C48-BA15-695C2EA0B677}" destId="{9527034B-0489-41A7-9BC7-D283A5999F71}" srcOrd="6" destOrd="0" presId="urn:microsoft.com/office/officeart/2005/8/layout/vProcess5"/>
-    <dgm:cxn modelId="{1266E39C-2F44-4798-ABFE-8139224EF211}" type="presParOf" srcId="{7F18B49F-138E-4C48-BA15-695C2EA0B677}" destId="{F8C2941E-9DC8-4223-A9D4-8F39DC8937BC}" srcOrd="7" destOrd="0" presId="urn:microsoft.com/office/officeart/2005/8/layout/vProcess5"/>
-    <dgm:cxn modelId="{FC9377AC-FFA2-488C-8F86-25F3FCDA2069}" type="presParOf" srcId="{7F18B49F-138E-4C48-BA15-695C2EA0B677}" destId="{188A72EE-5A1F-46C2-BF27-B37DEB5FA738}" srcOrd="8" destOrd="0" presId="urn:microsoft.com/office/officeart/2005/8/layout/vProcess5"/>
-    <dgm:cxn modelId="{E1FAEEA6-472F-48B6-97DD-E4D8648A08D6}" type="presParOf" srcId="{7F18B49F-138E-4C48-BA15-695C2EA0B677}" destId="{1A67A8D3-384B-4690-A7B4-E770D2187CA1}" srcOrd="9" destOrd="0" presId="urn:microsoft.com/office/officeart/2005/8/layout/vProcess5"/>
-    <dgm:cxn modelId="{ED0A2473-27A2-416F-8AA9-8B415A2DB1C7}" type="presParOf" srcId="{7F18B49F-138E-4C48-BA15-695C2EA0B677}" destId="{444C1B2C-0185-49D0-8D89-FA979F9F2B23}" srcOrd="10" destOrd="0" presId="urn:microsoft.com/office/officeart/2005/8/layout/vProcess5"/>
-    <dgm:cxn modelId="{30074156-058E-4E5F-A072-2EA81CD14183}" type="presParOf" srcId="{7F18B49F-138E-4C48-BA15-695C2EA0B677}" destId="{762225E5-12A1-4001-AE77-5E4109F69E5C}" srcOrd="11" destOrd="0" presId="urn:microsoft.com/office/officeart/2005/8/layout/vProcess5"/>
-    <dgm:cxn modelId="{D85E622D-D950-421A-A478-ECC81ECCB729}" type="presParOf" srcId="{7F18B49F-138E-4C48-BA15-695C2EA0B677}" destId="{F4B9D34D-93BE-47FE-B269-C6644DA81755}" srcOrd="12" destOrd="0" presId="urn:microsoft.com/office/officeart/2005/8/layout/vProcess5"/>
-    <dgm:cxn modelId="{FE179157-0D19-4A2C-9E20-3B5EA939CBE5}" type="presParOf" srcId="{7F18B49F-138E-4C48-BA15-695C2EA0B677}" destId="{3F21B131-9967-4E96-9AA8-AF1913E44B5C}" srcOrd="13" destOrd="0" presId="urn:microsoft.com/office/officeart/2005/8/layout/vProcess5"/>
-    <dgm:cxn modelId="{0B294D2E-DE2A-4E1E-830A-8D119DF913E6}" type="presParOf" srcId="{7F18B49F-138E-4C48-BA15-695C2EA0B677}" destId="{85653EBE-F675-40A6-87FB-28DF97C11CD0}" srcOrd="14" destOrd="0" presId="urn:microsoft.com/office/officeart/2005/8/layout/vProcess5"/>
+    <dgm:cxn modelId="{F4FFD45E-D764-452E-8DA0-92D4232B6A65}" type="presParOf" srcId="{7F18B49F-138E-4C48-BA15-695C2EA0B677}" destId="{2134DC3F-020A-4A52-AD1E-2A6AE58EB6FB}" srcOrd="0" destOrd="0" presId="urn:microsoft.com/office/officeart/2005/8/layout/vProcess5"/>
+    <dgm:cxn modelId="{857FA554-AA7C-4E69-B580-19520E389650}" type="presParOf" srcId="{7F18B49F-138E-4C48-BA15-695C2EA0B677}" destId="{C745A14B-A37F-41BE-9F6E-A7B55BEB4B75}" srcOrd="1" destOrd="0" presId="urn:microsoft.com/office/officeart/2005/8/layout/vProcess5"/>
+    <dgm:cxn modelId="{16A44D36-44EE-4447-957F-C6B1C7650411}" type="presParOf" srcId="{7F18B49F-138E-4C48-BA15-695C2EA0B677}" destId="{C45D4A83-CB62-4CE9-B5BF-3B1C1F88378E}" srcOrd="2" destOrd="0" presId="urn:microsoft.com/office/officeart/2005/8/layout/vProcess5"/>
+    <dgm:cxn modelId="{7CA730DB-31EF-4D9C-BFEA-7C609B674544}" type="presParOf" srcId="{7F18B49F-138E-4C48-BA15-695C2EA0B677}" destId="{B6D182C3-E790-40B2-B8AC-D44D50438494}" srcOrd="3" destOrd="0" presId="urn:microsoft.com/office/officeart/2005/8/layout/vProcess5"/>
+    <dgm:cxn modelId="{6636951F-F1C4-4035-9B1F-50E502B248FF}" type="presParOf" srcId="{7F18B49F-138E-4C48-BA15-695C2EA0B677}" destId="{ED80F958-D652-4442-A02A-B87785A08A48}" srcOrd="4" destOrd="0" presId="urn:microsoft.com/office/officeart/2005/8/layout/vProcess5"/>
+    <dgm:cxn modelId="{0383C89B-2EF3-4B22-B4F0-CE175CB02AA4}" type="presParOf" srcId="{7F18B49F-138E-4C48-BA15-695C2EA0B677}" destId="{B822015E-D0C0-4C5D-A0F0-F701DE2DA15C}" srcOrd="5" destOrd="0" presId="urn:microsoft.com/office/officeart/2005/8/layout/vProcess5"/>
+    <dgm:cxn modelId="{DE533000-C94E-4AB8-9223-9739F560E3C8}" type="presParOf" srcId="{7F18B49F-138E-4C48-BA15-695C2EA0B677}" destId="{9527034B-0489-41A7-9BC7-D283A5999F71}" srcOrd="6" destOrd="0" presId="urn:microsoft.com/office/officeart/2005/8/layout/vProcess5"/>
+    <dgm:cxn modelId="{EE8B2AEC-40D2-42FF-9ADB-C93CE8211A9C}" type="presParOf" srcId="{7F18B49F-138E-4C48-BA15-695C2EA0B677}" destId="{F8C2941E-9DC8-4223-A9D4-8F39DC8937BC}" srcOrd="7" destOrd="0" presId="urn:microsoft.com/office/officeart/2005/8/layout/vProcess5"/>
+    <dgm:cxn modelId="{C9045BDF-CCAA-4F95-8C16-4B7E4DEBB713}" type="presParOf" srcId="{7F18B49F-138E-4C48-BA15-695C2EA0B677}" destId="{188A72EE-5A1F-46C2-BF27-B37DEB5FA738}" srcOrd="8" destOrd="0" presId="urn:microsoft.com/office/officeart/2005/8/layout/vProcess5"/>
+    <dgm:cxn modelId="{615B245A-45F7-4F2A-9D1A-DA6318B2D976}" type="presParOf" srcId="{7F18B49F-138E-4C48-BA15-695C2EA0B677}" destId="{1A67A8D3-384B-4690-A7B4-E770D2187CA1}" srcOrd="9" destOrd="0" presId="urn:microsoft.com/office/officeart/2005/8/layout/vProcess5"/>
+    <dgm:cxn modelId="{E4506066-BF38-4627-9126-2509925FCD60}" type="presParOf" srcId="{7F18B49F-138E-4C48-BA15-695C2EA0B677}" destId="{444C1B2C-0185-49D0-8D89-FA979F9F2B23}" srcOrd="10" destOrd="0" presId="urn:microsoft.com/office/officeart/2005/8/layout/vProcess5"/>
+    <dgm:cxn modelId="{824B8729-4E55-4D4F-96F4-0F863CAABE2A}" type="presParOf" srcId="{7F18B49F-138E-4C48-BA15-695C2EA0B677}" destId="{762225E5-12A1-4001-AE77-5E4109F69E5C}" srcOrd="11" destOrd="0" presId="urn:microsoft.com/office/officeart/2005/8/layout/vProcess5"/>
+    <dgm:cxn modelId="{50EB0A8F-D2AB-4752-AA47-B231783B3857}" type="presParOf" srcId="{7F18B49F-138E-4C48-BA15-695C2EA0B677}" destId="{F4B9D34D-93BE-47FE-B269-C6644DA81755}" srcOrd="12" destOrd="0" presId="urn:microsoft.com/office/officeart/2005/8/layout/vProcess5"/>
+    <dgm:cxn modelId="{A54B65DC-5E69-46D8-BA16-2020C8F06160}" type="presParOf" srcId="{7F18B49F-138E-4C48-BA15-695C2EA0B677}" destId="{3F21B131-9967-4E96-9AA8-AF1913E44B5C}" srcOrd="13" destOrd="0" presId="urn:microsoft.com/office/officeart/2005/8/layout/vProcess5"/>
+    <dgm:cxn modelId="{4179AC68-F36A-4AD2-BEDE-6DD8BDD86664}" type="presParOf" srcId="{7F18B49F-138E-4C48-BA15-695C2EA0B677}" destId="{85653EBE-F675-40A6-87FB-28DF97C11CD0}" srcOrd="14" destOrd="0" presId="urn:microsoft.com/office/officeart/2005/8/layout/vProcess5"/>
   </dgm:cxnLst>
   <dgm:bg/>
   <dgm:whole/>
@@ -6127,7 +6130,7 @@
         <a:p>
           <a:r>
             <a:rPr lang="en-US" dirty="0" smtClean="0"/>
-            <a:t>How GNW is improved</a:t>
+            <a:t>Challenges</a:t>
           </a:r>
           <a:endParaRPr lang="en-US" dirty="0"/>
         </a:p>
@@ -6170,7 +6173,7 @@
         <a:p>
           <a:r>
             <a:rPr lang="en-US" dirty="0" smtClean="0"/>
-            <a:t>Demonstration</a:t>
+            <a:t>How GNW is improved</a:t>
           </a:r>
           <a:endParaRPr lang="en-US" dirty="0"/>
         </a:p>
@@ -6207,7 +6210,7 @@
         <a:p>
           <a:r>
             <a:rPr lang="en-US" dirty="0" smtClean="0"/>
-            <a:t>Challenges</a:t>
+            <a:t>Demonstration</a:t>
           </a:r>
           <a:endParaRPr lang="en-US" dirty="0"/>
         </a:p>
@@ -6613,7 +6616,7 @@
         <a:p>
           <a:r>
             <a:rPr lang="en-US" dirty="0" smtClean="0"/>
-            <a:t>How GNW is improved</a:t>
+            <a:t>Challenges</a:t>
           </a:r>
           <a:endParaRPr lang="en-US" dirty="0"/>
         </a:p>
@@ -6650,7 +6653,7 @@
         <a:p>
           <a:r>
             <a:rPr lang="en-US" dirty="0" smtClean="0"/>
-            <a:t>Demonstration</a:t>
+            <a:t>How GNW is improved</a:t>
           </a:r>
           <a:endParaRPr lang="en-US" dirty="0"/>
         </a:p>
@@ -6693,7 +6696,7 @@
         <a:p>
           <a:r>
             <a:rPr lang="en-US" dirty="0" smtClean="0"/>
-            <a:t>Challenges</a:t>
+            <a:t>Demonstration</a:t>
           </a:r>
           <a:endParaRPr lang="en-US" dirty="0"/>
         </a:p>
@@ -7142,7 +7145,7 @@
         <a:p>
           <a:r>
             <a:rPr lang="en-US" dirty="0" smtClean="0"/>
-            <a:t>Challenges</a:t>
+            <a:t>Demonstration</a:t>
           </a:r>
           <a:endParaRPr lang="en-US" dirty="0"/>
         </a:p>
@@ -7179,7 +7182,7 @@
         <a:p>
           <a:r>
             <a:rPr lang="en-US" dirty="0" smtClean="0"/>
-            <a:t>Demonstration</a:t>
+            <a:t>How GNW is improved</a:t>
           </a:r>
           <a:endParaRPr lang="en-US" dirty="0"/>
         </a:p>
@@ -7216,7 +7219,7 @@
         <a:p>
           <a:r>
             <a:rPr lang="en-US" dirty="0" smtClean="0"/>
-            <a:t>How GNW is improved</a:t>
+            <a:t>Challenges</a:t>
           </a:r>
           <a:endParaRPr lang="en-US" dirty="0"/>
         </a:p>
@@ -7713,7 +7716,7 @@
           </a:pPr>
           <a:r>
             <a:rPr lang="en-US" sz="2800" kern="1200" dirty="0" smtClean="0"/>
-            <a:t>How GNW is improved</a:t>
+            <a:t>Challenges</a:t>
           </a:r>
           <a:endParaRPr lang="en-US" sz="2800" kern="1200" dirty="0"/>
         </a:p>
@@ -7807,8 +7810,8 @@
             </a:spcAft>
           </a:pPr>
           <a:r>
-            <a:rPr lang="en-US" sz="2800" kern="1200" dirty="0" smtClean="0"/>
-            <a:t>Demonstration</a:t>
+            <a:rPr lang="en-US" sz="2800" kern="1200" smtClean="0"/>
+            <a:t>How GNW is improved</a:t>
           </a:r>
           <a:endParaRPr lang="en-US" sz="2800" kern="1200" dirty="0"/>
         </a:p>
@@ -7903,7 +7906,7 @@
           </a:pPr>
           <a:r>
             <a:rPr lang="en-US" sz="2800" kern="1200" dirty="0" smtClean="0"/>
-            <a:t>Challenges</a:t>
+            <a:t>Demonstration</a:t>
           </a:r>
           <a:endParaRPr lang="en-US" sz="2800" kern="1200" dirty="0"/>
         </a:p>
@@ -8517,7 +8520,7 @@
           </a:pPr>
           <a:r>
             <a:rPr lang="en-US" sz="2800" kern="1200" dirty="0" smtClean="0"/>
-            <a:t>How GNW is improved</a:t>
+            <a:t>Challenges</a:t>
           </a:r>
           <a:endParaRPr lang="en-US" sz="2800" kern="1200" dirty="0"/>
         </a:p>
@@ -8612,7 +8615,7 @@
           </a:pPr>
           <a:r>
             <a:rPr lang="en-US" sz="2800" kern="1200" dirty="0" smtClean="0"/>
-            <a:t>Demonstration</a:t>
+            <a:t>How GNW is improved</a:t>
           </a:r>
           <a:endParaRPr lang="en-US" sz="2800" kern="1200" dirty="0"/>
         </a:p>
@@ -8707,7 +8710,7 @@
           </a:pPr>
           <a:r>
             <a:rPr lang="en-US" sz="2800" kern="1200" dirty="0" smtClean="0"/>
-            <a:t>Challenges</a:t>
+            <a:t>Demonstration</a:t>
           </a:r>
           <a:endParaRPr lang="en-US" sz="2800" kern="1200" dirty="0"/>
         </a:p>
@@ -9321,7 +9324,7 @@
           </a:pPr>
           <a:r>
             <a:rPr lang="en-US" sz="2800" kern="1200" dirty="0" smtClean="0"/>
-            <a:t>How GNW is improved</a:t>
+            <a:t>Challenges</a:t>
           </a:r>
           <a:endParaRPr lang="en-US" sz="2800" kern="1200" dirty="0"/>
         </a:p>
@@ -9416,7 +9419,7 @@
           </a:pPr>
           <a:r>
             <a:rPr lang="en-US" sz="2800" kern="1200" dirty="0" smtClean="0"/>
-            <a:t>Demonstration</a:t>
+            <a:t>How GNW is improved</a:t>
           </a:r>
           <a:endParaRPr lang="en-US" sz="2800" kern="1200" dirty="0"/>
         </a:p>
@@ -9511,7 +9514,7 @@
           </a:pPr>
           <a:r>
             <a:rPr lang="en-US" sz="2800" kern="1200" dirty="0" smtClean="0"/>
-            <a:t>Challenges</a:t>
+            <a:t>Demonstration</a:t>
           </a:r>
           <a:endParaRPr lang="en-US" sz="2800" kern="1200" dirty="0"/>
         </a:p>
@@ -10128,7 +10131,7 @@
           </a:pPr>
           <a:r>
             <a:rPr lang="en-US" sz="2800" kern="1200" dirty="0" smtClean="0"/>
-            <a:t>How GNW is improved</a:t>
+            <a:t>Challenges</a:t>
           </a:r>
           <a:endParaRPr lang="en-US" sz="2800" kern="1200" dirty="0"/>
         </a:p>
@@ -10220,7 +10223,7 @@
           </a:pPr>
           <a:r>
             <a:rPr lang="en-US" sz="2800" kern="1200" dirty="0" smtClean="0"/>
-            <a:t>Demonstration</a:t>
+            <a:t>How GNW is improved</a:t>
           </a:r>
           <a:endParaRPr lang="en-US" sz="2800" kern="1200" dirty="0"/>
         </a:p>
@@ -10315,7 +10318,7 @@
           </a:pPr>
           <a:r>
             <a:rPr lang="en-US" sz="2800" kern="1200" dirty="0" smtClean="0"/>
-            <a:t>Challenges</a:t>
+            <a:t>Demonstration</a:t>
           </a:r>
           <a:endParaRPr lang="en-US" sz="2800" kern="1200" dirty="0"/>
         </a:p>
@@ -10932,7 +10935,7 @@
           </a:pPr>
           <a:r>
             <a:rPr lang="en-US" sz="2800" kern="1200" dirty="0" smtClean="0"/>
-            <a:t>How GNW is improved</a:t>
+            <a:t>Challenges</a:t>
           </a:r>
           <a:endParaRPr lang="en-US" sz="2800" kern="1200" dirty="0"/>
         </a:p>
@@ -11027,7 +11030,7 @@
           </a:pPr>
           <a:r>
             <a:rPr lang="en-US" sz="2800" kern="1200" dirty="0" smtClean="0"/>
-            <a:t>Demonstration</a:t>
+            <a:t>How GNW is improved</a:t>
           </a:r>
           <a:endParaRPr lang="en-US" sz="2800" kern="1200" dirty="0"/>
         </a:p>
@@ -11119,7 +11122,7 @@
           </a:pPr>
           <a:r>
             <a:rPr lang="en-US" sz="2800" kern="1200" dirty="0" smtClean="0"/>
-            <a:t>Challenges</a:t>
+            <a:t>Demonstration</a:t>
           </a:r>
           <a:endParaRPr lang="en-US" sz="2800" kern="1200" dirty="0"/>
         </a:p>
@@ -11736,7 +11739,7 @@
           </a:pPr>
           <a:r>
             <a:rPr lang="en-US" sz="2800" kern="1200" dirty="0" smtClean="0"/>
-            <a:t>How GNW is improved</a:t>
+            <a:t>Challenges</a:t>
           </a:r>
           <a:endParaRPr lang="en-US" sz="2800" kern="1200" dirty="0"/>
         </a:p>
@@ -11831,7 +11834,7 @@
           </a:pPr>
           <a:r>
             <a:rPr lang="en-US" sz="2800" kern="1200" dirty="0" smtClean="0"/>
-            <a:t>Demonstration</a:t>
+            <a:t>How GNW is improved</a:t>
           </a:r>
           <a:endParaRPr lang="en-US" sz="2800" kern="1200" dirty="0"/>
         </a:p>
@@ -11926,7 +11929,7 @@
           </a:pPr>
           <a:r>
             <a:rPr lang="en-US" sz="2800" kern="1200" dirty="0" smtClean="0"/>
-            <a:t>Challenges</a:t>
+            <a:t>Demonstration</a:t>
           </a:r>
           <a:endParaRPr lang="en-US" sz="2800" kern="1200" dirty="0"/>
         </a:p>
@@ -28282,13 +28285,9 @@
             </a:r>
             <a:r>
               <a:rPr lang="en-US" baseline="0" dirty="0" smtClean="0"/>
-              <a:t> libraries and 130</a:t>
+              <a:t> libraries and 130+ classes</a:t>
             </a:r>
-            <a:r>
-              <a:rPr lang="en-US" baseline="0" smtClean="0"/>
-              <a:t>+ classes</a:t>
-            </a:r>
-            <a:endParaRPr lang="en-US"/>
+            <a:endParaRPr lang="en-US" dirty="0"/>
           </a:p>
         </p:txBody>
       </p:sp>
@@ -28309,7 +28308,7 @@
           <a:p>
             <a:fld id="{8A44A9E9-B5EF-42FE-BD01-8FB63A6653F1}" type="slidenum">
               <a:rPr lang="en-US" smtClean="0"/>
-              <a:t>18</a:t>
+              <a:t>11</a:t>
             </a:fld>
             <a:endParaRPr lang="en-US"/>
           </a:p>
@@ -28329,6 +28328,126 @@
 </file>
 
 <file path=ppt/notesSlides/notesSlide4.xml><?xml version="1.0" encoding="utf-8"?>
+<p:notes xmlns:a="http://schemas.openxmlformats.org/drawingml/2006/main" xmlns:r="http://schemas.openxmlformats.org/officeDocument/2006/relationships" xmlns:p="http://schemas.openxmlformats.org/presentationml/2006/main">
+  <p:cSld>
+    <p:spTree>
+      <p:nvGrpSpPr>
+        <p:cNvPr id="1" name=""/>
+        <p:cNvGrpSpPr/>
+        <p:nvPr/>
+      </p:nvGrpSpPr>
+      <p:grpSpPr>
+        <a:xfrm>
+          <a:off x="0" y="0"/>
+          <a:ext cx="0" cy="0"/>
+          <a:chOff x="0" y="0"/>
+          <a:chExt cx="0" cy="0"/>
+        </a:xfrm>
+      </p:grpSpPr>
+      <p:sp>
+        <p:nvSpPr>
+          <p:cNvPr id="2" name="Slide Image Placeholder 1"/>
+          <p:cNvSpPr>
+            <a:spLocks noGrp="1" noRot="1" noChangeAspect="1"/>
+          </p:cNvSpPr>
+          <p:nvPr>
+            <p:ph type="sldImg"/>
+          </p:nvPr>
+        </p:nvSpPr>
+        <p:spPr/>
+      </p:sp>
+      <p:sp>
+        <p:nvSpPr>
+          <p:cNvPr id="3" name="Notes Placeholder 2"/>
+          <p:cNvSpPr>
+            <a:spLocks noGrp="1"/>
+          </p:cNvSpPr>
+          <p:nvPr>
+            <p:ph type="body" idx="1"/>
+          </p:nvPr>
+        </p:nvSpPr>
+        <p:spPr/>
+        <p:txBody>
+          <a:bodyPr/>
+          <a:lstStyle/>
+          <a:p>
+            <a:r>
+              <a:rPr lang="en-US" dirty="0" smtClean="0"/>
+              <a:t>Edit</a:t>
+            </a:r>
+            <a:r>
+              <a:rPr lang="en-US" baseline="0" dirty="0" smtClean="0"/>
+              <a:t> structure using Example network</a:t>
+            </a:r>
+          </a:p>
+          <a:p>
+            <a:r>
+              <a:rPr lang="en-US" baseline="0" dirty="0" smtClean="0"/>
+              <a:t>Visualize using </a:t>
+            </a:r>
+            <a:r>
+              <a:rPr lang="en-US" baseline="0" dirty="0" err="1" smtClean="0"/>
+              <a:t>ecoli</a:t>
+            </a:r>
+            <a:r>
+              <a:rPr lang="en-US" baseline="0" dirty="0" smtClean="0"/>
+              <a:t> v1</a:t>
+            </a:r>
+          </a:p>
+          <a:p>
+            <a:r>
+              <a:rPr lang="en-US" baseline="0" dirty="0" smtClean="0"/>
+              <a:t>Compare using </a:t>
+            </a:r>
+            <a:r>
+              <a:rPr lang="en-US" baseline="0" dirty="0" err="1" smtClean="0"/>
+              <a:t>ecoli</a:t>
+            </a:r>
+            <a:r>
+              <a:rPr lang="en-US" baseline="0" dirty="0" smtClean="0"/>
+              <a:t> v1 and v2</a:t>
+            </a:r>
+            <a:endParaRPr lang="en-US" dirty="0"/>
+          </a:p>
+        </p:txBody>
+      </p:sp>
+      <p:sp>
+        <p:nvSpPr>
+          <p:cNvPr id="4" name="Slide Number Placeholder 3"/>
+          <p:cNvSpPr>
+            <a:spLocks noGrp="1"/>
+          </p:cNvSpPr>
+          <p:nvPr>
+            <p:ph type="sldNum" sz="quarter" idx="10"/>
+          </p:nvPr>
+        </p:nvSpPr>
+        <p:spPr/>
+        <p:txBody>
+          <a:bodyPr/>
+          <a:lstStyle/>
+          <a:p>
+            <a:fld id="{8A44A9E9-B5EF-42FE-BD01-8FB63A6653F1}" type="slidenum">
+              <a:rPr lang="en-US" smtClean="0"/>
+              <a:t>21</a:t>
+            </a:fld>
+            <a:endParaRPr lang="en-US"/>
+          </a:p>
+        </p:txBody>
+      </p:sp>
+    </p:spTree>
+    <p:extLst>
+      <p:ext uri="{BB962C8B-B14F-4D97-AF65-F5344CB8AC3E}">
+        <p14:creationId xmlns:p14="http://schemas.microsoft.com/office/powerpoint/2010/main" val="3524915151"/>
+      </p:ext>
+    </p:extLst>
+  </p:cSld>
+  <p:clrMapOvr>
+    <a:masterClrMapping/>
+  </p:clrMapOvr>
+</p:notes>
+</file>
+
+<file path=ppt/notesSlides/notesSlide5.xml><?xml version="1.0" encoding="utf-8"?>
 <p:notes xmlns:a="http://schemas.openxmlformats.org/drawingml/2006/main" xmlns:r="http://schemas.openxmlformats.org/officeDocument/2006/relationships" xmlns:p="http://schemas.openxmlformats.org/presentationml/2006/main">
   <p:cSld>
     <p:spTree>
@@ -28401,7 +28520,7 @@
           <a:p>
             <a:fld id="{8A44A9E9-B5EF-42FE-BD01-8FB63A6653F1}" type="slidenum">
               <a:rPr lang="en-US" smtClean="0"/>
-              <a:t>21</a:t>
+              <a:t>24</a:t>
             </a:fld>
             <a:endParaRPr lang="en-US"/>
           </a:p>
@@ -28420,7 +28539,7 @@
 </p:notes>
 </file>
 
-<file path=ppt/notesSlides/notesSlide5.xml><?xml version="1.0" encoding="utf-8"?>
+<file path=ppt/notesSlides/notesSlide6.xml><?xml version="1.0" encoding="utf-8"?>
 <p:notes xmlns:a="http://schemas.openxmlformats.org/drawingml/2006/main" xmlns:r="http://schemas.openxmlformats.org/officeDocument/2006/relationships" xmlns:p="http://schemas.openxmlformats.org/presentationml/2006/main">
   <p:cSld>
     <p:spTree>
@@ -28497,7 +28616,7 @@
           <a:p>
             <a:fld id="{8A44A9E9-B5EF-42FE-BD01-8FB63A6653F1}" type="slidenum">
               <a:rPr lang="en-US" smtClean="0"/>
-              <a:t>22</a:t>
+              <a:t>25</a:t>
             </a:fld>
             <a:endParaRPr lang="en-US"/>
           </a:p>
@@ -32407,6 +32526,738 @@
           <a:chExt cx="0" cy="0"/>
         </a:xfrm>
       </p:grpSpPr>
+      <p:pic>
+        <p:nvPicPr>
+          <p:cNvPr id="1026" name="Picture 2" descr="http://www.slideteam.net/media/catalog/product/cache/1/image/9df78eab33525d08d6e5fb8d27136e95/3/d/3d_man_overcoming_challenge_business_ppt_graphics_icons_powerpoin_Slide01.jpg"/>
+          <p:cNvPicPr>
+            <a:picLocks noChangeAspect="1" noChangeArrowheads="1"/>
+          </p:cNvPicPr>
+          <p:nvPr/>
+        </p:nvPicPr>
+        <p:blipFill rotWithShape="1">
+          <a:blip r:embed="rId2">
+            <a:extLst>
+              <a:ext uri="{28A0092B-C50C-407E-A947-70E740481C1C}">
+                <a14:useLocalDpi xmlns:a14="http://schemas.microsoft.com/office/drawing/2010/main" val="0"/>
+              </a:ext>
+            </a:extLst>
+          </a:blip>
+          <a:srcRect t="18653" r="32101"/>
+          <a:stretch/>
+        </p:blipFill>
+        <p:spPr bwMode="auto">
+          <a:xfrm>
+            <a:off x="1447800" y="838200"/>
+            <a:ext cx="6208649" cy="5578793"/>
+          </a:xfrm>
+          <a:prstGeom prst="rect">
+            <a:avLst/>
+          </a:prstGeom>
+          <a:noFill/>
+          <a:effectLst>
+            <a:softEdge rad="165100"/>
+          </a:effectLst>
+          <a:extLst>
+            <a:ext uri="{909E8E84-426E-40DD-AFC4-6F175D3DCCD1}">
+              <a14:hiddenFill xmlns:a14="http://schemas.microsoft.com/office/drawing/2010/main">
+                <a:solidFill>
+                  <a:srgbClr val="FFFFFF"/>
+                </a:solidFill>
+              </a14:hiddenFill>
+            </a:ext>
+          </a:extLst>
+        </p:spPr>
+      </p:pic>
+    </p:spTree>
+    <p:extLst>
+      <p:ext uri="{BB962C8B-B14F-4D97-AF65-F5344CB8AC3E}">
+        <p14:creationId xmlns:p14="http://schemas.microsoft.com/office/powerpoint/2010/main" val="3265407099"/>
+      </p:ext>
+    </p:extLst>
+  </p:cSld>
+  <p:clrMapOvr>
+    <a:masterClrMapping/>
+  </p:clrMapOvr>
+  <mc:AlternateContent xmlns:mc="http://schemas.openxmlformats.org/markup-compatibility/2006" xmlns:p14="http://schemas.microsoft.com/office/powerpoint/2010/main">
+    <mc:Choice Requires="p14">
+      <p:transition spd="slow" p14:dur="1200">
+        <p14:prism/>
+      </p:transition>
+    </mc:Choice>
+    <mc:Fallback xmlns="">
+      <p:transition spd="slow">
+        <p:fade/>
+      </p:transition>
+    </mc:Fallback>
+  </mc:AlternateContent>
+  <p:timing>
+    <p:tnLst>
+      <p:par>
+        <p:cTn id="1" dur="indefinite" restart="never" nodeType="tmRoot"/>
+      </p:par>
+    </p:tnLst>
+  </p:timing>
+</p:sld>
+</file>
+
+<file path=ppt/slides/slide11.xml><?xml version="1.0" encoding="utf-8"?>
+<p:sld xmlns:a="http://schemas.openxmlformats.org/drawingml/2006/main" xmlns:r="http://schemas.openxmlformats.org/officeDocument/2006/relationships" xmlns:p="http://schemas.openxmlformats.org/presentationml/2006/main">
+  <p:cSld>
+    <p:spTree>
+      <p:nvGrpSpPr>
+        <p:cNvPr id="1" name=""/>
+        <p:cNvGrpSpPr/>
+        <p:nvPr/>
+      </p:nvGrpSpPr>
+      <p:grpSpPr>
+        <a:xfrm>
+          <a:off x="0" y="0"/>
+          <a:ext cx="0" cy="0"/>
+          <a:chOff x="0" y="0"/>
+          <a:chExt cx="0" cy="0"/>
+        </a:xfrm>
+      </p:grpSpPr>
+      <p:pic>
+        <p:nvPicPr>
+          <p:cNvPr id="5" name="Picture 2" descr="http://www.slideteam.net/media/catalog/product/cache/1/image/9df78eab33525d08d6e5fb8d27136e95/3/d/3d_man_overcoming_challenge_business_ppt_graphics_icons_powerpoin_Slide01.jpg"/>
+          <p:cNvPicPr>
+            <a:picLocks noChangeAspect="1" noChangeArrowheads="1"/>
+          </p:cNvPicPr>
+          <p:nvPr/>
+        </p:nvPicPr>
+        <p:blipFill rotWithShape="1">
+          <a:blip r:embed="rId3">
+            <a:extLst>
+              <a:ext uri="{28A0092B-C50C-407E-A947-70E740481C1C}">
+                <a14:useLocalDpi xmlns:a14="http://schemas.microsoft.com/office/drawing/2010/main" val="0"/>
+              </a:ext>
+            </a:extLst>
+          </a:blip>
+          <a:srcRect t="18653" r="32101"/>
+          <a:stretch/>
+        </p:blipFill>
+        <p:spPr bwMode="auto">
+          <a:xfrm>
+            <a:off x="4858391" y="3031807"/>
+            <a:ext cx="4258177" cy="3826193"/>
+          </a:xfrm>
+          <a:prstGeom prst="rect">
+            <a:avLst/>
+          </a:prstGeom>
+          <a:noFill/>
+          <a:effectLst>
+            <a:softEdge rad="165100"/>
+          </a:effectLst>
+          <a:extLst>
+            <a:ext uri="{909E8E84-426E-40DD-AFC4-6F175D3DCCD1}">
+              <a14:hiddenFill xmlns:a14="http://schemas.microsoft.com/office/drawing/2010/main">
+                <a:solidFill>
+                  <a:srgbClr val="FFFFFF"/>
+                </a:solidFill>
+              </a14:hiddenFill>
+            </a:ext>
+          </a:extLst>
+        </p:spPr>
+      </p:pic>
+      <p:sp>
+        <p:nvSpPr>
+          <p:cNvPr id="2" name="Title 1"/>
+          <p:cNvSpPr>
+            <a:spLocks noGrp="1"/>
+          </p:cNvSpPr>
+          <p:nvPr>
+            <p:ph type="title"/>
+          </p:nvPr>
+        </p:nvSpPr>
+        <p:spPr/>
+        <p:txBody>
+          <a:bodyPr>
+            <a:normAutofit/>
+          </a:bodyPr>
+          <a:lstStyle/>
+          <a:p>
+            <a:r>
+              <a:rPr lang="en-US" dirty="0" smtClean="0"/>
+              <a:t>Challenges</a:t>
+            </a:r>
+            <a:endParaRPr lang="en-US" dirty="0"/>
+          </a:p>
+        </p:txBody>
+      </p:sp>
+      <p:sp>
+        <p:nvSpPr>
+          <p:cNvPr id="3" name="Content Placeholder 2"/>
+          <p:cNvSpPr>
+            <a:spLocks noGrp="1"/>
+          </p:cNvSpPr>
+          <p:nvPr>
+            <p:ph idx="1"/>
+          </p:nvPr>
+        </p:nvSpPr>
+        <p:spPr>
+          <a:xfrm>
+            <a:off x="457200" y="1935480"/>
+            <a:ext cx="8229600" cy="4617720"/>
+          </a:xfrm>
+        </p:spPr>
+        <p:txBody>
+          <a:bodyPr>
+            <a:normAutofit/>
+          </a:bodyPr>
+          <a:lstStyle/>
+          <a:p>
+            <a:endParaRPr lang="en-US" dirty="0" smtClean="0"/>
+          </a:p>
+          <a:p>
+            <a:r>
+              <a:rPr lang="en-US" dirty="0" smtClean="0"/>
+              <a:t>Understanding the existing application</a:t>
+            </a:r>
+          </a:p>
+          <a:p>
+            <a:pPr lvl="1"/>
+            <a:r>
+              <a:rPr lang="en-US" dirty="0" smtClean="0"/>
+              <a:t>Size</a:t>
+            </a:r>
+          </a:p>
+          <a:p>
+            <a:pPr lvl="1"/>
+            <a:r>
+              <a:rPr lang="en-US" dirty="0" smtClean="0"/>
+              <a:t>Complexity</a:t>
+            </a:r>
+          </a:p>
+          <a:p>
+            <a:pPr lvl="1"/>
+            <a:endParaRPr lang="en-US" dirty="0" smtClean="0"/>
+          </a:p>
+          <a:p>
+            <a:r>
+              <a:rPr lang="en-US" dirty="0" smtClean="0"/>
+              <a:t>Limited biological knowledge</a:t>
+            </a:r>
+          </a:p>
+          <a:p>
+            <a:endParaRPr lang="en-US" dirty="0"/>
+          </a:p>
+          <a:p>
+            <a:r>
+              <a:rPr lang="en-US" dirty="0" smtClean="0"/>
+              <a:t>Integration</a:t>
+            </a:r>
+            <a:endParaRPr lang="en-US" dirty="0"/>
+          </a:p>
+          <a:p>
+            <a:pPr marL="0" indent="0">
+              <a:buNone/>
+            </a:pPr>
+            <a:endParaRPr lang="en-US" dirty="0"/>
+          </a:p>
+        </p:txBody>
+      </p:sp>
+    </p:spTree>
+    <p:extLst>
+      <p:ext uri="{BB962C8B-B14F-4D97-AF65-F5344CB8AC3E}">
+        <p14:creationId xmlns:p14="http://schemas.microsoft.com/office/powerpoint/2010/main" val="1678015390"/>
+      </p:ext>
+    </p:extLst>
+  </p:cSld>
+  <p:clrMapOvr>
+    <a:masterClrMapping/>
+  </p:clrMapOvr>
+  <p:transition spd="slow">
+    <p:push dir="u"/>
+  </p:transition>
+  <p:timing>
+    <p:tnLst>
+      <p:par>
+        <p:cTn id="1" dur="indefinite" restart="never" nodeType="tmRoot">
+          <p:childTnLst>
+            <p:seq concurrent="1" nextAc="seek">
+              <p:cTn id="2" dur="indefinite" nodeType="mainSeq">
+                <p:childTnLst>
+                  <p:par>
+                    <p:cTn id="3" fill="hold">
+                      <p:stCondLst>
+                        <p:cond delay="indefinite"/>
+                      </p:stCondLst>
+                      <p:childTnLst>
+                        <p:par>
+                          <p:cTn id="4" fill="hold">
+                            <p:stCondLst>
+                              <p:cond delay="0"/>
+                            </p:stCondLst>
+                            <p:childTnLst>
+                              <p:par>
+                                <p:cTn id="5" presetID="16" presetClass="entr" presetSubtype="21" fill="hold" grpId="0" nodeType="clickEffect">
+                                  <p:stCondLst>
+                                    <p:cond delay="0"/>
+                                  </p:stCondLst>
+                                  <p:childTnLst>
+                                    <p:set>
+                                      <p:cBhvr>
+                                        <p:cTn id="6" dur="1" fill="hold">
+                                          <p:stCondLst>
+                                            <p:cond delay="0"/>
+                                          </p:stCondLst>
+                                        </p:cTn>
+                                        <p:tgtEl>
+                                          <p:spTgt spid="3">
+                                            <p:txEl>
+                                              <p:pRg st="1" end="1"/>
+                                            </p:txEl>
+                                          </p:spTgt>
+                                        </p:tgtEl>
+                                        <p:attrNameLst>
+                                          <p:attrName>style.visibility</p:attrName>
+                                        </p:attrNameLst>
+                                      </p:cBhvr>
+                                      <p:to>
+                                        <p:strVal val="visible"/>
+                                      </p:to>
+                                    </p:set>
+                                    <p:animEffect transition="in" filter="barn(inVertical)">
+                                      <p:cBhvr>
+                                        <p:cTn id="7" dur="500"/>
+                                        <p:tgtEl>
+                                          <p:spTgt spid="3">
+                                            <p:txEl>
+                                              <p:pRg st="1" end="1"/>
+                                            </p:txEl>
+                                          </p:spTgt>
+                                        </p:tgtEl>
+                                      </p:cBhvr>
+                                    </p:animEffect>
+                                  </p:childTnLst>
+                                </p:cTn>
+                              </p:par>
+                            </p:childTnLst>
+                          </p:cTn>
+                        </p:par>
+                        <p:par>
+                          <p:cTn id="8" fill="hold">
+                            <p:stCondLst>
+                              <p:cond delay="500"/>
+                            </p:stCondLst>
+                            <p:childTnLst>
+                              <p:par>
+                                <p:cTn id="9" presetID="16" presetClass="entr" presetSubtype="21" fill="hold" grpId="0" nodeType="afterEffect">
+                                  <p:stCondLst>
+                                    <p:cond delay="0"/>
+                                  </p:stCondLst>
+                                  <p:childTnLst>
+                                    <p:set>
+                                      <p:cBhvr>
+                                        <p:cTn id="10" dur="1" fill="hold">
+                                          <p:stCondLst>
+                                            <p:cond delay="0"/>
+                                          </p:stCondLst>
+                                        </p:cTn>
+                                        <p:tgtEl>
+                                          <p:spTgt spid="3">
+                                            <p:txEl>
+                                              <p:pRg st="2" end="2"/>
+                                            </p:txEl>
+                                          </p:spTgt>
+                                        </p:tgtEl>
+                                        <p:attrNameLst>
+                                          <p:attrName>style.visibility</p:attrName>
+                                        </p:attrNameLst>
+                                      </p:cBhvr>
+                                      <p:to>
+                                        <p:strVal val="visible"/>
+                                      </p:to>
+                                    </p:set>
+                                    <p:animEffect transition="in" filter="barn(inVertical)">
+                                      <p:cBhvr>
+                                        <p:cTn id="11" dur="500"/>
+                                        <p:tgtEl>
+                                          <p:spTgt spid="3">
+                                            <p:txEl>
+                                              <p:pRg st="2" end="2"/>
+                                            </p:txEl>
+                                          </p:spTgt>
+                                        </p:tgtEl>
+                                      </p:cBhvr>
+                                    </p:animEffect>
+                                  </p:childTnLst>
+                                </p:cTn>
+                              </p:par>
+                            </p:childTnLst>
+                          </p:cTn>
+                        </p:par>
+                        <p:par>
+                          <p:cTn id="12" fill="hold">
+                            <p:stCondLst>
+                              <p:cond delay="1000"/>
+                            </p:stCondLst>
+                            <p:childTnLst>
+                              <p:par>
+                                <p:cTn id="13" presetID="16" presetClass="entr" presetSubtype="21" fill="hold" grpId="0" nodeType="afterEffect">
+                                  <p:stCondLst>
+                                    <p:cond delay="0"/>
+                                  </p:stCondLst>
+                                  <p:childTnLst>
+                                    <p:set>
+                                      <p:cBhvr>
+                                        <p:cTn id="14" dur="1" fill="hold">
+                                          <p:stCondLst>
+                                            <p:cond delay="0"/>
+                                          </p:stCondLst>
+                                        </p:cTn>
+                                        <p:tgtEl>
+                                          <p:spTgt spid="3">
+                                            <p:txEl>
+                                              <p:pRg st="3" end="3"/>
+                                            </p:txEl>
+                                          </p:spTgt>
+                                        </p:tgtEl>
+                                        <p:attrNameLst>
+                                          <p:attrName>style.visibility</p:attrName>
+                                        </p:attrNameLst>
+                                      </p:cBhvr>
+                                      <p:to>
+                                        <p:strVal val="visible"/>
+                                      </p:to>
+                                    </p:set>
+                                    <p:animEffect transition="in" filter="barn(inVertical)">
+                                      <p:cBhvr>
+                                        <p:cTn id="15" dur="500"/>
+                                        <p:tgtEl>
+                                          <p:spTgt spid="3">
+                                            <p:txEl>
+                                              <p:pRg st="3" end="3"/>
+                                            </p:txEl>
+                                          </p:spTgt>
+                                        </p:tgtEl>
+                                      </p:cBhvr>
+                                    </p:animEffect>
+                                  </p:childTnLst>
+                                </p:cTn>
+                              </p:par>
+                            </p:childTnLst>
+                          </p:cTn>
+                        </p:par>
+                        <p:par>
+                          <p:cTn id="16" fill="hold">
+                            <p:stCondLst>
+                              <p:cond delay="1500"/>
+                            </p:stCondLst>
+                            <p:childTnLst>
+                              <p:par>
+                                <p:cTn id="17" presetID="16" presetClass="entr" presetSubtype="21" fill="hold" grpId="0" nodeType="afterEffect">
+                                  <p:stCondLst>
+                                    <p:cond delay="0"/>
+                                  </p:stCondLst>
+                                  <p:childTnLst>
+                                    <p:set>
+                                      <p:cBhvr>
+                                        <p:cTn id="18" dur="1" fill="hold">
+                                          <p:stCondLst>
+                                            <p:cond delay="0"/>
+                                          </p:stCondLst>
+                                        </p:cTn>
+                                        <p:tgtEl>
+                                          <p:spTgt spid="3">
+                                            <p:txEl>
+                                              <p:pRg st="5" end="5"/>
+                                            </p:txEl>
+                                          </p:spTgt>
+                                        </p:tgtEl>
+                                        <p:attrNameLst>
+                                          <p:attrName>style.visibility</p:attrName>
+                                        </p:attrNameLst>
+                                      </p:cBhvr>
+                                      <p:to>
+                                        <p:strVal val="visible"/>
+                                      </p:to>
+                                    </p:set>
+                                    <p:animEffect transition="in" filter="barn(inVertical)">
+                                      <p:cBhvr>
+                                        <p:cTn id="19" dur="500"/>
+                                        <p:tgtEl>
+                                          <p:spTgt spid="3">
+                                            <p:txEl>
+                                              <p:pRg st="5" end="5"/>
+                                            </p:txEl>
+                                          </p:spTgt>
+                                        </p:tgtEl>
+                                      </p:cBhvr>
+                                    </p:animEffect>
+                                  </p:childTnLst>
+                                </p:cTn>
+                              </p:par>
+                            </p:childTnLst>
+                          </p:cTn>
+                        </p:par>
+                        <p:par>
+                          <p:cTn id="20" fill="hold">
+                            <p:stCondLst>
+                              <p:cond delay="2000"/>
+                            </p:stCondLst>
+                            <p:childTnLst>
+                              <p:par>
+                                <p:cTn id="21" presetID="16" presetClass="entr" presetSubtype="21" fill="hold" grpId="0" nodeType="afterEffect">
+                                  <p:stCondLst>
+                                    <p:cond delay="0"/>
+                                  </p:stCondLst>
+                                  <p:childTnLst>
+                                    <p:set>
+                                      <p:cBhvr>
+                                        <p:cTn id="22" dur="1" fill="hold">
+                                          <p:stCondLst>
+                                            <p:cond delay="0"/>
+                                          </p:stCondLst>
+                                        </p:cTn>
+                                        <p:tgtEl>
+                                          <p:spTgt spid="3">
+                                            <p:txEl>
+                                              <p:pRg st="7" end="7"/>
+                                            </p:txEl>
+                                          </p:spTgt>
+                                        </p:tgtEl>
+                                        <p:attrNameLst>
+                                          <p:attrName>style.visibility</p:attrName>
+                                        </p:attrNameLst>
+                                      </p:cBhvr>
+                                      <p:to>
+                                        <p:strVal val="visible"/>
+                                      </p:to>
+                                    </p:set>
+                                    <p:animEffect transition="in" filter="barn(inVertical)">
+                                      <p:cBhvr>
+                                        <p:cTn id="23" dur="500"/>
+                                        <p:tgtEl>
+                                          <p:spTgt spid="3">
+                                            <p:txEl>
+                                              <p:pRg st="7" end="7"/>
+                                            </p:txEl>
+                                          </p:spTgt>
+                                        </p:tgtEl>
+                                      </p:cBhvr>
+                                    </p:animEffect>
+                                  </p:childTnLst>
+                                </p:cTn>
+                              </p:par>
+                            </p:childTnLst>
+                          </p:cTn>
+                        </p:par>
+                      </p:childTnLst>
+                    </p:cTn>
+                  </p:par>
+                </p:childTnLst>
+              </p:cTn>
+              <p:prevCondLst>
+                <p:cond evt="onPrev" delay="0">
+                  <p:tgtEl>
+                    <p:sldTgt/>
+                  </p:tgtEl>
+                </p:cond>
+              </p:prevCondLst>
+              <p:nextCondLst>
+                <p:cond evt="onNext" delay="0">
+                  <p:tgtEl>
+                    <p:sldTgt/>
+                  </p:tgtEl>
+                </p:cond>
+              </p:nextCondLst>
+            </p:seq>
+          </p:childTnLst>
+        </p:cTn>
+      </p:par>
+    </p:tnLst>
+    <p:bldLst>
+      <p:bldP spid="3" grpId="0" uiExpand="1" build="p"/>
+    </p:bldLst>
+  </p:timing>
+</p:sld>
+</file>
+
+<file path=ppt/slides/slide12.xml><?xml version="1.0" encoding="utf-8"?>
+<p:sld xmlns:a="http://schemas.openxmlformats.org/drawingml/2006/main" xmlns:r="http://schemas.openxmlformats.org/officeDocument/2006/relationships" xmlns:p="http://schemas.openxmlformats.org/presentationml/2006/main">
+  <p:cSld>
+    <p:spTree>
+      <p:nvGrpSpPr>
+        <p:cNvPr id="1" name=""/>
+        <p:cNvGrpSpPr/>
+        <p:nvPr/>
+      </p:nvGrpSpPr>
+      <p:grpSpPr>
+        <a:xfrm>
+          <a:off x="0" y="0"/>
+          <a:ext cx="0" cy="0"/>
+          <a:chOff x="0" y="0"/>
+          <a:chExt cx="0" cy="0"/>
+        </a:xfrm>
+      </p:grpSpPr>
+      <p:sp>
+        <p:nvSpPr>
+          <p:cNvPr id="4" name="Title 3"/>
+          <p:cNvSpPr>
+            <a:spLocks noGrp="1"/>
+          </p:cNvSpPr>
+          <p:nvPr>
+            <p:ph type="title"/>
+          </p:nvPr>
+        </p:nvSpPr>
+        <p:spPr/>
+        <p:txBody>
+          <a:bodyPr/>
+          <a:lstStyle/>
+          <a:p>
+            <a:r>
+              <a:rPr lang="en-US" dirty="0" smtClean="0"/>
+              <a:t>Agenda</a:t>
+            </a:r>
+            <a:endParaRPr lang="en-US" dirty="0"/>
+          </a:p>
+        </p:txBody>
+      </p:sp>
+      <p:graphicFrame>
+        <p:nvGraphicFramePr>
+          <p:cNvPr id="5" name="Diagram 4"/>
+          <p:cNvGraphicFramePr/>
+          <p:nvPr>
+            <p:extLst>
+              <p:ext uri="{D42A27DB-BD31-4B8C-83A1-F6EECF244321}">
+                <p14:modId xmlns:p14="http://schemas.microsoft.com/office/powerpoint/2010/main" val="2948479788"/>
+              </p:ext>
+            </p:extLst>
+          </p:nvPr>
+        </p:nvGraphicFramePr>
+        <p:xfrm>
+          <a:off x="1447800" y="2133600"/>
+          <a:ext cx="6248400" cy="4343400"/>
+        </p:xfrm>
+        <a:graphic>
+          <a:graphicData uri="http://schemas.openxmlformats.org/drawingml/2006/diagram">
+            <dgm:relIds xmlns:dgm="http://schemas.openxmlformats.org/drawingml/2006/diagram" xmlns:r="http://schemas.openxmlformats.org/officeDocument/2006/relationships" r:dm="rId2" r:lo="rId3" r:qs="rId4" r:cs="rId5"/>
+          </a:graphicData>
+        </a:graphic>
+      </p:graphicFrame>
+    </p:spTree>
+    <p:extLst>
+      <p:ext uri="{BB962C8B-B14F-4D97-AF65-F5344CB8AC3E}">
+        <p14:creationId xmlns:p14="http://schemas.microsoft.com/office/powerpoint/2010/main" val="2781085257"/>
+      </p:ext>
+    </p:extLst>
+  </p:cSld>
+  <p:clrMapOvr>
+    <a:masterClrMapping/>
+  </p:clrMapOvr>
+  <p:timing>
+    <p:tnLst>
+      <p:par>
+        <p:cTn id="1" dur="indefinite" restart="never" nodeType="tmRoot">
+          <p:childTnLst>
+            <p:seq concurrent="1" nextAc="seek">
+              <p:cTn id="2" dur="indefinite" nodeType="mainSeq">
+                <p:childTnLst>
+                  <p:par>
+                    <p:cTn id="3" fill="hold">
+                      <p:stCondLst>
+                        <p:cond delay="indefinite"/>
+                        <p:cond evt="onBegin" delay="0">
+                          <p:tn val="2"/>
+                        </p:cond>
+                      </p:stCondLst>
+                      <p:childTnLst>
+                        <p:par>
+                          <p:cTn id="4" fill="hold">
+                            <p:stCondLst>
+                              <p:cond delay="0"/>
+                            </p:stCondLst>
+                            <p:childTnLst>
+                              <p:par>
+                                <p:cTn id="5" presetID="26" presetClass="emph" presetSubtype="0" fill="hold" grpId="1" nodeType="afterEffect">
+                                  <p:stCondLst>
+                                    <p:cond delay="0"/>
+                                  </p:stCondLst>
+                                  <p:childTnLst>
+                                    <p:animEffect transition="out" filter="fade">
+                                      <p:cBhvr>
+                                        <p:cTn id="6" dur="500" tmFilter="0, 0; .2, .5; .8, .5; 1, 0"/>
+                                        <p:tgtEl>
+                                          <p:spTgt spid="5">
+                                            <p:graphicEl>
+                                              <a:dgm id="{B6D182C3-E790-40B2-B8AC-D44D50438494}"/>
+                                            </p:graphicEl>
+                                          </p:spTgt>
+                                        </p:tgtEl>
+                                      </p:cBhvr>
+                                    </p:animEffect>
+                                    <p:animScale>
+                                      <p:cBhvr>
+                                        <p:cTn id="7" dur="250" autoRev="1" fill="hold"/>
+                                        <p:tgtEl>
+                                          <p:spTgt spid="5">
+                                            <p:graphicEl>
+                                              <a:dgm id="{B6D182C3-E790-40B2-B8AC-D44D50438494}"/>
+                                            </p:graphicEl>
+                                          </p:spTgt>
+                                        </p:tgtEl>
+                                      </p:cBhvr>
+                                      <p:by x="105000" y="105000"/>
+                                    </p:animScale>
+                                  </p:childTnLst>
+                                </p:cTn>
+                              </p:par>
+                            </p:childTnLst>
+                          </p:cTn>
+                        </p:par>
+                      </p:childTnLst>
+                    </p:cTn>
+                  </p:par>
+                </p:childTnLst>
+              </p:cTn>
+              <p:prevCondLst>
+                <p:cond evt="onPrev" delay="0">
+                  <p:tgtEl>
+                    <p:sldTgt/>
+                  </p:tgtEl>
+                </p:cond>
+              </p:prevCondLst>
+              <p:nextCondLst>
+                <p:cond evt="onNext" delay="0">
+                  <p:tgtEl>
+                    <p:sldTgt/>
+                  </p:tgtEl>
+                </p:cond>
+              </p:nextCondLst>
+            </p:seq>
+          </p:childTnLst>
+        </p:cTn>
+      </p:par>
+    </p:tnLst>
+    <p:bldLst>
+      <p:bldGraphic spid="5" grpId="1" uiExpand="1">
+        <p:bldSub>
+          <a:bldDgm bld="one"/>
+        </p:bldSub>
+      </p:bldGraphic>
+    </p:bldLst>
+  </p:timing>
+</p:sld>
+</file>
+
+<file path=ppt/slides/slide13.xml><?xml version="1.0" encoding="utf-8"?>
+<p:sld xmlns:a="http://schemas.openxmlformats.org/drawingml/2006/main" xmlns:r="http://schemas.openxmlformats.org/officeDocument/2006/relationships" xmlns:p="http://schemas.openxmlformats.org/presentationml/2006/main">
+  <p:cSld>
+    <p:spTree>
+      <p:nvGrpSpPr>
+        <p:cNvPr id="1" name=""/>
+        <p:cNvGrpSpPr/>
+        <p:nvPr/>
+      </p:nvGrpSpPr>
+      <p:grpSpPr>
+        <a:xfrm>
+          <a:off x="0" y="0"/>
+          <a:ext cx="0" cy="0"/>
+          <a:chOff x="0" y="0"/>
+          <a:chExt cx="0" cy="0"/>
+        </a:xfrm>
+      </p:grpSpPr>
       <p:sp>
         <p:nvSpPr>
           <p:cNvPr id="4" name="Title 3"/>
@@ -33306,7 +34157,7 @@
 </p:sld>
 </file>
 
-<file path=ppt/slides/slide11.xml><?xml version="1.0" encoding="utf-8"?>
+<file path=ppt/slides/slide14.xml><?xml version="1.0" encoding="utf-8"?>
 <p:sld xmlns:a="http://schemas.openxmlformats.org/drawingml/2006/main" xmlns:r="http://schemas.openxmlformats.org/officeDocument/2006/relationships" xmlns:p="http://schemas.openxmlformats.org/presentationml/2006/main">
   <p:cSld>
     <p:spTree>
@@ -33397,7 +34248,7 @@
           <a:p>
             <a:r>
               <a:rPr lang="en-US" dirty="0" smtClean="0"/>
-              <a:t>New Features Integrated</a:t>
+              <a:t>Edit Network Structure</a:t>
             </a:r>
             <a:endParaRPr lang="en-US" dirty="0"/>
           </a:p>
@@ -33430,22 +34281,11 @@
           <a:p>
             <a:r>
               <a:rPr lang="en-US" dirty="0" smtClean="0"/>
-              <a:t>Edit network structure</a:t>
+              <a:t>Delete nodes</a:t>
             </a:r>
           </a:p>
           <a:p>
             <a:pPr lvl="1"/>
-            <a:r>
-              <a:rPr lang="en-US" dirty="0" smtClean="0"/>
-              <a:t>Delete </a:t>
-            </a:r>
-            <a:r>
-              <a:rPr lang="en-US" dirty="0" smtClean="0"/>
-              <a:t>nodes</a:t>
-            </a:r>
-          </a:p>
-          <a:p>
-            <a:pPr lvl="2"/>
             <a:r>
               <a:rPr lang="en-US" dirty="0" smtClean="0"/>
               <a:t>Select nodes to delete</a:t>
@@ -33453,41 +34293,13 @@
             <a:endParaRPr lang="en-US" dirty="0" smtClean="0"/>
           </a:p>
           <a:p>
-            <a:pPr lvl="1"/>
             <a:r>
               <a:rPr lang="en-US" dirty="0" smtClean="0"/>
-              <a:t>Add </a:t>
-            </a:r>
-            <a:r>
-              <a:rPr lang="en-US" dirty="0" smtClean="0"/>
-              <a:t>edges</a:t>
+              <a:t>Delete edges</a:t>
             </a:r>
           </a:p>
           <a:p>
-            <a:pPr lvl="2"/>
-            <a:r>
-              <a:rPr lang="en-US" dirty="0"/>
-              <a:t>S</a:t>
-            </a:r>
-            <a:r>
-              <a:rPr lang="en-US" dirty="0" smtClean="0"/>
-              <a:t>elect source and target nodes</a:t>
-            </a:r>
-            <a:endParaRPr lang="en-US" dirty="0" smtClean="0"/>
-          </a:p>
-          <a:p>
             <a:pPr lvl="1"/>
-            <a:r>
-              <a:rPr lang="en-US" dirty="0" smtClean="0"/>
-              <a:t>Delete </a:t>
-            </a:r>
-            <a:r>
-              <a:rPr lang="en-US" dirty="0" smtClean="0"/>
-              <a:t>edges</a:t>
-            </a:r>
-          </a:p>
-          <a:p>
-            <a:pPr lvl="2"/>
             <a:r>
               <a:rPr lang="en-US" dirty="0"/>
               <a:t>S</a:t>
@@ -33496,10 +34308,622 @@
               <a:rPr lang="en-US" dirty="0" smtClean="0"/>
               <a:t>elect edges to delete</a:t>
             </a:r>
+          </a:p>
+          <a:p>
+            <a:r>
+              <a:rPr lang="en-US" dirty="0"/>
+              <a:t>Add edges</a:t>
+            </a:r>
+          </a:p>
+          <a:p>
+            <a:pPr lvl="1"/>
+            <a:r>
+              <a:rPr lang="en-US" dirty="0"/>
+              <a:t>Select source and target nodes</a:t>
+            </a:r>
+          </a:p>
+          <a:p>
+            <a:pPr lvl="2"/>
             <a:endParaRPr lang="en-US" dirty="0" smtClean="0"/>
           </a:p>
         </p:txBody>
       </p:sp>
+      <p:grpSp>
+        <p:nvGrpSpPr>
+          <p:cNvPr id="11" name="Group 10"/>
+          <p:cNvGrpSpPr/>
+          <p:nvPr/>
+        </p:nvGrpSpPr>
+        <p:grpSpPr>
+          <a:xfrm>
+            <a:off x="1371600" y="674846"/>
+            <a:ext cx="6510338" cy="5508308"/>
+            <a:chOff x="1371600" y="674846"/>
+            <a:chExt cx="6510338" cy="5508308"/>
+          </a:xfrm>
+        </p:grpSpPr>
+        <p:grpSp>
+          <p:nvGrpSpPr>
+            <p:cNvPr id="7" name="Group 6"/>
+            <p:cNvGrpSpPr/>
+            <p:nvPr/>
+          </p:nvGrpSpPr>
+          <p:grpSpPr>
+            <a:xfrm>
+              <a:off x="1371600" y="674846"/>
+              <a:ext cx="6510338" cy="5508308"/>
+              <a:chOff x="1371600" y="674846"/>
+              <a:chExt cx="6510338" cy="5508308"/>
+            </a:xfrm>
+          </p:grpSpPr>
+          <p:pic>
+            <p:nvPicPr>
+              <p:cNvPr id="5" name="Picture 4"/>
+              <p:cNvPicPr/>
+              <p:nvPr/>
+            </p:nvPicPr>
+            <p:blipFill rotWithShape="1">
+              <a:blip r:embed="rId3"/>
+              <a:srcRect r="347" b="482"/>
+              <a:stretch/>
+            </p:blipFill>
+            <p:spPr bwMode="auto">
+              <a:xfrm>
+                <a:off x="1371600" y="674846"/>
+                <a:ext cx="6510338" cy="5508308"/>
+              </a:xfrm>
+              <a:prstGeom prst="rect">
+                <a:avLst/>
+              </a:prstGeom>
+              <a:ln w="9525" cap="flat" cmpd="sng" algn="ctr">
+                <a:solidFill>
+                  <a:srgbClr val="4F81BD"/>
+                </a:solidFill>
+                <a:prstDash val="solid"/>
+                <a:round/>
+                <a:headEnd type="none" w="med" len="med"/>
+                <a:tailEnd type="none" w="med" len="med"/>
+              </a:ln>
+              <a:extLst>
+                <a:ext uri="{53640926-AAD7-44D8-BBD7-CCE9431645EC}">
+                  <a14:shadowObscured xmlns:a14="http://schemas.microsoft.com/office/drawing/2010/main"/>
+                </a:ext>
+              </a:extLst>
+            </p:spPr>
+          </p:pic>
+          <p:sp>
+            <p:nvSpPr>
+              <p:cNvPr id="6" name="Rectangle 5"/>
+              <p:cNvSpPr/>
+              <p:nvPr/>
+            </p:nvSpPr>
+            <p:spPr>
+              <a:xfrm>
+                <a:off x="1569720" y="1895475"/>
+                <a:ext cx="990600" cy="238125"/>
+              </a:xfrm>
+              <a:prstGeom prst="rect">
+                <a:avLst/>
+              </a:prstGeom>
+              <a:noFill/>
+              <a:ln>
+                <a:solidFill>
+                  <a:srgbClr val="FF0000"/>
+                </a:solidFill>
+              </a:ln>
+            </p:spPr>
+            <p:style>
+              <a:lnRef idx="2">
+                <a:schemeClr val="accent1">
+                  <a:shade val="50000"/>
+                </a:schemeClr>
+              </a:lnRef>
+              <a:fillRef idx="1">
+                <a:schemeClr val="accent1"/>
+              </a:fillRef>
+              <a:effectRef idx="0">
+                <a:schemeClr val="accent1"/>
+              </a:effectRef>
+              <a:fontRef idx="minor">
+                <a:schemeClr val="lt1"/>
+              </a:fontRef>
+            </p:style>
+            <p:txBody>
+              <a:bodyPr rot="0" spcFirstLastPara="0" vert="horz" wrap="square" lIns="91440" tIns="45720" rIns="91440" bIns="45720" numCol="1" spcCol="0" rtlCol="0" fromWordArt="0" anchor="ctr" anchorCtr="0" forceAA="0" compatLnSpc="1">
+                <a:prstTxWarp prst="textNoShape">
+                  <a:avLst/>
+                </a:prstTxWarp>
+                <a:noAutofit/>
+              </a:bodyPr>
+              <a:lstStyle/>
+              <a:p>
+                <a:endParaRPr lang="en-US"/>
+              </a:p>
+            </p:txBody>
+          </p:sp>
+        </p:grpSp>
+        <p:sp>
+          <p:nvSpPr>
+            <p:cNvPr id="8" name="Rectangle 7"/>
+            <p:cNvSpPr/>
+            <p:nvPr/>
+          </p:nvSpPr>
+          <p:spPr>
+            <a:xfrm>
+              <a:off x="3076575" y="3500437"/>
+              <a:ext cx="581025" cy="447675"/>
+            </a:xfrm>
+            <a:prstGeom prst="rect">
+              <a:avLst/>
+            </a:prstGeom>
+            <a:noFill/>
+            <a:ln>
+              <a:solidFill>
+                <a:srgbClr val="FF0000"/>
+              </a:solidFill>
+            </a:ln>
+          </p:spPr>
+          <p:style>
+            <a:lnRef idx="2">
+              <a:schemeClr val="accent1">
+                <a:shade val="50000"/>
+              </a:schemeClr>
+            </a:lnRef>
+            <a:fillRef idx="1">
+              <a:schemeClr val="accent1"/>
+            </a:fillRef>
+            <a:effectRef idx="0">
+              <a:schemeClr val="accent1"/>
+            </a:effectRef>
+            <a:fontRef idx="minor">
+              <a:schemeClr val="lt1"/>
+            </a:fontRef>
+          </p:style>
+          <p:txBody>
+            <a:bodyPr rot="0" spcFirstLastPara="0" vert="horz" wrap="square" lIns="91440" tIns="45720" rIns="91440" bIns="45720" numCol="1" spcCol="0" rtlCol="0" fromWordArt="0" anchor="ctr" anchorCtr="0" forceAA="0" compatLnSpc="1">
+              <a:prstTxWarp prst="textNoShape">
+                <a:avLst/>
+              </a:prstTxWarp>
+              <a:noAutofit/>
+            </a:bodyPr>
+            <a:lstStyle/>
+            <a:p>
+              <a:endParaRPr lang="en-US"/>
+            </a:p>
+          </p:txBody>
+        </p:sp>
+        <p:sp>
+          <p:nvSpPr>
+            <p:cNvPr id="9" name="Rectangle 8"/>
+            <p:cNvSpPr/>
+            <p:nvPr/>
+          </p:nvSpPr>
+          <p:spPr>
+            <a:xfrm>
+              <a:off x="3642360" y="2055494"/>
+              <a:ext cx="581025" cy="447675"/>
+            </a:xfrm>
+            <a:prstGeom prst="rect">
+              <a:avLst/>
+            </a:prstGeom>
+            <a:noFill/>
+            <a:ln>
+              <a:solidFill>
+                <a:srgbClr val="FF0000"/>
+              </a:solidFill>
+            </a:ln>
+          </p:spPr>
+          <p:style>
+            <a:lnRef idx="2">
+              <a:schemeClr val="accent1">
+                <a:shade val="50000"/>
+              </a:schemeClr>
+            </a:lnRef>
+            <a:fillRef idx="1">
+              <a:schemeClr val="accent1"/>
+            </a:fillRef>
+            <a:effectRef idx="0">
+              <a:schemeClr val="accent1"/>
+            </a:effectRef>
+            <a:fontRef idx="minor">
+              <a:schemeClr val="lt1"/>
+            </a:fontRef>
+          </p:style>
+          <p:txBody>
+            <a:bodyPr rot="0" spcFirstLastPara="0" vert="horz" wrap="square" lIns="91440" tIns="45720" rIns="91440" bIns="45720" numCol="1" spcCol="0" rtlCol="0" fromWordArt="0" anchor="ctr" anchorCtr="0" forceAA="0" compatLnSpc="1">
+              <a:prstTxWarp prst="textNoShape">
+                <a:avLst/>
+              </a:prstTxWarp>
+              <a:noAutofit/>
+            </a:bodyPr>
+            <a:lstStyle/>
+            <a:p>
+              <a:endParaRPr lang="en-US"/>
+            </a:p>
+          </p:txBody>
+        </p:sp>
+        <p:sp>
+          <p:nvSpPr>
+            <p:cNvPr id="10" name="Rectangle 9"/>
+            <p:cNvSpPr/>
+            <p:nvPr/>
+          </p:nvSpPr>
+          <p:spPr>
+            <a:xfrm>
+              <a:off x="5927407" y="1607819"/>
+              <a:ext cx="581025" cy="447675"/>
+            </a:xfrm>
+            <a:prstGeom prst="rect">
+              <a:avLst/>
+            </a:prstGeom>
+            <a:noFill/>
+            <a:ln>
+              <a:solidFill>
+                <a:srgbClr val="FF0000"/>
+              </a:solidFill>
+            </a:ln>
+          </p:spPr>
+          <p:style>
+            <a:lnRef idx="2">
+              <a:schemeClr val="accent1">
+                <a:shade val="50000"/>
+              </a:schemeClr>
+            </a:lnRef>
+            <a:fillRef idx="1">
+              <a:schemeClr val="accent1"/>
+            </a:fillRef>
+            <a:effectRef idx="0">
+              <a:schemeClr val="accent1"/>
+            </a:effectRef>
+            <a:fontRef idx="minor">
+              <a:schemeClr val="lt1"/>
+            </a:fontRef>
+          </p:style>
+          <p:txBody>
+            <a:bodyPr rot="0" spcFirstLastPara="0" vert="horz" wrap="square" lIns="91440" tIns="45720" rIns="91440" bIns="45720" numCol="1" spcCol="0" rtlCol="0" fromWordArt="0" anchor="ctr" anchorCtr="0" forceAA="0" compatLnSpc="1">
+              <a:prstTxWarp prst="textNoShape">
+                <a:avLst/>
+              </a:prstTxWarp>
+              <a:noAutofit/>
+            </a:bodyPr>
+            <a:lstStyle/>
+            <a:p>
+              <a:endParaRPr lang="en-US"/>
+            </a:p>
+          </p:txBody>
+        </p:sp>
+      </p:grpSp>
+      <p:grpSp>
+        <p:nvGrpSpPr>
+          <p:cNvPr id="12" name="Group 11"/>
+          <p:cNvGrpSpPr/>
+          <p:nvPr/>
+        </p:nvGrpSpPr>
+        <p:grpSpPr>
+          <a:xfrm>
+            <a:off x="1371600" y="674846"/>
+            <a:ext cx="6510338" cy="5508308"/>
+            <a:chOff x="1371600" y="674846"/>
+            <a:chExt cx="6510338" cy="5508308"/>
+          </a:xfrm>
+        </p:grpSpPr>
+        <p:pic>
+          <p:nvPicPr>
+            <p:cNvPr id="13" name="Picture 12"/>
+            <p:cNvPicPr/>
+            <p:nvPr/>
+          </p:nvPicPr>
+          <p:blipFill rotWithShape="1">
+            <a:blip r:embed="rId4"/>
+            <a:srcRect t="448"/>
+            <a:stretch/>
+          </p:blipFill>
+          <p:spPr bwMode="auto">
+            <a:xfrm>
+              <a:off x="1371600" y="674846"/>
+              <a:ext cx="6510338" cy="5508308"/>
+            </a:xfrm>
+            <a:prstGeom prst="rect">
+              <a:avLst/>
+            </a:prstGeom>
+            <a:ln>
+              <a:solidFill>
+                <a:schemeClr val="accent1"/>
+              </a:solidFill>
+            </a:ln>
+            <a:extLst>
+              <a:ext uri="{53640926-AAD7-44D8-BBD7-CCE9431645EC}">
+                <a14:shadowObscured xmlns:a14="http://schemas.microsoft.com/office/drawing/2010/main"/>
+              </a:ext>
+            </a:extLst>
+          </p:spPr>
+        </p:pic>
+        <p:sp>
+          <p:nvSpPr>
+            <p:cNvPr id="14" name="Rectangle 13"/>
+            <p:cNvSpPr/>
+            <p:nvPr/>
+          </p:nvSpPr>
+          <p:spPr>
+            <a:xfrm>
+              <a:off x="1584960" y="1875472"/>
+              <a:ext cx="990600" cy="258128"/>
+            </a:xfrm>
+            <a:prstGeom prst="rect">
+              <a:avLst/>
+            </a:prstGeom>
+            <a:noFill/>
+            <a:ln>
+              <a:solidFill>
+                <a:srgbClr val="FF0000"/>
+              </a:solidFill>
+            </a:ln>
+          </p:spPr>
+          <p:style>
+            <a:lnRef idx="2">
+              <a:schemeClr val="accent1">
+                <a:shade val="50000"/>
+              </a:schemeClr>
+            </a:lnRef>
+            <a:fillRef idx="1">
+              <a:schemeClr val="accent1"/>
+            </a:fillRef>
+            <a:effectRef idx="0">
+              <a:schemeClr val="accent1"/>
+            </a:effectRef>
+            <a:fontRef idx="minor">
+              <a:schemeClr val="lt1"/>
+            </a:fontRef>
+          </p:style>
+          <p:txBody>
+            <a:bodyPr rot="0" spcFirstLastPara="0" vert="horz" wrap="square" lIns="91440" tIns="45720" rIns="91440" bIns="45720" numCol="1" spcCol="0" rtlCol="0" fromWordArt="0" anchor="ctr" anchorCtr="0" forceAA="0" compatLnSpc="1">
+              <a:prstTxWarp prst="textNoShape">
+                <a:avLst/>
+              </a:prstTxWarp>
+              <a:noAutofit/>
+            </a:bodyPr>
+            <a:lstStyle/>
+            <a:p>
+              <a:endParaRPr lang="en-US"/>
+            </a:p>
+          </p:txBody>
+        </p:sp>
+        <p:sp>
+          <p:nvSpPr>
+            <p:cNvPr id="15" name="Rectangle 14"/>
+            <p:cNvSpPr/>
+            <p:nvPr/>
+          </p:nvSpPr>
+          <p:spPr>
+            <a:xfrm>
+              <a:off x="3718560" y="3230880"/>
+              <a:ext cx="619125" cy="960120"/>
+            </a:xfrm>
+            <a:prstGeom prst="rect">
+              <a:avLst/>
+            </a:prstGeom>
+            <a:noFill/>
+            <a:ln>
+              <a:solidFill>
+                <a:srgbClr val="FF0000"/>
+              </a:solidFill>
+            </a:ln>
+          </p:spPr>
+          <p:style>
+            <a:lnRef idx="2">
+              <a:schemeClr val="accent1">
+                <a:shade val="50000"/>
+              </a:schemeClr>
+            </a:lnRef>
+            <a:fillRef idx="1">
+              <a:schemeClr val="accent1"/>
+            </a:fillRef>
+            <a:effectRef idx="0">
+              <a:schemeClr val="accent1"/>
+            </a:effectRef>
+            <a:fontRef idx="minor">
+              <a:schemeClr val="lt1"/>
+            </a:fontRef>
+          </p:style>
+          <p:txBody>
+            <a:bodyPr rot="0" spcFirstLastPara="0" vert="horz" wrap="square" lIns="91440" tIns="45720" rIns="91440" bIns="45720" numCol="1" spcCol="0" rtlCol="0" fromWordArt="0" anchor="ctr" anchorCtr="0" forceAA="0" compatLnSpc="1">
+              <a:prstTxWarp prst="textNoShape">
+                <a:avLst/>
+              </a:prstTxWarp>
+              <a:noAutofit/>
+            </a:bodyPr>
+            <a:lstStyle/>
+            <a:p>
+              <a:endParaRPr lang="en-US"/>
+            </a:p>
+          </p:txBody>
+        </p:sp>
+        <p:sp>
+          <p:nvSpPr>
+            <p:cNvPr id="16" name="Rectangle 15"/>
+            <p:cNvSpPr/>
+            <p:nvPr/>
+          </p:nvSpPr>
+          <p:spPr>
+            <a:xfrm>
+              <a:off x="5315425" y="3026569"/>
+              <a:ext cx="1223963" cy="804862"/>
+            </a:xfrm>
+            <a:prstGeom prst="rect">
+              <a:avLst/>
+            </a:prstGeom>
+            <a:noFill/>
+            <a:ln>
+              <a:solidFill>
+                <a:srgbClr val="FF0000"/>
+              </a:solidFill>
+            </a:ln>
+          </p:spPr>
+          <p:style>
+            <a:lnRef idx="2">
+              <a:schemeClr val="accent1">
+                <a:shade val="50000"/>
+              </a:schemeClr>
+            </a:lnRef>
+            <a:fillRef idx="1">
+              <a:schemeClr val="accent1"/>
+            </a:fillRef>
+            <a:effectRef idx="0">
+              <a:schemeClr val="accent1"/>
+            </a:effectRef>
+            <a:fontRef idx="minor">
+              <a:schemeClr val="lt1"/>
+            </a:fontRef>
+          </p:style>
+          <p:txBody>
+            <a:bodyPr rot="0" spcFirstLastPara="0" vert="horz" wrap="square" lIns="91440" tIns="45720" rIns="91440" bIns="45720" numCol="1" spcCol="0" rtlCol="0" fromWordArt="0" anchor="ctr" anchorCtr="0" forceAA="0" compatLnSpc="1">
+              <a:prstTxWarp prst="textNoShape">
+                <a:avLst/>
+              </a:prstTxWarp>
+              <a:noAutofit/>
+            </a:bodyPr>
+            <a:lstStyle/>
+            <a:p>
+              <a:endParaRPr lang="en-US"/>
+            </a:p>
+          </p:txBody>
+        </p:sp>
+        <p:sp>
+          <p:nvSpPr>
+            <p:cNvPr id="17" name="Rectangle 16"/>
+            <p:cNvSpPr/>
+            <p:nvPr/>
+          </p:nvSpPr>
+          <p:spPr>
+            <a:xfrm>
+              <a:off x="5400675" y="2154556"/>
+              <a:ext cx="955357" cy="588644"/>
+            </a:xfrm>
+            <a:prstGeom prst="rect">
+              <a:avLst/>
+            </a:prstGeom>
+            <a:noFill/>
+            <a:ln>
+              <a:solidFill>
+                <a:srgbClr val="FF0000"/>
+              </a:solidFill>
+            </a:ln>
+          </p:spPr>
+          <p:style>
+            <a:lnRef idx="2">
+              <a:schemeClr val="accent1">
+                <a:shade val="50000"/>
+              </a:schemeClr>
+            </a:lnRef>
+            <a:fillRef idx="1">
+              <a:schemeClr val="accent1"/>
+            </a:fillRef>
+            <a:effectRef idx="0">
+              <a:schemeClr val="accent1"/>
+            </a:effectRef>
+            <a:fontRef idx="minor">
+              <a:schemeClr val="lt1"/>
+            </a:fontRef>
+          </p:style>
+          <p:txBody>
+            <a:bodyPr rot="0" spcFirstLastPara="0" vert="horz" wrap="square" lIns="91440" tIns="45720" rIns="91440" bIns="45720" numCol="1" spcCol="0" rtlCol="0" fromWordArt="0" anchor="ctr" anchorCtr="0" forceAA="0" compatLnSpc="1">
+              <a:prstTxWarp prst="textNoShape">
+                <a:avLst/>
+              </a:prstTxWarp>
+              <a:noAutofit/>
+            </a:bodyPr>
+            <a:lstStyle/>
+            <a:p>
+              <a:endParaRPr lang="en-US"/>
+            </a:p>
+          </p:txBody>
+        </p:sp>
+        <p:sp>
+          <p:nvSpPr>
+            <p:cNvPr id="18" name="Rectangle 17"/>
+            <p:cNvSpPr/>
+            <p:nvPr/>
+          </p:nvSpPr>
+          <p:spPr>
+            <a:xfrm>
+              <a:off x="4262438" y="4724400"/>
+              <a:ext cx="1052987" cy="838200"/>
+            </a:xfrm>
+            <a:prstGeom prst="rect">
+              <a:avLst/>
+            </a:prstGeom>
+            <a:noFill/>
+            <a:ln>
+              <a:solidFill>
+                <a:srgbClr val="FF0000"/>
+              </a:solidFill>
+            </a:ln>
+          </p:spPr>
+          <p:style>
+            <a:lnRef idx="2">
+              <a:schemeClr val="accent1">
+                <a:shade val="50000"/>
+              </a:schemeClr>
+            </a:lnRef>
+            <a:fillRef idx="1">
+              <a:schemeClr val="accent1"/>
+            </a:fillRef>
+            <a:effectRef idx="0">
+              <a:schemeClr val="accent1"/>
+            </a:effectRef>
+            <a:fontRef idx="minor">
+              <a:schemeClr val="lt1"/>
+            </a:fontRef>
+          </p:style>
+          <p:txBody>
+            <a:bodyPr rot="0" spcFirstLastPara="0" vert="horz" wrap="square" lIns="91440" tIns="45720" rIns="91440" bIns="45720" numCol="1" spcCol="0" rtlCol="0" fromWordArt="0" anchor="ctr" anchorCtr="0" forceAA="0" compatLnSpc="1">
+              <a:prstTxWarp prst="textNoShape">
+                <a:avLst/>
+              </a:prstTxWarp>
+              <a:noAutofit/>
+            </a:bodyPr>
+            <a:lstStyle/>
+            <a:p>
+              <a:endParaRPr lang="en-US"/>
+            </a:p>
+          </p:txBody>
+        </p:sp>
+      </p:grpSp>
+      <p:pic>
+        <p:nvPicPr>
+          <p:cNvPr id="20" name="Picture 19"/>
+          <p:cNvPicPr/>
+          <p:nvPr/>
+        </p:nvPicPr>
+        <p:blipFill rotWithShape="1">
+          <a:blip r:embed="rId5"/>
+          <a:srcRect l="1" r="486"/>
+          <a:stretch/>
+        </p:blipFill>
+        <p:spPr bwMode="auto">
+          <a:xfrm>
+            <a:off x="1371600" y="674846"/>
+            <a:ext cx="6510338" cy="5508308"/>
+          </a:xfrm>
+          <a:prstGeom prst="rect">
+            <a:avLst/>
+          </a:prstGeom>
+          <a:ln w="9525" cap="flat" cmpd="sng" algn="ctr">
+            <a:solidFill>
+              <a:srgbClr val="4F81BD"/>
+            </a:solidFill>
+            <a:prstDash val="solid"/>
+            <a:round/>
+            <a:headEnd type="none" w="med" len="med"/>
+            <a:tailEnd type="none" w="med" len="med"/>
+          </a:ln>
+          <a:extLst>
+            <a:ext uri="{53640926-AAD7-44D8-BBD7-CCE9431645EC}">
+              <a14:shadowObscured xmlns:a14="http://schemas.microsoft.com/office/drawing/2010/main"/>
+            </a:ext>
+          </a:extLst>
+        </p:spPr>
+      </p:pic>
     </p:spTree>
     <p:extLst>
       <p:ext uri="{BB962C8B-B14F-4D97-AF65-F5344CB8AC3E}">
@@ -33576,24 +35000,15 @@
                                   </p:childTnLst>
                                 </p:cTn>
                               </p:par>
-                            </p:childTnLst>
-                          </p:cTn>
-                        </p:par>
-                        <p:par>
-                          <p:cTn id="8" fill="hold">
-                            <p:stCondLst>
-                              <p:cond delay="500"/>
-                            </p:stCondLst>
-                            <p:childTnLst>
                               <p:par>
-                                <p:cTn id="9" presetID="16" presetClass="entr" presetSubtype="21" fill="hold" grpId="0" nodeType="afterEffect">
+                                <p:cTn id="8" presetID="16" presetClass="entr" presetSubtype="21" fill="hold" grpId="0" nodeType="withEffect">
                                   <p:stCondLst>
                                     <p:cond delay="0"/>
                                   </p:stCondLst>
                                   <p:childTnLst>
                                     <p:set>
                                       <p:cBhvr>
-                                        <p:cTn id="10" dur="1" fill="hold">
+                                        <p:cTn id="9" dur="1" fill="hold">
                                           <p:stCondLst>
                                             <p:cond delay="0"/>
                                           </p:stCondLst>
@@ -33615,7 +35030,7 @@
                                     </p:set>
                                     <p:animEffect transition="in" filter="barn(inVertical)">
                                       <p:cBhvr>
-                                        <p:cTn id="11" dur="500"/>
+                                        <p:cTn id="10" dur="500"/>
                                         <p:tgtEl>
                                           <p:spTgt spid="3">
                                             <p:txEl>
@@ -33631,14 +35046,23 @@
                             </p:childTnLst>
                           </p:cTn>
                         </p:par>
+                      </p:childTnLst>
+                    </p:cTn>
+                  </p:par>
+                  <p:par>
+                    <p:cTn id="11" fill="hold">
+                      <p:stCondLst>
+                        <p:cond delay="indefinite"/>
+                      </p:stCondLst>
+                      <p:childTnLst>
                         <p:par>
                           <p:cTn id="12" fill="hold">
                             <p:stCondLst>
-                              <p:cond delay="1000"/>
+                              <p:cond delay="0"/>
                             </p:stCondLst>
                             <p:childTnLst>
                               <p:par>
-                                <p:cTn id="13" presetID="16" presetClass="entr" presetSubtype="21" fill="hold" grpId="0" nodeType="afterEffect">
+                                <p:cTn id="13" presetID="42" presetClass="entr" presetSubtype="0" fill="hold" nodeType="clickEffect">
                                   <p:stCondLst>
                                     <p:cond delay="0"/>
                                   </p:stCondLst>
@@ -33646,6 +35070,204 @@
                                     <p:set>
                                       <p:cBhvr>
                                         <p:cTn id="14" dur="1" fill="hold">
+                                          <p:stCondLst>
+                                            <p:cond delay="0"/>
+                                          </p:stCondLst>
+                                        </p:cTn>
+                                        <p:tgtEl>
+                                          <p:spTgt spid="11"/>
+                                        </p:tgtEl>
+                                        <p:attrNameLst>
+                                          <p:attrName>style.visibility</p:attrName>
+                                        </p:attrNameLst>
+                                      </p:cBhvr>
+                                      <p:to>
+                                        <p:strVal val="visible"/>
+                                      </p:to>
+                                    </p:set>
+                                    <p:animEffect transition="in" filter="fade">
+                                      <p:cBhvr>
+                                        <p:cTn id="15" dur="1000"/>
+                                        <p:tgtEl>
+                                          <p:spTgt spid="11"/>
+                                        </p:tgtEl>
+                                      </p:cBhvr>
+                                    </p:animEffect>
+                                    <p:anim calcmode="lin" valueType="num">
+                                      <p:cBhvr>
+                                        <p:cTn id="16" dur="1000" fill="hold"/>
+                                        <p:tgtEl>
+                                          <p:spTgt spid="11"/>
+                                        </p:tgtEl>
+                                        <p:attrNameLst>
+                                          <p:attrName>ppt_x</p:attrName>
+                                        </p:attrNameLst>
+                                      </p:cBhvr>
+                                      <p:tavLst>
+                                        <p:tav tm="0">
+                                          <p:val>
+                                            <p:strVal val="#ppt_x"/>
+                                          </p:val>
+                                        </p:tav>
+                                        <p:tav tm="100000">
+                                          <p:val>
+                                            <p:strVal val="#ppt_x"/>
+                                          </p:val>
+                                        </p:tav>
+                                      </p:tavLst>
+                                    </p:anim>
+                                    <p:anim calcmode="lin" valueType="num">
+                                      <p:cBhvr>
+                                        <p:cTn id="17" dur="1000" fill="hold"/>
+                                        <p:tgtEl>
+                                          <p:spTgt spid="11"/>
+                                        </p:tgtEl>
+                                        <p:attrNameLst>
+                                          <p:attrName>ppt_y</p:attrName>
+                                        </p:attrNameLst>
+                                      </p:cBhvr>
+                                      <p:tavLst>
+                                        <p:tav tm="0">
+                                          <p:val>
+                                            <p:strVal val="#ppt_y+.1"/>
+                                          </p:val>
+                                        </p:tav>
+                                        <p:tav tm="100000">
+                                          <p:val>
+                                            <p:strVal val="#ppt_y"/>
+                                          </p:val>
+                                        </p:tav>
+                                      </p:tavLst>
+                                    </p:anim>
+                                  </p:childTnLst>
+                                </p:cTn>
+                              </p:par>
+                            </p:childTnLst>
+                          </p:cTn>
+                        </p:par>
+                      </p:childTnLst>
+                    </p:cTn>
+                  </p:par>
+                  <p:par>
+                    <p:cTn id="18" fill="hold">
+                      <p:stCondLst>
+                        <p:cond delay="indefinite"/>
+                      </p:stCondLst>
+                      <p:childTnLst>
+                        <p:par>
+                          <p:cTn id="19" fill="hold">
+                            <p:stCondLst>
+                              <p:cond delay="0"/>
+                            </p:stCondLst>
+                            <p:childTnLst>
+                              <p:par>
+                                <p:cTn id="20" presetID="42" presetClass="exit" presetSubtype="0" fill="hold" nodeType="clickEffect">
+                                  <p:stCondLst>
+                                    <p:cond delay="0"/>
+                                  </p:stCondLst>
+                                  <p:childTnLst>
+                                    <p:animEffect transition="out" filter="fade">
+                                      <p:cBhvr>
+                                        <p:cTn id="21" dur="1000"/>
+                                        <p:tgtEl>
+                                          <p:spTgt spid="11"/>
+                                        </p:tgtEl>
+                                      </p:cBhvr>
+                                    </p:animEffect>
+                                    <p:anim calcmode="lin" valueType="num">
+                                      <p:cBhvr>
+                                        <p:cTn id="22" dur="1000"/>
+                                        <p:tgtEl>
+                                          <p:spTgt spid="11"/>
+                                        </p:tgtEl>
+                                        <p:attrNameLst>
+                                          <p:attrName>ppt_x</p:attrName>
+                                        </p:attrNameLst>
+                                      </p:cBhvr>
+                                      <p:tavLst>
+                                        <p:tav tm="0">
+                                          <p:val>
+                                            <p:strVal val="ppt_x"/>
+                                          </p:val>
+                                        </p:tav>
+                                        <p:tav tm="100000">
+                                          <p:val>
+                                            <p:strVal val="ppt_x"/>
+                                          </p:val>
+                                        </p:tav>
+                                      </p:tavLst>
+                                    </p:anim>
+                                    <p:anim calcmode="lin" valueType="num">
+                                      <p:cBhvr>
+                                        <p:cTn id="23" dur="1000"/>
+                                        <p:tgtEl>
+                                          <p:spTgt spid="11"/>
+                                        </p:tgtEl>
+                                        <p:attrNameLst>
+                                          <p:attrName>ppt_y</p:attrName>
+                                        </p:attrNameLst>
+                                      </p:cBhvr>
+                                      <p:tavLst>
+                                        <p:tav tm="0">
+                                          <p:val>
+                                            <p:strVal val="ppt_y"/>
+                                          </p:val>
+                                        </p:tav>
+                                        <p:tav tm="100000">
+                                          <p:val>
+                                            <p:strVal val="ppt_y+.1"/>
+                                          </p:val>
+                                        </p:tav>
+                                      </p:tavLst>
+                                    </p:anim>
+                                    <p:set>
+                                      <p:cBhvr>
+                                        <p:cTn id="24" dur="1" fill="hold">
+                                          <p:stCondLst>
+                                            <p:cond delay="999"/>
+                                          </p:stCondLst>
+                                        </p:cTn>
+                                        <p:tgtEl>
+                                          <p:spTgt spid="11"/>
+                                        </p:tgtEl>
+                                        <p:attrNameLst>
+                                          <p:attrName>style.visibility</p:attrName>
+                                        </p:attrNameLst>
+                                      </p:cBhvr>
+                                      <p:to>
+                                        <p:strVal val="hidden"/>
+                                      </p:to>
+                                    </p:set>
+                                  </p:childTnLst>
+                                </p:cTn>
+                              </p:par>
+                            </p:childTnLst>
+                          </p:cTn>
+                        </p:par>
+                      </p:childTnLst>
+                    </p:cTn>
+                  </p:par>
+                  <p:par>
+                    <p:cTn id="25" fill="hold">
+                      <p:stCondLst>
+                        <p:cond delay="indefinite"/>
+                      </p:stCondLst>
+                      <p:childTnLst>
+                        <p:par>
+                          <p:cTn id="26" fill="hold">
+                            <p:stCondLst>
+                              <p:cond delay="0"/>
+                            </p:stCondLst>
+                            <p:childTnLst>
+                              <p:par>
+                                <p:cTn id="27" presetID="16" presetClass="entr" presetSubtype="21" fill="hold" grpId="0" nodeType="clickEffect">
+                                  <p:stCondLst>
+                                    <p:cond delay="0"/>
+                                  </p:stCondLst>
+                                  <p:childTnLst>
+                                    <p:set>
+                                      <p:cBhvr>
+                                        <p:cTn id="28" dur="1" fill="hold">
                                           <p:stCondLst>
                                             <p:cond delay="0"/>
                                           </p:stCondLst>
@@ -33667,7 +35289,7 @@
                                     </p:set>
                                     <p:animEffect transition="in" filter="barn(inVertical)">
                                       <p:cBhvr>
-                                        <p:cTn id="15" dur="500"/>
+                                        <p:cTn id="29" dur="500"/>
                                         <p:tgtEl>
                                           <p:spTgt spid="3">
                                             <p:txEl>
@@ -33680,24 +35302,15 @@
                                   </p:childTnLst>
                                 </p:cTn>
                               </p:par>
-                            </p:childTnLst>
-                          </p:cTn>
-                        </p:par>
-                        <p:par>
-                          <p:cTn id="16" fill="hold">
-                            <p:stCondLst>
-                              <p:cond delay="1500"/>
-                            </p:stCondLst>
-                            <p:childTnLst>
                               <p:par>
-                                <p:cTn id="17" presetID="16" presetClass="entr" presetSubtype="21" fill="hold" grpId="0" nodeType="afterEffect">
+                                <p:cTn id="30" presetID="16" presetClass="entr" presetSubtype="21" fill="hold" grpId="0" nodeType="withEffect">
                                   <p:stCondLst>
                                     <p:cond delay="0"/>
                                   </p:stCondLst>
                                   <p:childTnLst>
                                     <p:set>
                                       <p:cBhvr>
-                                        <p:cTn id="18" dur="1" fill="hold">
+                                        <p:cTn id="31" dur="1" fill="hold">
                                           <p:stCondLst>
                                             <p:cond delay="0"/>
                                           </p:stCondLst>
@@ -33719,7 +35332,7 @@
                                     </p:set>
                                     <p:animEffect transition="in" filter="barn(inVertical)">
                                       <p:cBhvr>
-                                        <p:cTn id="19" dur="500"/>
+                                        <p:cTn id="32" dur="500"/>
                                         <p:tgtEl>
                                           <p:spTgt spid="3">
                                             <p:txEl>
@@ -33735,21 +35348,228 @@
                             </p:childTnLst>
                           </p:cTn>
                         </p:par>
+                      </p:childTnLst>
+                    </p:cTn>
+                  </p:par>
+                  <p:par>
+                    <p:cTn id="33" fill="hold">
+                      <p:stCondLst>
+                        <p:cond delay="indefinite"/>
+                      </p:stCondLst>
+                      <p:childTnLst>
                         <p:par>
-                          <p:cTn id="20" fill="hold">
+                          <p:cTn id="34" fill="hold">
                             <p:stCondLst>
-                              <p:cond delay="2000"/>
+                              <p:cond delay="0"/>
                             </p:stCondLst>
                             <p:childTnLst>
                               <p:par>
-                                <p:cTn id="21" presetID="16" presetClass="entr" presetSubtype="21" fill="hold" grpId="0" nodeType="afterEffect">
+                                <p:cTn id="35" presetID="42" presetClass="entr" presetSubtype="0" fill="hold" nodeType="clickEffect">
                                   <p:stCondLst>
                                     <p:cond delay="0"/>
                                   </p:stCondLst>
                                   <p:childTnLst>
                                     <p:set>
                                       <p:cBhvr>
-                                        <p:cTn id="22" dur="1" fill="hold">
+                                        <p:cTn id="36" dur="1" fill="hold">
+                                          <p:stCondLst>
+                                            <p:cond delay="0"/>
+                                          </p:stCondLst>
+                                        </p:cTn>
+                                        <p:tgtEl>
+                                          <p:spTgt spid="12"/>
+                                        </p:tgtEl>
+                                        <p:attrNameLst>
+                                          <p:attrName>style.visibility</p:attrName>
+                                        </p:attrNameLst>
+                                      </p:cBhvr>
+                                      <p:to>
+                                        <p:strVal val="visible"/>
+                                      </p:to>
+                                    </p:set>
+                                    <p:animEffect transition="in" filter="fade">
+                                      <p:cBhvr>
+                                        <p:cTn id="37" dur="1000"/>
+                                        <p:tgtEl>
+                                          <p:spTgt spid="12"/>
+                                        </p:tgtEl>
+                                      </p:cBhvr>
+                                    </p:animEffect>
+                                    <p:anim calcmode="lin" valueType="num">
+                                      <p:cBhvr>
+                                        <p:cTn id="38" dur="1000" fill="hold"/>
+                                        <p:tgtEl>
+                                          <p:spTgt spid="12"/>
+                                        </p:tgtEl>
+                                        <p:attrNameLst>
+                                          <p:attrName>ppt_x</p:attrName>
+                                        </p:attrNameLst>
+                                      </p:cBhvr>
+                                      <p:tavLst>
+                                        <p:tav tm="0">
+                                          <p:val>
+                                            <p:strVal val="#ppt_x"/>
+                                          </p:val>
+                                        </p:tav>
+                                        <p:tav tm="100000">
+                                          <p:val>
+                                            <p:strVal val="#ppt_x"/>
+                                          </p:val>
+                                        </p:tav>
+                                      </p:tavLst>
+                                    </p:anim>
+                                    <p:anim calcmode="lin" valueType="num">
+                                      <p:cBhvr>
+                                        <p:cTn id="39" dur="1000" fill="hold"/>
+                                        <p:tgtEl>
+                                          <p:spTgt spid="12"/>
+                                        </p:tgtEl>
+                                        <p:attrNameLst>
+                                          <p:attrName>ppt_y</p:attrName>
+                                        </p:attrNameLst>
+                                      </p:cBhvr>
+                                      <p:tavLst>
+                                        <p:tav tm="0">
+                                          <p:val>
+                                            <p:strVal val="#ppt_y+.1"/>
+                                          </p:val>
+                                        </p:tav>
+                                        <p:tav tm="100000">
+                                          <p:val>
+                                            <p:strVal val="#ppt_y"/>
+                                          </p:val>
+                                        </p:tav>
+                                      </p:tavLst>
+                                    </p:anim>
+                                  </p:childTnLst>
+                                </p:cTn>
+                              </p:par>
+                            </p:childTnLst>
+                          </p:cTn>
+                        </p:par>
+                      </p:childTnLst>
+                    </p:cTn>
+                  </p:par>
+                  <p:par>
+                    <p:cTn id="40" fill="hold">
+                      <p:stCondLst>
+                        <p:cond delay="indefinite"/>
+                      </p:stCondLst>
+                      <p:childTnLst>
+                        <p:par>
+                          <p:cTn id="41" fill="hold">
+                            <p:stCondLst>
+                              <p:cond delay="0"/>
+                            </p:stCondLst>
+                            <p:childTnLst>
+                              <p:par>
+                                <p:cTn id="42" presetID="42" presetClass="exit" presetSubtype="0" fill="hold" nodeType="clickEffect">
+                                  <p:stCondLst>
+                                    <p:cond delay="0"/>
+                                  </p:stCondLst>
+                                  <p:childTnLst>
+                                    <p:animEffect transition="out" filter="fade">
+                                      <p:cBhvr>
+                                        <p:cTn id="43" dur="1000"/>
+                                        <p:tgtEl>
+                                          <p:spTgt spid="12"/>
+                                        </p:tgtEl>
+                                      </p:cBhvr>
+                                    </p:animEffect>
+                                    <p:anim calcmode="lin" valueType="num">
+                                      <p:cBhvr>
+                                        <p:cTn id="44" dur="1000"/>
+                                        <p:tgtEl>
+                                          <p:spTgt spid="12"/>
+                                        </p:tgtEl>
+                                        <p:attrNameLst>
+                                          <p:attrName>ppt_x</p:attrName>
+                                        </p:attrNameLst>
+                                      </p:cBhvr>
+                                      <p:tavLst>
+                                        <p:tav tm="0">
+                                          <p:val>
+                                            <p:strVal val="ppt_x"/>
+                                          </p:val>
+                                        </p:tav>
+                                        <p:tav tm="100000">
+                                          <p:val>
+                                            <p:strVal val="ppt_x"/>
+                                          </p:val>
+                                        </p:tav>
+                                      </p:tavLst>
+                                    </p:anim>
+                                    <p:anim calcmode="lin" valueType="num">
+                                      <p:cBhvr>
+                                        <p:cTn id="45" dur="1000"/>
+                                        <p:tgtEl>
+                                          <p:spTgt spid="12"/>
+                                        </p:tgtEl>
+                                        <p:attrNameLst>
+                                          <p:attrName>ppt_y</p:attrName>
+                                        </p:attrNameLst>
+                                      </p:cBhvr>
+                                      <p:tavLst>
+                                        <p:tav tm="0">
+                                          <p:val>
+                                            <p:strVal val="ppt_y"/>
+                                          </p:val>
+                                        </p:tav>
+                                        <p:tav tm="100000">
+                                          <p:val>
+                                            <p:strVal val="ppt_y+.1"/>
+                                          </p:val>
+                                        </p:tav>
+                                      </p:tavLst>
+                                    </p:anim>
+                                    <p:set>
+                                      <p:cBhvr>
+                                        <p:cTn id="46" dur="1" fill="hold">
+                                          <p:stCondLst>
+                                            <p:cond delay="999"/>
+                                          </p:stCondLst>
+                                        </p:cTn>
+                                        <p:tgtEl>
+                                          <p:spTgt spid="12"/>
+                                        </p:tgtEl>
+                                        <p:attrNameLst>
+                                          <p:attrName>style.visibility</p:attrName>
+                                        </p:attrNameLst>
+                                      </p:cBhvr>
+                                      <p:to>
+                                        <p:strVal val="hidden"/>
+                                      </p:to>
+                                    </p:set>
+                                  </p:childTnLst>
+                                </p:cTn>
+                              </p:par>
+                            </p:childTnLst>
+                          </p:cTn>
+                        </p:par>
+                      </p:childTnLst>
+                    </p:cTn>
+                  </p:par>
+                  <p:par>
+                    <p:cTn id="47" fill="hold">
+                      <p:stCondLst>
+                        <p:cond delay="indefinite"/>
+                      </p:stCondLst>
+                      <p:childTnLst>
+                        <p:par>
+                          <p:cTn id="48" fill="hold">
+                            <p:stCondLst>
+                              <p:cond delay="0"/>
+                            </p:stCondLst>
+                            <p:childTnLst>
+                              <p:par>
+                                <p:cTn id="49" presetID="16" presetClass="entr" presetSubtype="21" fill="hold" grpId="0" nodeType="clickEffect">
+                                  <p:stCondLst>
+                                    <p:cond delay="0"/>
+                                  </p:stCondLst>
+                                  <p:childTnLst>
+                                    <p:set>
+                                      <p:cBhvr>
+                                        <p:cTn id="50" dur="1" fill="hold">
                                           <p:stCondLst>
                                             <p:cond delay="0"/>
                                           </p:stCondLst>
@@ -33771,7 +35591,7 @@
                                     </p:set>
                                     <p:animEffect transition="in" filter="barn(inVertical)">
                                       <p:cBhvr>
-                                        <p:cTn id="23" dur="500"/>
+                                        <p:cTn id="51" dur="500"/>
                                         <p:tgtEl>
                                           <p:spTgt spid="3">
                                             <p:txEl>
@@ -33784,24 +35604,15 @@
                                   </p:childTnLst>
                                 </p:cTn>
                               </p:par>
-                            </p:childTnLst>
-                          </p:cTn>
-                        </p:par>
-                        <p:par>
-                          <p:cTn id="24" fill="hold">
-                            <p:stCondLst>
-                              <p:cond delay="2500"/>
-                            </p:stCondLst>
-                            <p:childTnLst>
                               <p:par>
-                                <p:cTn id="25" presetID="16" presetClass="entr" presetSubtype="21" fill="hold" grpId="0" nodeType="afterEffect">
+                                <p:cTn id="52" presetID="16" presetClass="entr" presetSubtype="21" fill="hold" grpId="0" nodeType="withEffect">
                                   <p:stCondLst>
                                     <p:cond delay="0"/>
                                   </p:stCondLst>
                                   <p:childTnLst>
                                     <p:set>
                                       <p:cBhvr>
-                                        <p:cTn id="26" dur="1" fill="hold">
+                                        <p:cTn id="53" dur="1" fill="hold">
                                           <p:stCondLst>
                                             <p:cond delay="0"/>
                                           </p:stCondLst>
@@ -33823,7 +35634,7 @@
                                     </p:set>
                                     <p:animEffect transition="in" filter="barn(inVertical)">
                                       <p:cBhvr>
-                                        <p:cTn id="27" dur="500"/>
+                                        <p:cTn id="54" dur="500"/>
                                         <p:tgtEl>
                                           <p:spTgt spid="3">
                                             <p:txEl>
@@ -33839,31 +35650,36 @@
                             </p:childTnLst>
                           </p:cTn>
                         </p:par>
+                      </p:childTnLst>
+                    </p:cTn>
+                  </p:par>
+                  <p:par>
+                    <p:cTn id="55" fill="hold">
+                      <p:stCondLst>
+                        <p:cond delay="indefinite"/>
+                      </p:stCondLst>
+                      <p:childTnLst>
                         <p:par>
-                          <p:cTn id="28" fill="hold">
+                          <p:cTn id="56" fill="hold">
                             <p:stCondLst>
-                              <p:cond delay="3000"/>
+                              <p:cond delay="0"/>
                             </p:stCondLst>
                             <p:childTnLst>
                               <p:par>
-                                <p:cTn id="29" presetID="16" presetClass="entr" presetSubtype="21" fill="hold" grpId="0" nodeType="afterEffect">
+                                <p:cTn id="57" presetID="42" presetClass="entr" presetSubtype="0" fill="hold" nodeType="clickEffect">
                                   <p:stCondLst>
                                     <p:cond delay="0"/>
                                   </p:stCondLst>
                                   <p:childTnLst>
                                     <p:set>
                                       <p:cBhvr>
-                                        <p:cTn id="30" dur="1" fill="hold">
+                                        <p:cTn id="58" dur="1" fill="hold">
                                           <p:stCondLst>
                                             <p:cond delay="0"/>
                                           </p:stCondLst>
                                         </p:cTn>
                                         <p:tgtEl>
-                                          <p:spTgt spid="3">
-                                            <p:txEl>
-                                              <p:pRg st="7" end="7"/>
-                                            </p:txEl>
-                                          </p:spTgt>
+                                          <p:spTgt spid="20"/>
                                         </p:tgtEl>
                                         <p:attrNameLst>
                                           <p:attrName>style.visibility</p:attrName>
@@ -33873,18 +35689,159 @@
                                         <p:strVal val="visible"/>
                                       </p:to>
                                     </p:set>
-                                    <p:animEffect transition="in" filter="barn(inVertical)">
+                                    <p:animEffect transition="in" filter="fade">
                                       <p:cBhvr>
-                                        <p:cTn id="31" dur="500"/>
+                                        <p:cTn id="59" dur="1000"/>
                                         <p:tgtEl>
-                                          <p:spTgt spid="3">
-                                            <p:txEl>
-                                              <p:pRg st="7" end="7"/>
-                                            </p:txEl>
-                                          </p:spTgt>
+                                          <p:spTgt spid="20"/>
                                         </p:tgtEl>
                                       </p:cBhvr>
                                     </p:animEffect>
+                                    <p:anim calcmode="lin" valueType="num">
+                                      <p:cBhvr>
+                                        <p:cTn id="60" dur="1000" fill="hold"/>
+                                        <p:tgtEl>
+                                          <p:spTgt spid="20"/>
+                                        </p:tgtEl>
+                                        <p:attrNameLst>
+                                          <p:attrName>ppt_x</p:attrName>
+                                        </p:attrNameLst>
+                                      </p:cBhvr>
+                                      <p:tavLst>
+                                        <p:tav tm="0">
+                                          <p:val>
+                                            <p:strVal val="#ppt_x"/>
+                                          </p:val>
+                                        </p:tav>
+                                        <p:tav tm="100000">
+                                          <p:val>
+                                            <p:strVal val="#ppt_x"/>
+                                          </p:val>
+                                        </p:tav>
+                                      </p:tavLst>
+                                    </p:anim>
+                                    <p:anim calcmode="lin" valueType="num">
+                                      <p:cBhvr>
+                                        <p:cTn id="61" dur="1000" fill="hold"/>
+                                        <p:tgtEl>
+                                          <p:spTgt spid="20"/>
+                                        </p:tgtEl>
+                                        <p:attrNameLst>
+                                          <p:attrName>ppt_y</p:attrName>
+                                        </p:attrNameLst>
+                                      </p:cBhvr>
+                                      <p:tavLst>
+                                        <p:tav tm="0">
+                                          <p:val>
+                                            <p:strVal val="#ppt_y+.1"/>
+                                          </p:val>
+                                        </p:tav>
+                                        <p:tav tm="100000">
+                                          <p:val>
+                                            <p:strVal val="#ppt_y"/>
+                                          </p:val>
+                                        </p:tav>
+                                      </p:tavLst>
+                                    </p:anim>
+                                  </p:childTnLst>
+                                </p:cTn>
+                              </p:par>
+                            </p:childTnLst>
+                          </p:cTn>
+                        </p:par>
+                      </p:childTnLst>
+                    </p:cTn>
+                  </p:par>
+                  <p:par>
+                    <p:cTn id="62" fill="hold">
+                      <p:stCondLst>
+                        <p:cond delay="indefinite"/>
+                      </p:stCondLst>
+                      <p:childTnLst>
+                        <p:par>
+                          <p:cTn id="63" fill="hold">
+                            <p:stCondLst>
+                              <p:cond delay="0"/>
+                            </p:stCondLst>
+                            <p:childTnLst>
+                              <p:par>
+                                <p:cTn id="64" presetID="42" presetClass="exit" presetSubtype="0" fill="hold" nodeType="clickEffect">
+                                  <p:stCondLst>
+                                    <p:cond delay="0"/>
+                                  </p:stCondLst>
+                                  <p:childTnLst>
+                                    <p:animEffect transition="out" filter="fade">
+                                      <p:cBhvr>
+                                        <p:cTn id="65" dur="1000"/>
+                                        <p:tgtEl>
+                                          <p:spTgt spid="20"/>
+                                        </p:tgtEl>
+                                      </p:cBhvr>
+                                    </p:animEffect>
+                                    <p:anim calcmode="lin" valueType="num">
+                                      <p:cBhvr>
+                                        <p:cTn id="66" dur="1000"/>
+                                        <p:tgtEl>
+                                          <p:spTgt spid="20"/>
+                                        </p:tgtEl>
+                                        <p:attrNameLst>
+                                          <p:attrName>ppt_x</p:attrName>
+                                        </p:attrNameLst>
+                                      </p:cBhvr>
+                                      <p:tavLst>
+                                        <p:tav tm="0">
+                                          <p:val>
+                                            <p:strVal val="ppt_x"/>
+                                          </p:val>
+                                        </p:tav>
+                                        <p:tav tm="100000">
+                                          <p:val>
+                                            <p:strVal val="ppt_x"/>
+                                          </p:val>
+                                        </p:tav>
+                                      </p:tavLst>
+                                    </p:anim>
+                                    <p:anim calcmode="lin" valueType="num">
+                                      <p:cBhvr>
+                                        <p:cTn id="67" dur="1000"/>
+                                        <p:tgtEl>
+                                          <p:spTgt spid="20"/>
+                                        </p:tgtEl>
+                                        <p:attrNameLst>
+                                          <p:attrName>ppt_y</p:attrName>
+                                        </p:attrNameLst>
+                                      </p:cBhvr>
+                                      <p:tavLst>
+                                        <p:tav tm="0">
+                                          <p:val>
+                                            <p:strVal val="ppt_y"/>
+                                          </p:val>
+                                        </p:tav>
+                                        <p:tav tm="100000">
+                                          <p:val>
+                                            <p:strVal val="ppt_y+.1"/>
+                                          </p:val>
+                                        </p:tav>
+                                      </p:tavLst>
+                                    </p:anim>
+                                    <p:set>
+                                      <p:cBhvr>
+                                        <p:cTn id="68" dur="1" fill="hold">
+                                          <p:stCondLst>
+                                            <p:cond delay="999"/>
+                                          </p:stCondLst>
+                                        </p:cTn>
+                                        <p:tgtEl>
+                                          <p:spTgt spid="20"/>
+                                        </p:tgtEl>
+                                        <p:attrNameLst>
+                                          <p:attrName>style.visibility</p:attrName>
+                                        </p:attrNameLst>
+                                      </p:cBhvr>
+                                      <p:to>
+                                        <p:strVal val="hidden"/>
+                                      </p:to>
+                                    </p:set>
                                   </p:childTnLst>
                                 </p:cTn>
                               </p:par>
@@ -33922,7 +35879,7 @@
 </p:sld>
 </file>
 
-<file path=ppt/slides/slide12.xml><?xml version="1.0" encoding="utf-8"?>
+<file path=ppt/slides/slide15.xml><?xml version="1.0" encoding="utf-8"?>
 <p:sld xmlns:a="http://schemas.openxmlformats.org/drawingml/2006/main" xmlns:r="http://schemas.openxmlformats.org/officeDocument/2006/relationships" xmlns:p="http://schemas.openxmlformats.org/presentationml/2006/main">
   <p:cSld>
     <p:spTree>
@@ -34013,7 +35970,7 @@
           <a:p>
             <a:r>
               <a:rPr lang="en-US" dirty="0" smtClean="0"/>
-              <a:t>New Features Integrated</a:t>
+              <a:t>Edit Network Structure</a:t>
             </a:r>
             <a:endParaRPr lang="en-US" dirty="0"/>
           </a:p>
@@ -34044,47 +36001,58 @@
             <a:endParaRPr lang="en-US" dirty="0" smtClean="0"/>
           </a:p>
           <a:p>
+            <a:pPr marL="0" indent="0">
+              <a:buNone/>
+            </a:pPr>
+            <a:r>
+              <a:rPr lang="en-US" b="1" dirty="0" smtClean="0"/>
+              <a:t>Pros</a:t>
+            </a:r>
+            <a:endParaRPr lang="en-US" b="1" dirty="0" smtClean="0"/>
+          </a:p>
+          <a:p>
             <a:r>
               <a:rPr lang="en-US" dirty="0" smtClean="0"/>
-              <a:t>Visualize time series data</a:t>
+              <a:t>Real-time update of changes</a:t>
+            </a:r>
+          </a:p>
+          <a:p>
+            <a:r>
+              <a:rPr lang="en-US" dirty="0" smtClean="0"/>
+              <a:t>Saving changes as a new version</a:t>
+            </a:r>
+          </a:p>
+          <a:p>
+            <a:endParaRPr lang="en-US" dirty="0" smtClean="0"/>
+          </a:p>
+          <a:p>
+            <a:pPr marL="0" indent="0">
+              <a:buNone/>
+            </a:pPr>
+            <a:r>
+              <a:rPr lang="en-US" b="1" dirty="0" smtClean="0"/>
+              <a:t>Cons</a:t>
+            </a:r>
+            <a:endParaRPr lang="en-US" b="1" dirty="0"/>
+          </a:p>
+          <a:p>
+            <a:r>
+              <a:rPr lang="en-US" dirty="0" smtClean="0"/>
+              <a:t>No </a:t>
+            </a:r>
+            <a:r>
+              <a:rPr lang="en-US" dirty="0"/>
+              <a:t>direct overwriting the original network</a:t>
+            </a:r>
+          </a:p>
+          <a:p>
+            <a:r>
+              <a:rPr lang="en-US" dirty="0"/>
+              <a:t>Need to import to GNW desktop to view</a:t>
             </a:r>
           </a:p>
           <a:p>
             <a:pPr lvl="1"/>
-            <a:r>
-              <a:rPr lang="en-US" dirty="0" smtClean="0"/>
-              <a:t>Display all </a:t>
-            </a:r>
-            <a:r>
-              <a:rPr lang="en-US" dirty="0" smtClean="0"/>
-              <a:t>genes</a:t>
-            </a:r>
-          </a:p>
-          <a:p>
-            <a:pPr lvl="2"/>
-            <a:r>
-              <a:rPr lang="en-US" dirty="0" smtClean="0"/>
-              <a:t>For networks with a manageable amount of genes</a:t>
-            </a:r>
-            <a:endParaRPr lang="en-US" dirty="0" smtClean="0"/>
-          </a:p>
-          <a:p>
-            <a:pPr lvl="1"/>
-            <a:r>
-              <a:rPr lang="en-US" dirty="0" smtClean="0"/>
-              <a:t>Display one or more </a:t>
-            </a:r>
-            <a:r>
-              <a:rPr lang="en-US" dirty="0" smtClean="0"/>
-              <a:t>genes</a:t>
-            </a:r>
-          </a:p>
-          <a:p>
-            <a:pPr lvl="2"/>
-            <a:r>
-              <a:rPr lang="en-US" dirty="0" smtClean="0"/>
-              <a:t>For networks with a large number of genes</a:t>
-            </a:r>
             <a:endParaRPr lang="en-US" dirty="0" smtClean="0"/>
           </a:p>
         </p:txBody>
@@ -34272,73 +36240,30 @@
                             </p:childTnLst>
                           </p:cTn>
                         </p:par>
+                      </p:childTnLst>
+                    </p:cTn>
+                  </p:par>
+                  <p:par>
+                    <p:cTn id="16" fill="hold">
+                      <p:stCondLst>
+                        <p:cond delay="indefinite"/>
+                      </p:stCondLst>
+                      <p:childTnLst>
                         <p:par>
-                          <p:cTn id="16" fill="hold">
+                          <p:cTn id="17" fill="hold">
                             <p:stCondLst>
-                              <p:cond delay="1500"/>
+                              <p:cond delay="0"/>
                             </p:stCondLst>
                             <p:childTnLst>
                               <p:par>
-                                <p:cTn id="17" presetID="16" presetClass="entr" presetSubtype="21" fill="hold" grpId="0" nodeType="afterEffect">
+                                <p:cTn id="18" presetID="16" presetClass="entr" presetSubtype="21" fill="hold" grpId="0" nodeType="clickEffect">
                                   <p:stCondLst>
                                     <p:cond delay="0"/>
                                   </p:stCondLst>
                                   <p:childTnLst>
                                     <p:set>
                                       <p:cBhvr>
-                                        <p:cTn id="18" dur="1" fill="hold">
-                                          <p:stCondLst>
-                                            <p:cond delay="0"/>
-                                          </p:stCondLst>
-                                        </p:cTn>
-                                        <p:tgtEl>
-                                          <p:spTgt spid="3">
-                                            <p:txEl>
-                                              <p:pRg st="4" end="4"/>
-                                            </p:txEl>
-                                          </p:spTgt>
-                                        </p:tgtEl>
-                                        <p:attrNameLst>
-                                          <p:attrName>style.visibility</p:attrName>
-                                        </p:attrNameLst>
-                                      </p:cBhvr>
-                                      <p:to>
-                                        <p:strVal val="visible"/>
-                                      </p:to>
-                                    </p:set>
-                                    <p:animEffect transition="in" filter="barn(inVertical)">
-                                      <p:cBhvr>
-                                        <p:cTn id="19" dur="500"/>
-                                        <p:tgtEl>
-                                          <p:spTgt spid="3">
-                                            <p:txEl>
-                                              <p:pRg st="4" end="4"/>
-                                            </p:txEl>
-                                          </p:spTgt>
-                                        </p:tgtEl>
-                                      </p:cBhvr>
-                                    </p:animEffect>
-                                  </p:childTnLst>
-                                </p:cTn>
-                              </p:par>
-                            </p:childTnLst>
-                          </p:cTn>
-                        </p:par>
-                        <p:par>
-                          <p:cTn id="20" fill="hold">
-                            <p:stCondLst>
-                              <p:cond delay="2000"/>
-                            </p:stCondLst>
-                            <p:childTnLst>
-                              <p:par>
-                                <p:cTn id="21" presetID="16" presetClass="entr" presetSubtype="21" fill="hold" grpId="0" nodeType="afterEffect">
-                                  <p:stCondLst>
-                                    <p:cond delay="0"/>
-                                  </p:stCondLst>
-                                  <p:childTnLst>
-                                    <p:set>
-                                      <p:cBhvr>
-                                        <p:cTn id="22" dur="1" fill="hold">
+                                        <p:cTn id="19" dur="1" fill="hold">
                                           <p:stCondLst>
                                             <p:cond delay="0"/>
                                           </p:stCondLst>
@@ -34360,11 +36285,115 @@
                                     </p:set>
                                     <p:animEffect transition="in" filter="barn(inVertical)">
                                       <p:cBhvr>
-                                        <p:cTn id="23" dur="500"/>
+                                        <p:cTn id="20" dur="500"/>
                                         <p:tgtEl>
                                           <p:spTgt spid="3">
                                             <p:txEl>
                                               <p:pRg st="5" end="5"/>
+                                            </p:txEl>
+                                          </p:spTgt>
+                                        </p:tgtEl>
+                                      </p:cBhvr>
+                                    </p:animEffect>
+                                  </p:childTnLst>
+                                </p:cTn>
+                              </p:par>
+                            </p:childTnLst>
+                          </p:cTn>
+                        </p:par>
+                        <p:par>
+                          <p:cTn id="21" fill="hold">
+                            <p:stCondLst>
+                              <p:cond delay="500"/>
+                            </p:stCondLst>
+                            <p:childTnLst>
+                              <p:par>
+                                <p:cTn id="22" presetID="16" presetClass="entr" presetSubtype="21" fill="hold" grpId="0" nodeType="afterEffect">
+                                  <p:stCondLst>
+                                    <p:cond delay="0"/>
+                                  </p:stCondLst>
+                                  <p:childTnLst>
+                                    <p:set>
+                                      <p:cBhvr>
+                                        <p:cTn id="23" dur="1" fill="hold">
+                                          <p:stCondLst>
+                                            <p:cond delay="0"/>
+                                          </p:stCondLst>
+                                        </p:cTn>
+                                        <p:tgtEl>
+                                          <p:spTgt spid="3">
+                                            <p:txEl>
+                                              <p:pRg st="6" end="6"/>
+                                            </p:txEl>
+                                          </p:spTgt>
+                                        </p:tgtEl>
+                                        <p:attrNameLst>
+                                          <p:attrName>style.visibility</p:attrName>
+                                        </p:attrNameLst>
+                                      </p:cBhvr>
+                                      <p:to>
+                                        <p:strVal val="visible"/>
+                                      </p:to>
+                                    </p:set>
+                                    <p:animEffect transition="in" filter="barn(inVertical)">
+                                      <p:cBhvr>
+                                        <p:cTn id="24" dur="500"/>
+                                        <p:tgtEl>
+                                          <p:spTgt spid="3">
+                                            <p:txEl>
+                                              <p:pRg st="6" end="6"/>
+                                            </p:txEl>
+                                          </p:spTgt>
+                                        </p:tgtEl>
+                                      </p:cBhvr>
+                                    </p:animEffect>
+                                  </p:childTnLst>
+                                </p:cTn>
+                              </p:par>
+                            </p:childTnLst>
+                          </p:cTn>
+                        </p:par>
+                        <p:par>
+                          <p:cTn id="25" fill="hold">
+                            <p:stCondLst>
+                              <p:cond delay="1000"/>
+                            </p:stCondLst>
+                            <p:childTnLst>
+                              <p:par>
+                                <p:cTn id="26" presetID="16" presetClass="entr" presetSubtype="21" fill="hold" grpId="0" nodeType="afterEffect">
+                                  <p:stCondLst>
+                                    <p:cond delay="0"/>
+                                  </p:stCondLst>
+                                  <p:childTnLst>
+                                    <p:set>
+                                      <p:cBhvr>
+                                        <p:cTn id="27" dur="1" fill="hold">
+                                          <p:stCondLst>
+                                            <p:cond delay="0"/>
+                                          </p:stCondLst>
+                                        </p:cTn>
+                                        <p:tgtEl>
+                                          <p:spTgt spid="3">
+                                            <p:txEl>
+                                              <p:pRg st="7" end="7"/>
+                                            </p:txEl>
+                                          </p:spTgt>
+                                        </p:tgtEl>
+                                        <p:attrNameLst>
+                                          <p:attrName>style.visibility</p:attrName>
+                                        </p:attrNameLst>
+                                      </p:cBhvr>
+                                      <p:to>
+                                        <p:strVal val="visible"/>
+                                      </p:to>
+                                    </p:set>
+                                    <p:animEffect transition="in" filter="barn(inVertical)">
+                                      <p:cBhvr>
+                                        <p:cTn id="28" dur="500"/>
+                                        <p:tgtEl>
+                                          <p:spTgt spid="3">
+                                            <p:txEl>
+                                              <p:pRg st="7" end="7"/>
                                             </p:txEl>
                                           </p:spTgt>
                                         </p:tgtEl>
@@ -34407,7 +36436,7 @@
 </p:sld>
 </file>
 
-<file path=ppt/slides/slide13.xml><?xml version="1.0" encoding="utf-8"?>
+<file path=ppt/slides/slide16.xml><?xml version="1.0" encoding="utf-8"?>
 <p:sld xmlns:a="http://schemas.openxmlformats.org/drawingml/2006/main" xmlns:r="http://schemas.openxmlformats.org/officeDocument/2006/relationships" xmlns:p="http://schemas.openxmlformats.org/presentationml/2006/main">
   <p:cSld>
     <p:spTree>
@@ -34497,8 +36526,1068 @@
           <a:lstStyle/>
           <a:p>
             <a:r>
+              <a:rPr lang="en-US" dirty="0"/>
+              <a:t>Visualize </a:t>
+            </a:r>
+            <a:r>
               <a:rPr lang="en-US" dirty="0" smtClean="0"/>
-              <a:t>New Features Integrated</a:t>
+              <a:t>Time Series Data</a:t>
+            </a:r>
+            <a:endParaRPr lang="en-US" dirty="0"/>
+          </a:p>
+        </p:txBody>
+      </p:sp>
+      <p:sp>
+        <p:nvSpPr>
+          <p:cNvPr id="3" name="Content Placeholder 2"/>
+          <p:cNvSpPr>
+            <a:spLocks noGrp="1"/>
+          </p:cNvSpPr>
+          <p:nvPr>
+            <p:ph idx="1"/>
+          </p:nvPr>
+        </p:nvSpPr>
+        <p:spPr>
+          <a:xfrm>
+            <a:off x="457200" y="1935480"/>
+            <a:ext cx="7315200" cy="4617720"/>
+          </a:xfrm>
+        </p:spPr>
+        <p:txBody>
+          <a:bodyPr>
+            <a:normAutofit/>
+          </a:bodyPr>
+          <a:lstStyle/>
+          <a:p>
+            <a:endParaRPr lang="en-US" dirty="0" smtClean="0"/>
+          </a:p>
+          <a:p>
+            <a:r>
+              <a:rPr lang="en-US" dirty="0" smtClean="0"/>
+              <a:t>Display </a:t>
+            </a:r>
+            <a:r>
+              <a:rPr lang="en-US" dirty="0" smtClean="0"/>
+              <a:t>all </a:t>
+            </a:r>
+            <a:r>
+              <a:rPr lang="en-US" dirty="0" smtClean="0"/>
+              <a:t>genes</a:t>
+            </a:r>
+          </a:p>
+          <a:p>
+            <a:pPr lvl="1"/>
+            <a:r>
+              <a:rPr lang="en-US" dirty="0" smtClean="0"/>
+              <a:t>For networks with a manageable amount of genes</a:t>
+            </a:r>
+            <a:endParaRPr lang="en-US" dirty="0" smtClean="0"/>
+          </a:p>
+          <a:p>
+            <a:r>
+              <a:rPr lang="en-US" dirty="0" smtClean="0"/>
+              <a:t>Display one or more </a:t>
+            </a:r>
+            <a:r>
+              <a:rPr lang="en-US" dirty="0" smtClean="0"/>
+              <a:t>genes</a:t>
+            </a:r>
+          </a:p>
+          <a:p>
+            <a:pPr lvl="1"/>
+            <a:r>
+              <a:rPr lang="en-US" dirty="0" smtClean="0"/>
+              <a:t>For networks with a large number of genes</a:t>
+            </a:r>
+          </a:p>
+          <a:p>
+            <a:pPr marL="0" indent="0">
+              <a:buNone/>
+            </a:pPr>
+            <a:endParaRPr lang="en-US" b="1" i="1" dirty="0" smtClean="0"/>
+          </a:p>
+          <a:p>
+            <a:pPr>
+              <a:buFont typeface="Wingdings" panose="05000000000000000000" pitchFamily="2" charset="2"/>
+              <a:buChar char="v"/>
+            </a:pPr>
+            <a:r>
+              <a:rPr lang="en-US" b="1" i="1" dirty="0" smtClean="0"/>
+              <a:t>Verify if the correct dataset exists in the selected folder</a:t>
+            </a:r>
+            <a:endParaRPr lang="en-US" b="1" i="1" dirty="0"/>
+          </a:p>
+          <a:p>
+            <a:pPr>
+              <a:buFont typeface="Wingdings" panose="05000000000000000000" pitchFamily="2" charset="2"/>
+              <a:buChar char="v"/>
+            </a:pPr>
+            <a:r>
+              <a:rPr lang="en-US" b="1" i="1" dirty="0" smtClean="0"/>
+              <a:t>Prompt to generate if not</a:t>
+            </a:r>
+            <a:endParaRPr lang="en-US" b="1" i="1" dirty="0"/>
+          </a:p>
+          <a:p>
+            <a:pPr lvl="1"/>
+            <a:endParaRPr lang="en-US" dirty="0" smtClean="0"/>
+          </a:p>
+        </p:txBody>
+      </p:sp>
+      <p:pic>
+        <p:nvPicPr>
+          <p:cNvPr id="6" name="Picture 5"/>
+          <p:cNvPicPr/>
+          <p:nvPr/>
+        </p:nvPicPr>
+        <p:blipFill>
+          <a:blip r:embed="rId3"/>
+          <a:stretch>
+            <a:fillRect/>
+          </a:stretch>
+        </p:blipFill>
+        <p:spPr>
+          <a:xfrm>
+            <a:off x="1371600" y="674847"/>
+            <a:ext cx="6510338" cy="5508308"/>
+          </a:xfrm>
+          <a:prstGeom prst="rect">
+            <a:avLst/>
+          </a:prstGeom>
+          <a:ln>
+            <a:solidFill>
+              <a:schemeClr val="accent1"/>
+            </a:solidFill>
+          </a:ln>
+        </p:spPr>
+      </p:pic>
+      <p:grpSp>
+        <p:nvGrpSpPr>
+          <p:cNvPr id="9" name="Group 8"/>
+          <p:cNvGrpSpPr/>
+          <p:nvPr/>
+        </p:nvGrpSpPr>
+        <p:grpSpPr>
+          <a:xfrm>
+            <a:off x="2119311" y="1076324"/>
+            <a:ext cx="4905375" cy="4876801"/>
+            <a:chOff x="2119311" y="1076324"/>
+            <a:chExt cx="4905375" cy="4876801"/>
+          </a:xfrm>
+        </p:grpSpPr>
+        <p:pic>
+          <p:nvPicPr>
+            <p:cNvPr id="7" name="Picture 6"/>
+            <p:cNvPicPr/>
+            <p:nvPr/>
+          </p:nvPicPr>
+          <p:blipFill>
+            <a:blip r:embed="rId4"/>
+            <a:stretch>
+              <a:fillRect/>
+            </a:stretch>
+          </p:blipFill>
+          <p:spPr>
+            <a:xfrm>
+              <a:off x="2119311" y="1076324"/>
+              <a:ext cx="4905375" cy="3476625"/>
+            </a:xfrm>
+            <a:prstGeom prst="rect">
+              <a:avLst/>
+            </a:prstGeom>
+            <a:ln>
+              <a:solidFill>
+                <a:schemeClr val="accent1"/>
+              </a:solidFill>
+            </a:ln>
+          </p:spPr>
+        </p:pic>
+        <p:pic>
+          <p:nvPicPr>
+            <p:cNvPr id="8" name="Picture 7"/>
+            <p:cNvPicPr/>
+            <p:nvPr/>
+          </p:nvPicPr>
+          <p:blipFill>
+            <a:blip r:embed="rId5"/>
+            <a:stretch>
+              <a:fillRect/>
+            </a:stretch>
+          </p:blipFill>
+          <p:spPr>
+            <a:xfrm>
+              <a:off x="2295523" y="4724400"/>
+              <a:ext cx="4552950" cy="1228725"/>
+            </a:xfrm>
+            <a:prstGeom prst="rect">
+              <a:avLst/>
+            </a:prstGeom>
+            <a:ln>
+              <a:solidFill>
+                <a:schemeClr val="accent1"/>
+              </a:solidFill>
+            </a:ln>
+          </p:spPr>
+        </p:pic>
+      </p:grpSp>
+    </p:spTree>
+    <p:extLst>
+      <p:ext uri="{BB962C8B-B14F-4D97-AF65-F5344CB8AC3E}">
+        <p14:creationId xmlns:p14="http://schemas.microsoft.com/office/powerpoint/2010/main" val="1908395323"/>
+      </p:ext>
+    </p:extLst>
+  </p:cSld>
+  <p:clrMapOvr>
+    <a:masterClrMapping/>
+  </p:clrMapOvr>
+  <p:transition spd="slow">
+    <p:push dir="u"/>
+  </p:transition>
+  <p:timing>
+    <p:tnLst>
+      <p:par>
+        <p:cTn id="1" dur="indefinite" restart="never" nodeType="tmRoot">
+          <p:childTnLst>
+            <p:seq concurrent="1" nextAc="seek">
+              <p:cTn id="2" dur="indefinite" nodeType="mainSeq">
+                <p:childTnLst>
+                  <p:par>
+                    <p:cTn id="3" fill="hold">
+                      <p:stCondLst>
+                        <p:cond delay="indefinite"/>
+                      </p:stCondLst>
+                      <p:childTnLst>
+                        <p:par>
+                          <p:cTn id="4" fill="hold">
+                            <p:stCondLst>
+                              <p:cond delay="0"/>
+                            </p:stCondLst>
+                            <p:childTnLst>
+                              <p:par>
+                                <p:cTn id="5" presetID="16" presetClass="entr" presetSubtype="21" fill="hold" grpId="0" nodeType="clickEffect">
+                                  <p:stCondLst>
+                                    <p:cond delay="0"/>
+                                  </p:stCondLst>
+                                  <p:childTnLst>
+                                    <p:set>
+                                      <p:cBhvr>
+                                        <p:cTn id="6" dur="1" fill="hold">
+                                          <p:stCondLst>
+                                            <p:cond delay="0"/>
+                                          </p:stCondLst>
+                                        </p:cTn>
+                                        <p:tgtEl>
+                                          <p:spTgt spid="3">
+                                            <p:txEl>
+                                              <p:pRg st="1" end="1"/>
+                                            </p:txEl>
+                                          </p:spTgt>
+                                        </p:tgtEl>
+                                        <p:attrNameLst>
+                                          <p:attrName>style.visibility</p:attrName>
+                                        </p:attrNameLst>
+                                      </p:cBhvr>
+                                      <p:to>
+                                        <p:strVal val="visible"/>
+                                      </p:to>
+                                    </p:set>
+                                    <p:animEffect transition="in" filter="barn(inVertical)">
+                                      <p:cBhvr>
+                                        <p:cTn id="7" dur="500"/>
+                                        <p:tgtEl>
+                                          <p:spTgt spid="3">
+                                            <p:txEl>
+                                              <p:pRg st="1" end="1"/>
+                                            </p:txEl>
+                                          </p:spTgt>
+                                        </p:tgtEl>
+                                      </p:cBhvr>
+                                    </p:animEffect>
+                                  </p:childTnLst>
+                                </p:cTn>
+                              </p:par>
+                              <p:par>
+                                <p:cTn id="8" presetID="16" presetClass="entr" presetSubtype="21" fill="hold" grpId="0" nodeType="withEffect">
+                                  <p:stCondLst>
+                                    <p:cond delay="0"/>
+                                  </p:stCondLst>
+                                  <p:childTnLst>
+                                    <p:set>
+                                      <p:cBhvr>
+                                        <p:cTn id="9" dur="1" fill="hold">
+                                          <p:stCondLst>
+                                            <p:cond delay="0"/>
+                                          </p:stCondLst>
+                                        </p:cTn>
+                                        <p:tgtEl>
+                                          <p:spTgt spid="3">
+                                            <p:txEl>
+                                              <p:pRg st="2" end="2"/>
+                                            </p:txEl>
+                                          </p:spTgt>
+                                        </p:tgtEl>
+                                        <p:attrNameLst>
+                                          <p:attrName>style.visibility</p:attrName>
+                                        </p:attrNameLst>
+                                      </p:cBhvr>
+                                      <p:to>
+                                        <p:strVal val="visible"/>
+                                      </p:to>
+                                    </p:set>
+                                    <p:animEffect transition="in" filter="barn(inVertical)">
+                                      <p:cBhvr>
+                                        <p:cTn id="10" dur="500"/>
+                                        <p:tgtEl>
+                                          <p:spTgt spid="3">
+                                            <p:txEl>
+                                              <p:pRg st="2" end="2"/>
+                                            </p:txEl>
+                                          </p:spTgt>
+                                        </p:tgtEl>
+                                      </p:cBhvr>
+                                    </p:animEffect>
+                                  </p:childTnLst>
+                                </p:cTn>
+                              </p:par>
+                            </p:childTnLst>
+                          </p:cTn>
+                        </p:par>
+                      </p:childTnLst>
+                    </p:cTn>
+                  </p:par>
+                  <p:par>
+                    <p:cTn id="11" fill="hold">
+                      <p:stCondLst>
+                        <p:cond delay="indefinite"/>
+                      </p:stCondLst>
+                      <p:childTnLst>
+                        <p:par>
+                          <p:cTn id="12" fill="hold">
+                            <p:stCondLst>
+                              <p:cond delay="0"/>
+                            </p:stCondLst>
+                            <p:childTnLst>
+                              <p:par>
+                                <p:cTn id="13" presetID="16" presetClass="entr" presetSubtype="21" fill="hold" grpId="0" nodeType="clickEffect">
+                                  <p:stCondLst>
+                                    <p:cond delay="0"/>
+                                  </p:stCondLst>
+                                  <p:childTnLst>
+                                    <p:set>
+                                      <p:cBhvr>
+                                        <p:cTn id="14" dur="1" fill="hold">
+                                          <p:stCondLst>
+                                            <p:cond delay="0"/>
+                                          </p:stCondLst>
+                                        </p:cTn>
+                                        <p:tgtEl>
+                                          <p:spTgt spid="3">
+                                            <p:txEl>
+                                              <p:pRg st="3" end="3"/>
+                                            </p:txEl>
+                                          </p:spTgt>
+                                        </p:tgtEl>
+                                        <p:attrNameLst>
+                                          <p:attrName>style.visibility</p:attrName>
+                                        </p:attrNameLst>
+                                      </p:cBhvr>
+                                      <p:to>
+                                        <p:strVal val="visible"/>
+                                      </p:to>
+                                    </p:set>
+                                    <p:animEffect transition="in" filter="barn(inVertical)">
+                                      <p:cBhvr>
+                                        <p:cTn id="15" dur="500"/>
+                                        <p:tgtEl>
+                                          <p:spTgt spid="3">
+                                            <p:txEl>
+                                              <p:pRg st="3" end="3"/>
+                                            </p:txEl>
+                                          </p:spTgt>
+                                        </p:tgtEl>
+                                      </p:cBhvr>
+                                    </p:animEffect>
+                                  </p:childTnLst>
+                                </p:cTn>
+                              </p:par>
+                              <p:par>
+                                <p:cTn id="16" presetID="16" presetClass="entr" presetSubtype="21" fill="hold" grpId="0" nodeType="withEffect">
+                                  <p:stCondLst>
+                                    <p:cond delay="0"/>
+                                  </p:stCondLst>
+                                  <p:childTnLst>
+                                    <p:set>
+                                      <p:cBhvr>
+                                        <p:cTn id="17" dur="1" fill="hold">
+                                          <p:stCondLst>
+                                            <p:cond delay="0"/>
+                                          </p:stCondLst>
+                                        </p:cTn>
+                                        <p:tgtEl>
+                                          <p:spTgt spid="3">
+                                            <p:txEl>
+                                              <p:pRg st="4" end="4"/>
+                                            </p:txEl>
+                                          </p:spTgt>
+                                        </p:tgtEl>
+                                        <p:attrNameLst>
+                                          <p:attrName>style.visibility</p:attrName>
+                                        </p:attrNameLst>
+                                      </p:cBhvr>
+                                      <p:to>
+                                        <p:strVal val="visible"/>
+                                      </p:to>
+                                    </p:set>
+                                    <p:animEffect transition="in" filter="barn(inVertical)">
+                                      <p:cBhvr>
+                                        <p:cTn id="18" dur="500"/>
+                                        <p:tgtEl>
+                                          <p:spTgt spid="3">
+                                            <p:txEl>
+                                              <p:pRg st="4" end="4"/>
+                                            </p:txEl>
+                                          </p:spTgt>
+                                        </p:tgtEl>
+                                      </p:cBhvr>
+                                    </p:animEffect>
+                                  </p:childTnLst>
+                                </p:cTn>
+                              </p:par>
+                            </p:childTnLst>
+                          </p:cTn>
+                        </p:par>
+                      </p:childTnLst>
+                    </p:cTn>
+                  </p:par>
+                  <p:par>
+                    <p:cTn id="19" fill="hold">
+                      <p:stCondLst>
+                        <p:cond delay="indefinite"/>
+                      </p:stCondLst>
+                      <p:childTnLst>
+                        <p:par>
+                          <p:cTn id="20" fill="hold">
+                            <p:stCondLst>
+                              <p:cond delay="0"/>
+                            </p:stCondLst>
+                            <p:childTnLst>
+                              <p:par>
+                                <p:cTn id="21" presetID="42" presetClass="entr" presetSubtype="0" fill="hold" nodeType="clickEffect">
+                                  <p:stCondLst>
+                                    <p:cond delay="0"/>
+                                  </p:stCondLst>
+                                  <p:childTnLst>
+                                    <p:set>
+                                      <p:cBhvr>
+                                        <p:cTn id="22" dur="1" fill="hold">
+                                          <p:stCondLst>
+                                            <p:cond delay="0"/>
+                                          </p:stCondLst>
+                                        </p:cTn>
+                                        <p:tgtEl>
+                                          <p:spTgt spid="6"/>
+                                        </p:tgtEl>
+                                        <p:attrNameLst>
+                                          <p:attrName>style.visibility</p:attrName>
+                                        </p:attrNameLst>
+                                      </p:cBhvr>
+                                      <p:to>
+                                        <p:strVal val="visible"/>
+                                      </p:to>
+                                    </p:set>
+                                    <p:animEffect transition="in" filter="fade">
+                                      <p:cBhvr>
+                                        <p:cTn id="23" dur="1000"/>
+                                        <p:tgtEl>
+                                          <p:spTgt spid="6"/>
+                                        </p:tgtEl>
+                                      </p:cBhvr>
+                                    </p:animEffect>
+                                    <p:anim calcmode="lin" valueType="num">
+                                      <p:cBhvr>
+                                        <p:cTn id="24" dur="1000" fill="hold"/>
+                                        <p:tgtEl>
+                                          <p:spTgt spid="6"/>
+                                        </p:tgtEl>
+                                        <p:attrNameLst>
+                                          <p:attrName>ppt_x</p:attrName>
+                                        </p:attrNameLst>
+                                      </p:cBhvr>
+                                      <p:tavLst>
+                                        <p:tav tm="0">
+                                          <p:val>
+                                            <p:strVal val="#ppt_x"/>
+                                          </p:val>
+                                        </p:tav>
+                                        <p:tav tm="100000">
+                                          <p:val>
+                                            <p:strVal val="#ppt_x"/>
+                                          </p:val>
+                                        </p:tav>
+                                      </p:tavLst>
+                                    </p:anim>
+                                    <p:anim calcmode="lin" valueType="num">
+                                      <p:cBhvr>
+                                        <p:cTn id="25" dur="1000" fill="hold"/>
+                                        <p:tgtEl>
+                                          <p:spTgt spid="6"/>
+                                        </p:tgtEl>
+                                        <p:attrNameLst>
+                                          <p:attrName>ppt_y</p:attrName>
+                                        </p:attrNameLst>
+                                      </p:cBhvr>
+                                      <p:tavLst>
+                                        <p:tav tm="0">
+                                          <p:val>
+                                            <p:strVal val="#ppt_y+.1"/>
+                                          </p:val>
+                                        </p:tav>
+                                        <p:tav tm="100000">
+                                          <p:val>
+                                            <p:strVal val="#ppt_y"/>
+                                          </p:val>
+                                        </p:tav>
+                                      </p:tavLst>
+                                    </p:anim>
+                                  </p:childTnLst>
+                                </p:cTn>
+                              </p:par>
+                            </p:childTnLst>
+                          </p:cTn>
+                        </p:par>
+                      </p:childTnLst>
+                    </p:cTn>
+                  </p:par>
+                  <p:par>
+                    <p:cTn id="26" fill="hold">
+                      <p:stCondLst>
+                        <p:cond delay="indefinite"/>
+                      </p:stCondLst>
+                      <p:childTnLst>
+                        <p:par>
+                          <p:cTn id="27" fill="hold">
+                            <p:stCondLst>
+                              <p:cond delay="0"/>
+                            </p:stCondLst>
+                            <p:childTnLst>
+                              <p:par>
+                                <p:cTn id="28" presetID="42" presetClass="exit" presetSubtype="0" fill="hold" nodeType="clickEffect">
+                                  <p:stCondLst>
+                                    <p:cond delay="0"/>
+                                  </p:stCondLst>
+                                  <p:childTnLst>
+                                    <p:animEffect transition="out" filter="fade">
+                                      <p:cBhvr>
+                                        <p:cTn id="29" dur="1000"/>
+                                        <p:tgtEl>
+                                          <p:spTgt spid="6"/>
+                                        </p:tgtEl>
+                                      </p:cBhvr>
+                                    </p:animEffect>
+                                    <p:anim calcmode="lin" valueType="num">
+                                      <p:cBhvr>
+                                        <p:cTn id="30" dur="1000"/>
+                                        <p:tgtEl>
+                                          <p:spTgt spid="6"/>
+                                        </p:tgtEl>
+                                        <p:attrNameLst>
+                                          <p:attrName>ppt_x</p:attrName>
+                                        </p:attrNameLst>
+                                      </p:cBhvr>
+                                      <p:tavLst>
+                                        <p:tav tm="0">
+                                          <p:val>
+                                            <p:strVal val="ppt_x"/>
+                                          </p:val>
+                                        </p:tav>
+                                        <p:tav tm="100000">
+                                          <p:val>
+                                            <p:strVal val="ppt_x"/>
+                                          </p:val>
+                                        </p:tav>
+                                      </p:tavLst>
+                                    </p:anim>
+                                    <p:anim calcmode="lin" valueType="num">
+                                      <p:cBhvr>
+                                        <p:cTn id="31" dur="1000"/>
+                                        <p:tgtEl>
+                                          <p:spTgt spid="6"/>
+                                        </p:tgtEl>
+                                        <p:attrNameLst>
+                                          <p:attrName>ppt_y</p:attrName>
+                                        </p:attrNameLst>
+                                      </p:cBhvr>
+                                      <p:tavLst>
+                                        <p:tav tm="0">
+                                          <p:val>
+                                            <p:strVal val="ppt_y"/>
+                                          </p:val>
+                                        </p:tav>
+                                        <p:tav tm="100000">
+                                          <p:val>
+                                            <p:strVal val="ppt_y+.1"/>
+                                          </p:val>
+                                        </p:tav>
+                                      </p:tavLst>
+                                    </p:anim>
+                                    <p:set>
+                                      <p:cBhvr>
+                                        <p:cTn id="32" dur="1" fill="hold">
+                                          <p:stCondLst>
+                                            <p:cond delay="999"/>
+                                          </p:stCondLst>
+                                        </p:cTn>
+                                        <p:tgtEl>
+                                          <p:spTgt spid="6"/>
+                                        </p:tgtEl>
+                                        <p:attrNameLst>
+                                          <p:attrName>style.visibility</p:attrName>
+                                        </p:attrNameLst>
+                                      </p:cBhvr>
+                                      <p:to>
+                                        <p:strVal val="hidden"/>
+                                      </p:to>
+                                    </p:set>
+                                  </p:childTnLst>
+                                </p:cTn>
+                              </p:par>
+                            </p:childTnLst>
+                          </p:cTn>
+                        </p:par>
+                      </p:childTnLst>
+                    </p:cTn>
+                  </p:par>
+                  <p:par>
+                    <p:cTn id="33" fill="hold">
+                      <p:stCondLst>
+                        <p:cond delay="indefinite"/>
+                      </p:stCondLst>
+                      <p:childTnLst>
+                        <p:par>
+                          <p:cTn id="34" fill="hold">
+                            <p:stCondLst>
+                              <p:cond delay="0"/>
+                            </p:stCondLst>
+                            <p:childTnLst>
+                              <p:par>
+                                <p:cTn id="35" presetID="16" presetClass="entr" presetSubtype="21" fill="hold" grpId="0" nodeType="clickEffect">
+                                  <p:stCondLst>
+                                    <p:cond delay="0"/>
+                                  </p:stCondLst>
+                                  <p:childTnLst>
+                                    <p:set>
+                                      <p:cBhvr>
+                                        <p:cTn id="36" dur="1" fill="hold">
+                                          <p:stCondLst>
+                                            <p:cond delay="0"/>
+                                          </p:stCondLst>
+                                        </p:cTn>
+                                        <p:tgtEl>
+                                          <p:spTgt spid="3">
+                                            <p:txEl>
+                                              <p:pRg st="6" end="6"/>
+                                            </p:txEl>
+                                          </p:spTgt>
+                                        </p:tgtEl>
+                                        <p:attrNameLst>
+                                          <p:attrName>style.visibility</p:attrName>
+                                        </p:attrNameLst>
+                                      </p:cBhvr>
+                                      <p:to>
+                                        <p:strVal val="visible"/>
+                                      </p:to>
+                                    </p:set>
+                                    <p:animEffect transition="in" filter="barn(inVertical)">
+                                      <p:cBhvr>
+                                        <p:cTn id="37" dur="500"/>
+                                        <p:tgtEl>
+                                          <p:spTgt spid="3">
+                                            <p:txEl>
+                                              <p:pRg st="6" end="6"/>
+                                            </p:txEl>
+                                          </p:spTgt>
+                                        </p:tgtEl>
+                                      </p:cBhvr>
+                                    </p:animEffect>
+                                  </p:childTnLst>
+                                </p:cTn>
+                              </p:par>
+                            </p:childTnLst>
+                          </p:cTn>
+                        </p:par>
+                        <p:par>
+                          <p:cTn id="38" fill="hold">
+                            <p:stCondLst>
+                              <p:cond delay="500"/>
+                            </p:stCondLst>
+                            <p:childTnLst>
+                              <p:par>
+                                <p:cTn id="39" presetID="16" presetClass="entr" presetSubtype="21" fill="hold" grpId="0" nodeType="afterEffect">
+                                  <p:stCondLst>
+                                    <p:cond delay="0"/>
+                                  </p:stCondLst>
+                                  <p:childTnLst>
+                                    <p:set>
+                                      <p:cBhvr>
+                                        <p:cTn id="40" dur="1" fill="hold">
+                                          <p:stCondLst>
+                                            <p:cond delay="0"/>
+                                          </p:stCondLst>
+                                        </p:cTn>
+                                        <p:tgtEl>
+                                          <p:spTgt spid="3">
+                                            <p:txEl>
+                                              <p:pRg st="7" end="7"/>
+                                            </p:txEl>
+                                          </p:spTgt>
+                                        </p:tgtEl>
+                                        <p:attrNameLst>
+                                          <p:attrName>style.visibility</p:attrName>
+                                        </p:attrNameLst>
+                                      </p:cBhvr>
+                                      <p:to>
+                                        <p:strVal val="visible"/>
+                                      </p:to>
+                                    </p:set>
+                                    <p:animEffect transition="in" filter="barn(inVertical)">
+                                      <p:cBhvr>
+                                        <p:cTn id="41" dur="500"/>
+                                        <p:tgtEl>
+                                          <p:spTgt spid="3">
+                                            <p:txEl>
+                                              <p:pRg st="7" end="7"/>
+                                            </p:txEl>
+                                          </p:spTgt>
+                                        </p:tgtEl>
+                                      </p:cBhvr>
+                                    </p:animEffect>
+                                  </p:childTnLst>
+                                </p:cTn>
+                              </p:par>
+                            </p:childTnLst>
+                          </p:cTn>
+                        </p:par>
+                      </p:childTnLst>
+                    </p:cTn>
+                  </p:par>
+                  <p:par>
+                    <p:cTn id="42" fill="hold">
+                      <p:stCondLst>
+                        <p:cond delay="indefinite"/>
+                      </p:stCondLst>
+                      <p:childTnLst>
+                        <p:par>
+                          <p:cTn id="43" fill="hold">
+                            <p:stCondLst>
+                              <p:cond delay="0"/>
+                            </p:stCondLst>
+                            <p:childTnLst>
+                              <p:par>
+                                <p:cTn id="44" presetID="42" presetClass="entr" presetSubtype="0" fill="hold" nodeType="clickEffect">
+                                  <p:stCondLst>
+                                    <p:cond delay="0"/>
+                                  </p:stCondLst>
+                                  <p:childTnLst>
+                                    <p:set>
+                                      <p:cBhvr>
+                                        <p:cTn id="45" dur="1" fill="hold">
+                                          <p:stCondLst>
+                                            <p:cond delay="0"/>
+                                          </p:stCondLst>
+                                        </p:cTn>
+                                        <p:tgtEl>
+                                          <p:spTgt spid="9"/>
+                                        </p:tgtEl>
+                                        <p:attrNameLst>
+                                          <p:attrName>style.visibility</p:attrName>
+                                        </p:attrNameLst>
+                                      </p:cBhvr>
+                                      <p:to>
+                                        <p:strVal val="visible"/>
+                                      </p:to>
+                                    </p:set>
+                                    <p:animEffect transition="in" filter="fade">
+                                      <p:cBhvr>
+                                        <p:cTn id="46" dur="1000"/>
+                                        <p:tgtEl>
+                                          <p:spTgt spid="9"/>
+                                        </p:tgtEl>
+                                      </p:cBhvr>
+                                    </p:animEffect>
+                                    <p:anim calcmode="lin" valueType="num">
+                                      <p:cBhvr>
+                                        <p:cTn id="47" dur="1000" fill="hold"/>
+                                        <p:tgtEl>
+                                          <p:spTgt spid="9"/>
+                                        </p:tgtEl>
+                                        <p:attrNameLst>
+                                          <p:attrName>ppt_x</p:attrName>
+                                        </p:attrNameLst>
+                                      </p:cBhvr>
+                                      <p:tavLst>
+                                        <p:tav tm="0">
+                                          <p:val>
+                                            <p:strVal val="#ppt_x"/>
+                                          </p:val>
+                                        </p:tav>
+                                        <p:tav tm="100000">
+                                          <p:val>
+                                            <p:strVal val="#ppt_x"/>
+                                          </p:val>
+                                        </p:tav>
+                                      </p:tavLst>
+                                    </p:anim>
+                                    <p:anim calcmode="lin" valueType="num">
+                                      <p:cBhvr>
+                                        <p:cTn id="48" dur="1000" fill="hold"/>
+                                        <p:tgtEl>
+                                          <p:spTgt spid="9"/>
+                                        </p:tgtEl>
+                                        <p:attrNameLst>
+                                          <p:attrName>ppt_y</p:attrName>
+                                        </p:attrNameLst>
+                                      </p:cBhvr>
+                                      <p:tavLst>
+                                        <p:tav tm="0">
+                                          <p:val>
+                                            <p:strVal val="#ppt_y+.1"/>
+                                          </p:val>
+                                        </p:tav>
+                                        <p:tav tm="100000">
+                                          <p:val>
+                                            <p:strVal val="#ppt_y"/>
+                                          </p:val>
+                                        </p:tav>
+                                      </p:tavLst>
+                                    </p:anim>
+                                  </p:childTnLst>
+                                </p:cTn>
+                              </p:par>
+                            </p:childTnLst>
+                          </p:cTn>
+                        </p:par>
+                      </p:childTnLst>
+                    </p:cTn>
+                  </p:par>
+                  <p:par>
+                    <p:cTn id="49" fill="hold">
+                      <p:stCondLst>
+                        <p:cond delay="indefinite"/>
+                      </p:stCondLst>
+                      <p:childTnLst>
+                        <p:par>
+                          <p:cTn id="50" fill="hold">
+                            <p:stCondLst>
+                              <p:cond delay="0"/>
+                            </p:stCondLst>
+                            <p:childTnLst>
+                              <p:par>
+                                <p:cTn id="51" presetID="42" presetClass="exit" presetSubtype="0" fill="hold" nodeType="clickEffect">
+                                  <p:stCondLst>
+                                    <p:cond delay="0"/>
+                                  </p:stCondLst>
+                                  <p:childTnLst>
+                                    <p:animEffect transition="out" filter="fade">
+                                      <p:cBhvr>
+                                        <p:cTn id="52" dur="1000"/>
+                                        <p:tgtEl>
+                                          <p:spTgt spid="9"/>
+                                        </p:tgtEl>
+                                      </p:cBhvr>
+                                    </p:animEffect>
+                                    <p:anim calcmode="lin" valueType="num">
+                                      <p:cBhvr>
+                                        <p:cTn id="53" dur="1000"/>
+                                        <p:tgtEl>
+                                          <p:spTgt spid="9"/>
+                                        </p:tgtEl>
+                                        <p:attrNameLst>
+                                          <p:attrName>ppt_x</p:attrName>
+                                        </p:attrNameLst>
+                                      </p:cBhvr>
+                                      <p:tavLst>
+                                        <p:tav tm="0">
+                                          <p:val>
+                                            <p:strVal val="ppt_x"/>
+                                          </p:val>
+                                        </p:tav>
+                                        <p:tav tm="100000">
+                                          <p:val>
+                                            <p:strVal val="ppt_x"/>
+                                          </p:val>
+                                        </p:tav>
+                                      </p:tavLst>
+                                    </p:anim>
+                                    <p:anim calcmode="lin" valueType="num">
+                                      <p:cBhvr>
+                                        <p:cTn id="54" dur="1000"/>
+                                        <p:tgtEl>
+                                          <p:spTgt spid="9"/>
+                                        </p:tgtEl>
+                                        <p:attrNameLst>
+                                          <p:attrName>ppt_y</p:attrName>
+                                        </p:attrNameLst>
+                                      </p:cBhvr>
+                                      <p:tavLst>
+                                        <p:tav tm="0">
+                                          <p:val>
+                                            <p:strVal val="ppt_y"/>
+                                          </p:val>
+                                        </p:tav>
+                                        <p:tav tm="100000">
+                                          <p:val>
+                                            <p:strVal val="ppt_y+.1"/>
+                                          </p:val>
+                                        </p:tav>
+                                      </p:tavLst>
+                                    </p:anim>
+                                    <p:set>
+                                      <p:cBhvr>
+                                        <p:cTn id="55" dur="1" fill="hold">
+                                          <p:stCondLst>
+                                            <p:cond delay="999"/>
+                                          </p:stCondLst>
+                                        </p:cTn>
+                                        <p:tgtEl>
+                                          <p:spTgt spid="9"/>
+                                        </p:tgtEl>
+                                        <p:attrNameLst>
+                                          <p:attrName>style.visibility</p:attrName>
+                                        </p:attrNameLst>
+                                      </p:cBhvr>
+                                      <p:to>
+                                        <p:strVal val="hidden"/>
+                                      </p:to>
+                                    </p:set>
+                                  </p:childTnLst>
+                                </p:cTn>
+                              </p:par>
+                            </p:childTnLst>
+                          </p:cTn>
+                        </p:par>
+                      </p:childTnLst>
+                    </p:cTn>
+                  </p:par>
+                </p:childTnLst>
+              </p:cTn>
+              <p:prevCondLst>
+                <p:cond evt="onPrev" delay="0">
+                  <p:tgtEl>
+                    <p:sldTgt/>
+                  </p:tgtEl>
+                </p:cond>
+              </p:prevCondLst>
+              <p:nextCondLst>
+                <p:cond evt="onNext" delay="0">
+                  <p:tgtEl>
+                    <p:sldTgt/>
+                  </p:tgtEl>
+                </p:cond>
+              </p:nextCondLst>
+            </p:seq>
+          </p:childTnLst>
+        </p:cTn>
+      </p:par>
+    </p:tnLst>
+    <p:bldLst>
+      <p:bldP spid="3" grpId="0" uiExpand="1" build="p"/>
+    </p:bldLst>
+  </p:timing>
+</p:sld>
+</file>
+
+<file path=ppt/slides/slide17.xml><?xml version="1.0" encoding="utf-8"?>
+<p:sld xmlns:a="http://schemas.openxmlformats.org/drawingml/2006/main" xmlns:r="http://schemas.openxmlformats.org/officeDocument/2006/relationships" xmlns:p="http://schemas.openxmlformats.org/presentationml/2006/main">
+  <p:cSld>
+    <p:spTree>
+      <p:nvGrpSpPr>
+        <p:cNvPr id="1" name=""/>
+        <p:cNvGrpSpPr/>
+        <p:nvPr/>
+      </p:nvGrpSpPr>
+      <p:grpSpPr>
+        <a:xfrm>
+          <a:off x="0" y="0"/>
+          <a:ext cx="0" cy="0"/>
+          <a:chOff x="0" y="0"/>
+          <a:chExt cx="0" cy="0"/>
+        </a:xfrm>
+      </p:grpSpPr>
+      <p:pic>
+        <p:nvPicPr>
+          <p:cNvPr id="4" name="Picture 2"/>
+          <p:cNvPicPr>
+            <a:picLocks noChangeAspect="1" noChangeArrowheads="1"/>
+          </p:cNvPicPr>
+          <p:nvPr/>
+        </p:nvPicPr>
+        <p:blipFill rotWithShape="1">
+          <a:blip r:embed="rId2">
+            <a:extLst>
+              <a:ext uri="{28A0092B-C50C-407E-A947-70E740481C1C}">
+                <a14:useLocalDpi xmlns:a14="http://schemas.microsoft.com/office/drawing/2010/main" val="0"/>
+              </a:ext>
+            </a:extLst>
+          </a:blip>
+          <a:srcRect l="13788" r="24394"/>
+          <a:stretch/>
+        </p:blipFill>
+        <p:spPr bwMode="auto">
+          <a:xfrm>
+            <a:off x="6172200" y="1143000"/>
+            <a:ext cx="2826327" cy="4572000"/>
+          </a:xfrm>
+          <a:prstGeom prst="rect">
+            <a:avLst/>
+          </a:prstGeom>
+          <a:noFill/>
+          <a:ln>
+            <a:noFill/>
+          </a:ln>
+          <a:effectLst>
+            <a:softEdge rad="76200"/>
+          </a:effectLst>
+          <a:extLst>
+            <a:ext uri="{909E8E84-426E-40DD-AFC4-6F175D3DCCD1}">
+              <a14:hiddenFill xmlns:a14="http://schemas.microsoft.com/office/drawing/2010/main">
+                <a:solidFill>
+                  <a:schemeClr val="accent1"/>
+                </a:solidFill>
+              </a14:hiddenFill>
+            </a:ext>
+            <a:ext uri="{91240B29-F687-4F45-9708-019B960494DF}">
+              <a14:hiddenLine xmlns:a14="http://schemas.microsoft.com/office/drawing/2010/main" w="9525">
+                <a:solidFill>
+                  <a:schemeClr val="tx1"/>
+                </a:solidFill>
+                <a:miter lim="800000"/>
+                <a:headEnd/>
+                <a:tailEnd/>
+              </a14:hiddenLine>
+            </a:ext>
+          </a:extLst>
+        </p:spPr>
+      </p:pic>
+      <p:sp>
+        <p:nvSpPr>
+          <p:cNvPr id="2" name="Title 1"/>
+          <p:cNvSpPr>
+            <a:spLocks noGrp="1"/>
+          </p:cNvSpPr>
+          <p:nvPr>
+            <p:ph type="title"/>
+          </p:nvPr>
+        </p:nvSpPr>
+        <p:spPr/>
+        <p:txBody>
+          <a:bodyPr>
+            <a:normAutofit/>
+          </a:bodyPr>
+          <a:lstStyle/>
+          <a:p>
+            <a:r>
+              <a:rPr lang="en-US" dirty="0"/>
+              <a:t>Visualize Time Series Data</a:t>
             </a:r>
             <a:endParaRPr lang="en-US" dirty="0"/>
           </a:p>
@@ -34529,62 +37618,56 @@
             <a:endParaRPr lang="en-US" dirty="0" smtClean="0"/>
           </a:p>
           <a:p>
-            <a:r>
-              <a:rPr lang="en-US" dirty="0" smtClean="0"/>
-              <a:t>Compare time </a:t>
-            </a:r>
-            <a:r>
-              <a:rPr lang="en-US" dirty="0"/>
-              <a:t>series </a:t>
-            </a:r>
-            <a:r>
-              <a:rPr lang="en-US" dirty="0" smtClean="0"/>
-              <a:t>data</a:t>
-            </a:r>
-          </a:p>
-          <a:p>
-            <a:pPr lvl="1"/>
-            <a:r>
-              <a:rPr lang="en-US" dirty="0" smtClean="0"/>
-              <a:t>Using one window</a:t>
-            </a:r>
-          </a:p>
-          <a:p>
-            <a:pPr lvl="1"/>
-            <a:r>
-              <a:rPr lang="en-US" dirty="0" smtClean="0"/>
-              <a:t>Using separate windows</a:t>
-            </a:r>
-            <a:endParaRPr lang="en-US" dirty="0"/>
-          </a:p>
-          <a:p>
             <a:pPr marL="0" indent="0">
               <a:buNone/>
             </a:pPr>
-            <a:endParaRPr lang="en-US" dirty="0" smtClean="0"/>
+            <a:r>
+              <a:rPr lang="en-US" b="1" dirty="0" smtClean="0"/>
+              <a:t>Pros</a:t>
+            </a:r>
+            <a:endParaRPr lang="en-US" b="1" dirty="0" smtClean="0"/>
           </a:p>
           <a:p>
             <a:r>
               <a:rPr lang="en-US" dirty="0" smtClean="0"/>
-              <a:t>Only for common genes from two versions</a:t>
+              <a:t>Better representation for time series data</a:t>
+            </a:r>
+          </a:p>
+          <a:p>
+            <a:r>
+              <a:rPr lang="en-US" dirty="0" smtClean="0"/>
+              <a:t>Options available for effective visualization</a:t>
             </a:r>
           </a:p>
           <a:p>
             <a:endParaRPr lang="en-US" dirty="0" smtClean="0"/>
           </a:p>
           <a:p>
+            <a:pPr marL="0" indent="0">
+              <a:buNone/>
+            </a:pPr>
             <a:r>
-              <a:rPr lang="en-US" dirty="0" smtClean="0"/>
-              <a:t>Ignore the rest</a:t>
+              <a:rPr lang="en-US" b="1" dirty="0" smtClean="0"/>
+              <a:t>Cons</a:t>
             </a:r>
-            <a:endParaRPr lang="en-US" dirty="0"/>
+            <a:endParaRPr lang="en-US" b="1" dirty="0"/>
+          </a:p>
+          <a:p>
+            <a:r>
+              <a:rPr lang="en-US" dirty="0"/>
+              <a:t>Some light colors may hinder analysis process</a:t>
+            </a:r>
+          </a:p>
+          <a:p>
+            <a:pPr lvl="1"/>
+            <a:endParaRPr lang="en-US" dirty="0" smtClean="0"/>
           </a:p>
         </p:txBody>
       </p:sp>
     </p:spTree>
     <p:extLst>
       <p:ext uri="{BB962C8B-B14F-4D97-AF65-F5344CB8AC3E}">
-        <p14:creationId xmlns:p14="http://schemas.microsoft.com/office/powerpoint/2010/main" val="1360294421"/>
+        <p14:creationId xmlns:p14="http://schemas.microsoft.com/office/powerpoint/2010/main" val="1670737763"/>
       </p:ext>
     </p:extLst>
   </p:cSld>
@@ -34764,21 +37847,30 @@
                             </p:childTnLst>
                           </p:cTn>
                         </p:par>
+                      </p:childTnLst>
+                    </p:cTn>
+                  </p:par>
+                  <p:par>
+                    <p:cTn id="16" fill="hold">
+                      <p:stCondLst>
+                        <p:cond delay="indefinite"/>
+                      </p:stCondLst>
+                      <p:childTnLst>
                         <p:par>
-                          <p:cTn id="16" fill="hold">
+                          <p:cTn id="17" fill="hold">
                             <p:stCondLst>
-                              <p:cond delay="1500"/>
+                              <p:cond delay="0"/>
                             </p:stCondLst>
                             <p:childTnLst>
                               <p:par>
-                                <p:cTn id="17" presetID="16" presetClass="entr" presetSubtype="21" fill="hold" grpId="0" nodeType="afterEffect">
+                                <p:cTn id="18" presetID="16" presetClass="entr" presetSubtype="21" fill="hold" grpId="0" nodeType="clickEffect">
                                   <p:stCondLst>
                                     <p:cond delay="0"/>
                                   </p:stCondLst>
                                   <p:childTnLst>
                                     <p:set>
                                       <p:cBhvr>
-                                        <p:cTn id="18" dur="1" fill="hold">
+                                        <p:cTn id="19" dur="1" fill="hold">
                                           <p:stCondLst>
                                             <p:cond delay="0"/>
                                           </p:stCondLst>
@@ -34800,7 +37892,7 @@
                                     </p:set>
                                     <p:animEffect transition="in" filter="barn(inVertical)">
                                       <p:cBhvr>
-                                        <p:cTn id="19" dur="500"/>
+                                        <p:cTn id="20" dur="500"/>
                                         <p:tgtEl>
                                           <p:spTgt spid="3">
                                             <p:txEl>
@@ -34817,20 +37909,20 @@
                           </p:cTn>
                         </p:par>
                         <p:par>
-                          <p:cTn id="20" fill="hold">
+                          <p:cTn id="21" fill="hold">
                             <p:stCondLst>
-                              <p:cond delay="2000"/>
+                              <p:cond delay="500"/>
                             </p:stCondLst>
                             <p:childTnLst>
                               <p:par>
-                                <p:cTn id="21" presetID="16" presetClass="entr" presetSubtype="21" fill="hold" grpId="0" nodeType="afterEffect">
+                                <p:cTn id="22" presetID="16" presetClass="entr" presetSubtype="21" fill="hold" nodeType="afterEffect">
                                   <p:stCondLst>
                                     <p:cond delay="0"/>
                                   </p:stCondLst>
                                   <p:childTnLst>
                                     <p:set>
                                       <p:cBhvr>
-                                        <p:cTn id="22" dur="1" fill="hold">
+                                        <p:cTn id="23" dur="1" fill="hold">
                                           <p:stCondLst>
                                             <p:cond delay="0"/>
                                           </p:stCondLst>
@@ -34838,7 +37930,7 @@
                                         <p:tgtEl>
                                           <p:spTgt spid="3">
                                             <p:txEl>
-                                              <p:pRg st="7" end="7"/>
+                                              <p:pRg st="6" end="6"/>
                                             </p:txEl>
                                           </p:spTgt>
                                         </p:tgtEl>
@@ -34852,11 +37944,11 @@
                                     </p:set>
                                     <p:animEffect transition="in" filter="barn(inVertical)">
                                       <p:cBhvr>
-                                        <p:cTn id="23" dur="500"/>
+                                        <p:cTn id="24" dur="500"/>
                                         <p:tgtEl>
                                           <p:spTgt spid="3">
                                             <p:txEl>
-                                              <p:pRg st="7" end="7"/>
+                                              <p:pRg st="6" end="6"/>
                                             </p:txEl>
                                           </p:spTgt>
                                         </p:tgtEl>
@@ -34899,174 +37991,7 @@
 </p:sld>
 </file>
 
-<file path=ppt/slides/slide14.xml><?xml version="1.0" encoding="utf-8"?>
-<p:sld xmlns:a="http://schemas.openxmlformats.org/drawingml/2006/main" xmlns:r="http://schemas.openxmlformats.org/officeDocument/2006/relationships" xmlns:p="http://schemas.openxmlformats.org/presentationml/2006/main">
-  <p:cSld>
-    <p:spTree>
-      <p:nvGrpSpPr>
-        <p:cNvPr id="1" name=""/>
-        <p:cNvGrpSpPr/>
-        <p:nvPr/>
-      </p:nvGrpSpPr>
-      <p:grpSpPr>
-        <a:xfrm>
-          <a:off x="0" y="0"/>
-          <a:ext cx="0" cy="0"/>
-          <a:chOff x="0" y="0"/>
-          <a:chExt cx="0" cy="0"/>
-        </a:xfrm>
-      </p:grpSpPr>
-      <p:sp>
-        <p:nvSpPr>
-          <p:cNvPr id="4" name="Title 3"/>
-          <p:cNvSpPr>
-            <a:spLocks noGrp="1"/>
-          </p:cNvSpPr>
-          <p:nvPr>
-            <p:ph type="title"/>
-          </p:nvPr>
-        </p:nvSpPr>
-        <p:spPr/>
-        <p:txBody>
-          <a:bodyPr/>
-          <a:lstStyle/>
-          <a:p>
-            <a:r>
-              <a:rPr lang="en-US" dirty="0" smtClean="0"/>
-              <a:t>Agenda</a:t>
-            </a:r>
-            <a:endParaRPr lang="en-US" dirty="0"/>
-          </a:p>
-        </p:txBody>
-      </p:sp>
-      <p:graphicFrame>
-        <p:nvGraphicFramePr>
-          <p:cNvPr id="5" name="Diagram 4"/>
-          <p:cNvGraphicFramePr/>
-          <p:nvPr>
-            <p:extLst>
-              <p:ext uri="{D42A27DB-BD31-4B8C-83A1-F6EECF244321}">
-                <p14:modId xmlns:p14="http://schemas.microsoft.com/office/powerpoint/2010/main" val="3633533741"/>
-              </p:ext>
-            </p:extLst>
-          </p:nvPr>
-        </p:nvGraphicFramePr>
-        <p:xfrm>
-          <a:off x="1447800" y="2133600"/>
-          <a:ext cx="6248400" cy="4343400"/>
-        </p:xfrm>
-        <a:graphic>
-          <a:graphicData uri="http://schemas.openxmlformats.org/drawingml/2006/diagram">
-            <dgm:relIds xmlns:dgm="http://schemas.openxmlformats.org/drawingml/2006/diagram" xmlns:r="http://schemas.openxmlformats.org/officeDocument/2006/relationships" r:dm="rId2" r:lo="rId3" r:qs="rId4" r:cs="rId5"/>
-          </a:graphicData>
-        </a:graphic>
-      </p:graphicFrame>
-    </p:spTree>
-    <p:extLst>
-      <p:ext uri="{BB962C8B-B14F-4D97-AF65-F5344CB8AC3E}">
-        <p14:creationId xmlns:p14="http://schemas.microsoft.com/office/powerpoint/2010/main" val="2781085257"/>
-      </p:ext>
-    </p:extLst>
-  </p:cSld>
-  <p:clrMapOvr>
-    <a:masterClrMapping/>
-  </p:clrMapOvr>
-  <p:timing>
-    <p:tnLst>
-      <p:par>
-        <p:cTn id="1" dur="indefinite" restart="never" nodeType="tmRoot">
-          <p:childTnLst>
-            <p:seq concurrent="1" nextAc="seek">
-              <p:cTn id="2" dur="indefinite" nodeType="mainSeq">
-                <p:childTnLst>
-                  <p:par>
-                    <p:cTn id="3" fill="hold">
-                      <p:stCondLst>
-                        <p:cond delay="indefinite"/>
-                        <p:cond evt="onBegin" delay="0">
-                          <p:tn val="2"/>
-                        </p:cond>
-                      </p:stCondLst>
-                      <p:childTnLst>
-                        <p:par>
-                          <p:cTn id="4" fill="hold">
-                            <p:stCondLst>
-                              <p:cond delay="0"/>
-                            </p:stCondLst>
-                            <p:childTnLst>
-                              <p:par>
-                                <p:cTn id="5" presetID="26" presetClass="emph" presetSubtype="0" fill="hold" grpId="1" nodeType="afterEffect">
-                                  <p:stCondLst>
-                                    <p:cond delay="0"/>
-                                  </p:stCondLst>
-                                  <p:childTnLst>
-                                    <p:animEffect transition="out" filter="fade">
-                                      <p:cBhvr>
-                                        <p:cTn id="6" dur="500" tmFilter="0, 0; .2, .5; .8, .5; 1, 0"/>
-                                        <p:tgtEl>
-                                          <p:spTgt spid="5">
-                                            <p:graphicEl>
-                                              <a:dgm id="{B6D182C3-E790-40B2-B8AC-D44D50438494}"/>
-                                            </p:graphicEl>
-                                          </p:spTgt>
-                                        </p:tgtEl>
-                                      </p:cBhvr>
-                                    </p:animEffect>
-                                    <p:animScale>
-                                      <p:cBhvr>
-                                        <p:cTn id="7" dur="250" autoRev="1" fill="hold"/>
-                                        <p:tgtEl>
-                                          <p:spTgt spid="5">
-                                            <p:graphicEl>
-                                              <a:dgm id="{B6D182C3-E790-40B2-B8AC-D44D50438494}"/>
-                                            </p:graphicEl>
-                                          </p:spTgt>
-                                        </p:tgtEl>
-                                      </p:cBhvr>
-                                      <p:by x="105000" y="105000"/>
-                                    </p:animScale>
-                                  </p:childTnLst>
-                                </p:cTn>
-                              </p:par>
-                            </p:childTnLst>
-                          </p:cTn>
-                        </p:par>
-                      </p:childTnLst>
-                    </p:cTn>
-                  </p:par>
-                </p:childTnLst>
-              </p:cTn>
-              <p:prevCondLst>
-                <p:cond evt="onPrev" delay="0">
-                  <p:tgtEl>
-                    <p:sldTgt/>
-                  </p:tgtEl>
-                </p:cond>
-              </p:prevCondLst>
-              <p:nextCondLst>
-                <p:cond evt="onNext" delay="0">
-                  <p:tgtEl>
-                    <p:sldTgt/>
-                  </p:tgtEl>
-                </p:cond>
-              </p:nextCondLst>
-            </p:seq>
-          </p:childTnLst>
-        </p:cTn>
-      </p:par>
-    </p:tnLst>
-    <p:bldLst>
-      <p:bldGraphic spid="5" grpId="1" uiExpand="1">
-        <p:bldSub>
-          <a:bldDgm bld="one"/>
-        </p:bldSub>
-      </p:bldGraphic>
-    </p:bldLst>
-  </p:timing>
-</p:sld>
-</file>
-
-<file path=ppt/slides/slide15.xml><?xml version="1.0" encoding="utf-8"?>
+<file path=ppt/slides/slide18.xml><?xml version="1.0" encoding="utf-8"?>
 <p:sld xmlns:a="http://schemas.openxmlformats.org/drawingml/2006/main" xmlns:r="http://schemas.openxmlformats.org/officeDocument/2006/relationships" xmlns:p="http://schemas.openxmlformats.org/presentationml/2006/main">
   <p:cSld>
     <p:spTree>
@@ -35085,7 +38010,7 @@
       </p:grpSpPr>
       <p:pic>
         <p:nvPicPr>
-          <p:cNvPr id="2050" name="Picture 2"/>
+          <p:cNvPr id="4" name="Picture 2"/>
           <p:cNvPicPr>
             <a:picLocks noChangeAspect="1" noChangeArrowheads="1"/>
           </p:cNvPicPr>
@@ -35148,398 +38073,6 @@
             <p:ph type="title"/>
           </p:nvPr>
         </p:nvSpPr>
-        <p:spPr>
-          <a:xfrm>
-            <a:off x="-304800" y="2667000"/>
-            <a:ext cx="8305800" cy="1143000"/>
-          </a:xfrm>
-        </p:spPr>
-        <p:txBody>
-          <a:bodyPr>
-            <a:normAutofit/>
-          </a:bodyPr>
-          <a:lstStyle/>
-          <a:p>
-            <a:pPr algn="ctr"/>
-            <a:r>
-              <a:rPr lang="en-US" sz="6600" dirty="0" smtClean="0"/>
-              <a:t>DEMONSTRATION</a:t>
-            </a:r>
-            <a:endParaRPr lang="en-US" sz="6600" dirty="0"/>
-          </a:p>
-        </p:txBody>
-      </p:sp>
-    </p:spTree>
-    <p:extLst>
-      <p:ext uri="{BB962C8B-B14F-4D97-AF65-F5344CB8AC3E}">
-        <p14:creationId xmlns:p14="http://schemas.microsoft.com/office/powerpoint/2010/main" val="921439347"/>
-      </p:ext>
-    </p:extLst>
-  </p:cSld>
-  <p:clrMapOvr>
-    <a:masterClrMapping/>
-  </p:clrMapOvr>
-  <mc:AlternateContent xmlns:mc="http://schemas.openxmlformats.org/markup-compatibility/2006" xmlns:p14="http://schemas.microsoft.com/office/powerpoint/2010/main">
-    <mc:Choice Requires="p14">
-      <p:transition spd="slow" p14:dur="1200">
-        <p14:prism/>
-      </p:transition>
-    </mc:Choice>
-    <mc:Fallback xmlns="">
-      <p:transition spd="slow">
-        <p:fade/>
-      </p:transition>
-    </mc:Fallback>
-  </mc:AlternateContent>
-  <p:timing>
-    <p:tnLst>
-      <p:par>
-        <p:cTn id="1" dur="indefinite" restart="never" nodeType="tmRoot"/>
-      </p:par>
-    </p:tnLst>
-  </p:timing>
-</p:sld>
-</file>
-
-<file path=ppt/slides/slide16.xml><?xml version="1.0" encoding="utf-8"?>
-<p:sld xmlns:a="http://schemas.openxmlformats.org/drawingml/2006/main" xmlns:r="http://schemas.openxmlformats.org/officeDocument/2006/relationships" xmlns:p="http://schemas.openxmlformats.org/presentationml/2006/main">
-  <p:cSld>
-    <p:spTree>
-      <p:nvGrpSpPr>
-        <p:cNvPr id="1" name=""/>
-        <p:cNvGrpSpPr/>
-        <p:nvPr/>
-      </p:nvGrpSpPr>
-      <p:grpSpPr>
-        <a:xfrm>
-          <a:off x="0" y="0"/>
-          <a:ext cx="0" cy="0"/>
-          <a:chOff x="0" y="0"/>
-          <a:chExt cx="0" cy="0"/>
-        </a:xfrm>
-      </p:grpSpPr>
-      <p:sp>
-        <p:nvSpPr>
-          <p:cNvPr id="4" name="Title 3"/>
-          <p:cNvSpPr>
-            <a:spLocks noGrp="1"/>
-          </p:cNvSpPr>
-          <p:nvPr>
-            <p:ph type="title"/>
-          </p:nvPr>
-        </p:nvSpPr>
-        <p:spPr/>
-        <p:txBody>
-          <a:bodyPr/>
-          <a:lstStyle/>
-          <a:p>
-            <a:r>
-              <a:rPr lang="en-US" dirty="0" smtClean="0"/>
-              <a:t>Agenda</a:t>
-            </a:r>
-            <a:endParaRPr lang="en-US" dirty="0"/>
-          </a:p>
-        </p:txBody>
-      </p:sp>
-      <p:graphicFrame>
-        <p:nvGraphicFramePr>
-          <p:cNvPr id="5" name="Diagram 4"/>
-          <p:cNvGraphicFramePr/>
-          <p:nvPr>
-            <p:extLst>
-              <p:ext uri="{D42A27DB-BD31-4B8C-83A1-F6EECF244321}">
-                <p14:modId xmlns:p14="http://schemas.microsoft.com/office/powerpoint/2010/main" val="712042928"/>
-              </p:ext>
-            </p:extLst>
-          </p:nvPr>
-        </p:nvGraphicFramePr>
-        <p:xfrm>
-          <a:off x="1447800" y="2133600"/>
-          <a:ext cx="6248400" cy="4343400"/>
-        </p:xfrm>
-        <a:graphic>
-          <a:graphicData uri="http://schemas.openxmlformats.org/drawingml/2006/diagram">
-            <dgm:relIds xmlns:dgm="http://schemas.openxmlformats.org/drawingml/2006/diagram" xmlns:r="http://schemas.openxmlformats.org/officeDocument/2006/relationships" r:dm="rId2" r:lo="rId3" r:qs="rId4" r:cs="rId5"/>
-          </a:graphicData>
-        </a:graphic>
-      </p:graphicFrame>
-    </p:spTree>
-    <p:extLst>
-      <p:ext uri="{BB962C8B-B14F-4D97-AF65-F5344CB8AC3E}">
-        <p14:creationId xmlns:p14="http://schemas.microsoft.com/office/powerpoint/2010/main" val="2271473573"/>
-      </p:ext>
-    </p:extLst>
-  </p:cSld>
-  <p:clrMapOvr>
-    <a:masterClrMapping/>
-  </p:clrMapOvr>
-  <mc:AlternateContent xmlns:mc="http://schemas.openxmlformats.org/markup-compatibility/2006">
-    <mc:Choice xmlns:p14="http://schemas.microsoft.com/office/powerpoint/2010/main" Requires="p14">
-      <p:transition spd="slow" p14:dur="1600">
-        <p14:gallery dir="l"/>
-      </p:transition>
-    </mc:Choice>
-    <mc:Fallback>
-      <p:transition spd="slow">
-        <p:fade/>
-      </p:transition>
-    </mc:Fallback>
-  </mc:AlternateContent>
-  <p:timing>
-    <p:tnLst>
-      <p:par>
-        <p:cTn id="1" dur="indefinite" restart="never" nodeType="tmRoot">
-          <p:childTnLst>
-            <p:seq concurrent="1" nextAc="seek">
-              <p:cTn id="2" dur="indefinite" nodeType="mainSeq">
-                <p:childTnLst>
-                  <p:par>
-                    <p:cTn id="3" fill="hold">
-                      <p:stCondLst>
-                        <p:cond delay="indefinite"/>
-                        <p:cond evt="onBegin" delay="0">
-                          <p:tn val="2"/>
-                        </p:cond>
-                      </p:stCondLst>
-                      <p:childTnLst>
-                        <p:par>
-                          <p:cTn id="4" fill="hold">
-                            <p:stCondLst>
-                              <p:cond delay="0"/>
-                            </p:stCondLst>
-                            <p:childTnLst>
-                              <p:par>
-                                <p:cTn id="5" presetID="26" presetClass="emph" presetSubtype="0" fill="hold" grpId="1" nodeType="afterEffect">
-                                  <p:stCondLst>
-                                    <p:cond delay="0"/>
-                                  </p:stCondLst>
-                                  <p:childTnLst>
-                                    <p:animEffect transition="out" filter="fade">
-                                      <p:cBhvr>
-                                        <p:cTn id="6" dur="500" tmFilter="0, 0; .2, .5; .8, .5; 1, 0"/>
-                                        <p:tgtEl>
-                                          <p:spTgt spid="5">
-                                            <p:graphicEl>
-                                              <a:dgm id="{ED80F958-D652-4442-A02A-B87785A08A48}"/>
-                                            </p:graphicEl>
-                                          </p:spTgt>
-                                        </p:tgtEl>
-                                      </p:cBhvr>
-                                    </p:animEffect>
-                                    <p:animScale>
-                                      <p:cBhvr>
-                                        <p:cTn id="7" dur="250" autoRev="1" fill="hold"/>
-                                        <p:tgtEl>
-                                          <p:spTgt spid="5">
-                                            <p:graphicEl>
-                                              <a:dgm id="{ED80F958-D652-4442-A02A-B87785A08A48}"/>
-                                            </p:graphicEl>
-                                          </p:spTgt>
-                                        </p:tgtEl>
-                                      </p:cBhvr>
-                                      <p:by x="105000" y="105000"/>
-                                    </p:animScale>
-                                  </p:childTnLst>
-                                </p:cTn>
-                              </p:par>
-                            </p:childTnLst>
-                          </p:cTn>
-                        </p:par>
-                      </p:childTnLst>
-                    </p:cTn>
-                  </p:par>
-                </p:childTnLst>
-              </p:cTn>
-              <p:prevCondLst>
-                <p:cond evt="onPrev" delay="0">
-                  <p:tgtEl>
-                    <p:sldTgt/>
-                  </p:tgtEl>
-                </p:cond>
-              </p:prevCondLst>
-              <p:nextCondLst>
-                <p:cond evt="onNext" delay="0">
-                  <p:tgtEl>
-                    <p:sldTgt/>
-                  </p:tgtEl>
-                </p:cond>
-              </p:nextCondLst>
-            </p:seq>
-          </p:childTnLst>
-        </p:cTn>
-      </p:par>
-    </p:tnLst>
-    <p:bldLst>
-      <p:bldGraphic spid="5" grpId="1" uiExpand="1">
-        <p:bldSub>
-          <a:bldDgm bld="one"/>
-        </p:bldSub>
-      </p:bldGraphic>
-    </p:bldLst>
-  </p:timing>
-</p:sld>
-</file>
-
-<file path=ppt/slides/slide17.xml><?xml version="1.0" encoding="utf-8"?>
-<p:sld xmlns:a="http://schemas.openxmlformats.org/drawingml/2006/main" xmlns:r="http://schemas.openxmlformats.org/officeDocument/2006/relationships" xmlns:p="http://schemas.openxmlformats.org/presentationml/2006/main">
-  <p:cSld>
-    <p:spTree>
-      <p:nvGrpSpPr>
-        <p:cNvPr id="1" name=""/>
-        <p:cNvGrpSpPr/>
-        <p:nvPr/>
-      </p:nvGrpSpPr>
-      <p:grpSpPr>
-        <a:xfrm>
-          <a:off x="0" y="0"/>
-          <a:ext cx="0" cy="0"/>
-          <a:chOff x="0" y="0"/>
-          <a:chExt cx="0" cy="0"/>
-        </a:xfrm>
-      </p:grpSpPr>
-      <p:pic>
-        <p:nvPicPr>
-          <p:cNvPr id="1026" name="Picture 2" descr="http://www.slideteam.net/media/catalog/product/cache/1/image/9df78eab33525d08d6e5fb8d27136e95/3/d/3d_man_overcoming_challenge_business_ppt_graphics_icons_powerpoin_Slide01.jpg"/>
-          <p:cNvPicPr>
-            <a:picLocks noChangeAspect="1" noChangeArrowheads="1"/>
-          </p:cNvPicPr>
-          <p:nvPr/>
-        </p:nvPicPr>
-        <p:blipFill rotWithShape="1">
-          <a:blip r:embed="rId2">
-            <a:extLst>
-              <a:ext uri="{28A0092B-C50C-407E-A947-70E740481C1C}">
-                <a14:useLocalDpi xmlns:a14="http://schemas.microsoft.com/office/drawing/2010/main" val="0"/>
-              </a:ext>
-            </a:extLst>
-          </a:blip>
-          <a:srcRect t="18653" r="32101"/>
-          <a:stretch/>
-        </p:blipFill>
-        <p:spPr bwMode="auto">
-          <a:xfrm>
-            <a:off x="1447800" y="838200"/>
-            <a:ext cx="6208649" cy="5578793"/>
-          </a:xfrm>
-          <a:prstGeom prst="rect">
-            <a:avLst/>
-          </a:prstGeom>
-          <a:noFill/>
-          <a:effectLst>
-            <a:softEdge rad="165100"/>
-          </a:effectLst>
-          <a:extLst>
-            <a:ext uri="{909E8E84-426E-40DD-AFC4-6F175D3DCCD1}">
-              <a14:hiddenFill xmlns:a14="http://schemas.microsoft.com/office/drawing/2010/main">
-                <a:solidFill>
-                  <a:srgbClr val="FFFFFF"/>
-                </a:solidFill>
-              </a14:hiddenFill>
-            </a:ext>
-          </a:extLst>
-        </p:spPr>
-      </p:pic>
-    </p:spTree>
-    <p:extLst>
-      <p:ext uri="{BB962C8B-B14F-4D97-AF65-F5344CB8AC3E}">
-        <p14:creationId xmlns:p14="http://schemas.microsoft.com/office/powerpoint/2010/main" val="3265407099"/>
-      </p:ext>
-    </p:extLst>
-  </p:cSld>
-  <p:clrMapOvr>
-    <a:masterClrMapping/>
-  </p:clrMapOvr>
-  <mc:AlternateContent xmlns:mc="http://schemas.openxmlformats.org/markup-compatibility/2006" xmlns:p14="http://schemas.microsoft.com/office/powerpoint/2010/main">
-    <mc:Choice Requires="p14">
-      <p:transition spd="slow" p14:dur="1200">
-        <p14:prism/>
-      </p:transition>
-    </mc:Choice>
-    <mc:Fallback xmlns="">
-      <p:transition spd="slow">
-        <p:fade/>
-      </p:transition>
-    </mc:Fallback>
-  </mc:AlternateContent>
-  <p:timing>
-    <p:tnLst>
-      <p:par>
-        <p:cTn id="1" dur="indefinite" restart="never" nodeType="tmRoot"/>
-      </p:par>
-    </p:tnLst>
-  </p:timing>
-</p:sld>
-</file>
-
-<file path=ppt/slides/slide18.xml><?xml version="1.0" encoding="utf-8"?>
-<p:sld xmlns:a="http://schemas.openxmlformats.org/drawingml/2006/main" xmlns:r="http://schemas.openxmlformats.org/officeDocument/2006/relationships" xmlns:p="http://schemas.openxmlformats.org/presentationml/2006/main">
-  <p:cSld>
-    <p:spTree>
-      <p:nvGrpSpPr>
-        <p:cNvPr id="1" name=""/>
-        <p:cNvGrpSpPr/>
-        <p:nvPr/>
-      </p:nvGrpSpPr>
-      <p:grpSpPr>
-        <a:xfrm>
-          <a:off x="0" y="0"/>
-          <a:ext cx="0" cy="0"/>
-          <a:chOff x="0" y="0"/>
-          <a:chExt cx="0" cy="0"/>
-        </a:xfrm>
-      </p:grpSpPr>
-      <p:pic>
-        <p:nvPicPr>
-          <p:cNvPr id="5" name="Picture 2" descr="http://www.slideteam.net/media/catalog/product/cache/1/image/9df78eab33525d08d6e5fb8d27136e95/3/d/3d_man_overcoming_challenge_business_ppt_graphics_icons_powerpoin_Slide01.jpg"/>
-          <p:cNvPicPr>
-            <a:picLocks noChangeAspect="1" noChangeArrowheads="1"/>
-          </p:cNvPicPr>
-          <p:nvPr/>
-        </p:nvPicPr>
-        <p:blipFill rotWithShape="1">
-          <a:blip r:embed="rId3">
-            <a:extLst>
-              <a:ext uri="{28A0092B-C50C-407E-A947-70E740481C1C}">
-                <a14:useLocalDpi xmlns:a14="http://schemas.microsoft.com/office/drawing/2010/main" val="0"/>
-              </a:ext>
-            </a:extLst>
-          </a:blip>
-          <a:srcRect t="18653" r="32101"/>
-          <a:stretch/>
-        </p:blipFill>
-        <p:spPr bwMode="auto">
-          <a:xfrm>
-            <a:off x="4858391" y="3031807"/>
-            <a:ext cx="4258177" cy="3826193"/>
-          </a:xfrm>
-          <a:prstGeom prst="rect">
-            <a:avLst/>
-          </a:prstGeom>
-          <a:noFill/>
-          <a:effectLst>
-            <a:softEdge rad="165100"/>
-          </a:effectLst>
-          <a:extLst>
-            <a:ext uri="{909E8E84-426E-40DD-AFC4-6F175D3DCCD1}">
-              <a14:hiddenFill xmlns:a14="http://schemas.microsoft.com/office/drawing/2010/main">
-                <a:solidFill>
-                  <a:srgbClr val="FFFFFF"/>
-                </a:solidFill>
-              </a14:hiddenFill>
-            </a:ext>
-          </a:extLst>
-        </p:spPr>
-      </p:pic>
-      <p:sp>
-        <p:nvSpPr>
-          <p:cNvPr id="2" name="Title 1"/>
-          <p:cNvSpPr>
-            <a:spLocks noGrp="1"/>
-          </p:cNvSpPr>
-          <p:nvPr>
-            <p:ph type="title"/>
-          </p:nvPr>
-        </p:nvSpPr>
         <p:spPr/>
         <p:txBody>
           <a:bodyPr>
@@ -35548,8 +38081,12 @@
           <a:lstStyle/>
           <a:p>
             <a:r>
+              <a:rPr lang="en-US" dirty="0"/>
+              <a:t>Compare </a:t>
+            </a:r>
+            <a:r>
               <a:rPr lang="en-US" dirty="0" smtClean="0"/>
-              <a:t>Challenges</a:t>
+              <a:t>Time Series Data</a:t>
             </a:r>
             <a:endParaRPr lang="en-US" dirty="0"/>
           </a:p>
@@ -35582,40 +38119,17 @@
           <a:p>
             <a:r>
               <a:rPr lang="en-US" dirty="0" smtClean="0"/>
-              <a:t>Understanding the existing application</a:t>
+              <a:t>Using </a:t>
             </a:r>
-          </a:p>
-          <a:p>
-            <a:pPr lvl="1"/>
             <a:r>
               <a:rPr lang="en-US" dirty="0" smtClean="0"/>
-              <a:t>Size</a:t>
+              <a:t>one window</a:t>
             </a:r>
-          </a:p>
-          <a:p>
-            <a:pPr lvl="1"/>
-            <a:r>
-              <a:rPr lang="en-US" dirty="0" smtClean="0"/>
-              <a:t>Complexity</a:t>
-            </a:r>
-          </a:p>
-          <a:p>
-            <a:pPr lvl="1"/>
-            <a:endParaRPr lang="en-US" dirty="0" smtClean="0"/>
           </a:p>
           <a:p>
             <a:r>
               <a:rPr lang="en-US" dirty="0" smtClean="0"/>
-              <a:t>Limited biological knowledge</a:t>
-            </a:r>
-          </a:p>
-          <a:p>
-            <a:endParaRPr lang="en-US" dirty="0"/>
-          </a:p>
-          <a:p>
-            <a:r>
-              <a:rPr lang="en-US" dirty="0" smtClean="0"/>
-              <a:t>Integration</a:t>
+              <a:t>Using separate windows</a:t>
             </a:r>
             <a:endParaRPr lang="en-US" dirty="0"/>
           </a:p>
@@ -35623,14 +38137,1227 @@
             <a:pPr marL="0" indent="0">
               <a:buNone/>
             </a:pPr>
+            <a:endParaRPr lang="en-US" dirty="0" smtClean="0"/>
+          </a:p>
+          <a:p>
+            <a:pPr>
+              <a:buFont typeface="Wingdings" panose="05000000000000000000" pitchFamily="2" charset="2"/>
+              <a:buChar char="v"/>
+            </a:pPr>
+            <a:endParaRPr lang="en-US" dirty="0" smtClean="0"/>
+          </a:p>
+          <a:p>
+            <a:pPr>
+              <a:buFont typeface="Wingdings" panose="05000000000000000000" pitchFamily="2" charset="2"/>
+              <a:buChar char="v"/>
+            </a:pPr>
+            <a:r>
+              <a:rPr lang="en-US" b="1" i="1" dirty="0" smtClean="0"/>
+              <a:t>Only for common genes from two versions</a:t>
+            </a:r>
+          </a:p>
+          <a:p>
+            <a:pPr>
+              <a:buFont typeface="Wingdings" panose="05000000000000000000" pitchFamily="2" charset="2"/>
+              <a:buChar char="v"/>
+            </a:pPr>
+            <a:r>
+              <a:rPr lang="en-US" b="1" i="1" dirty="0" smtClean="0"/>
+              <a:t>Ignore the rest</a:t>
+            </a:r>
+            <a:endParaRPr lang="en-US" b="1" i="1" dirty="0"/>
+          </a:p>
+        </p:txBody>
+      </p:sp>
+      <p:pic>
+        <p:nvPicPr>
+          <p:cNvPr id="6" name="Picture 5"/>
+          <p:cNvPicPr/>
+          <p:nvPr/>
+        </p:nvPicPr>
+        <p:blipFill>
+          <a:blip r:embed="rId3"/>
+          <a:stretch>
+            <a:fillRect/>
+          </a:stretch>
+        </p:blipFill>
+        <p:spPr>
+          <a:xfrm>
+            <a:off x="1371600" y="674846"/>
+            <a:ext cx="6510338" cy="5508308"/>
+          </a:xfrm>
+          <a:prstGeom prst="rect">
+            <a:avLst/>
+          </a:prstGeom>
+          <a:ln>
+            <a:solidFill>
+              <a:schemeClr val="accent1"/>
+            </a:solidFill>
+          </a:ln>
+        </p:spPr>
+      </p:pic>
+      <p:grpSp>
+        <p:nvGrpSpPr>
+          <p:cNvPr id="7" name="Group 6"/>
+          <p:cNvGrpSpPr/>
+          <p:nvPr/>
+        </p:nvGrpSpPr>
+        <p:grpSpPr>
+          <a:xfrm>
+            <a:off x="304800" y="1828800"/>
+            <a:ext cx="8534400" cy="3719945"/>
+            <a:chOff x="1066800" y="2148609"/>
+            <a:chExt cx="7620000" cy="2971800"/>
+          </a:xfrm>
+        </p:grpSpPr>
+        <p:pic>
+          <p:nvPicPr>
+            <p:cNvPr id="8" name="Picture 7"/>
+            <p:cNvPicPr/>
+            <p:nvPr/>
+          </p:nvPicPr>
+          <p:blipFill>
+            <a:blip r:embed="rId4"/>
+            <a:stretch>
+              <a:fillRect/>
+            </a:stretch>
+          </p:blipFill>
+          <p:spPr>
+            <a:xfrm>
+              <a:off x="1066800" y="2148609"/>
+              <a:ext cx="3749040" cy="2971800"/>
+            </a:xfrm>
+            <a:prstGeom prst="rect">
+              <a:avLst/>
+            </a:prstGeom>
+            <a:ln>
+              <a:solidFill>
+                <a:schemeClr val="accent1"/>
+              </a:solidFill>
+            </a:ln>
+          </p:spPr>
+        </p:pic>
+        <p:pic>
+          <p:nvPicPr>
+            <p:cNvPr id="9" name="Picture 8"/>
+            <p:cNvPicPr/>
+            <p:nvPr/>
+          </p:nvPicPr>
+          <p:blipFill>
+            <a:blip r:embed="rId5"/>
+            <a:stretch>
+              <a:fillRect/>
+            </a:stretch>
+          </p:blipFill>
+          <p:spPr>
+            <a:xfrm>
+              <a:off x="4937760" y="2148609"/>
+              <a:ext cx="3749040" cy="2971800"/>
+            </a:xfrm>
+            <a:prstGeom prst="rect">
+              <a:avLst/>
+            </a:prstGeom>
+            <a:ln>
+              <a:solidFill>
+                <a:schemeClr val="accent1"/>
+              </a:solidFill>
+            </a:ln>
+          </p:spPr>
+        </p:pic>
+      </p:grpSp>
+      <p:pic>
+        <p:nvPicPr>
+          <p:cNvPr id="10" name="Picture 9"/>
+          <p:cNvPicPr/>
+          <p:nvPr/>
+        </p:nvPicPr>
+        <p:blipFill>
+          <a:blip r:embed="rId6"/>
+          <a:stretch>
+            <a:fillRect/>
+          </a:stretch>
+        </p:blipFill>
+        <p:spPr>
+          <a:xfrm>
+            <a:off x="1371600" y="685800"/>
+            <a:ext cx="6510338" cy="5508308"/>
+          </a:xfrm>
+          <a:prstGeom prst="rect">
+            <a:avLst/>
+          </a:prstGeom>
+          <a:ln>
+            <a:solidFill>
+              <a:schemeClr val="accent1"/>
+            </a:solidFill>
+          </a:ln>
+        </p:spPr>
+      </p:pic>
+    </p:spTree>
+    <p:extLst>
+      <p:ext uri="{BB962C8B-B14F-4D97-AF65-F5344CB8AC3E}">
+        <p14:creationId xmlns:p14="http://schemas.microsoft.com/office/powerpoint/2010/main" val="1360294421"/>
+      </p:ext>
+    </p:extLst>
+  </p:cSld>
+  <p:clrMapOvr>
+    <a:masterClrMapping/>
+  </p:clrMapOvr>
+  <p:transition spd="slow">
+    <p:push dir="u"/>
+  </p:transition>
+  <p:timing>
+    <p:tnLst>
+      <p:par>
+        <p:cTn id="1" dur="indefinite" restart="never" nodeType="tmRoot">
+          <p:childTnLst>
+            <p:seq concurrent="1" nextAc="seek">
+              <p:cTn id="2" dur="indefinite" nodeType="mainSeq">
+                <p:childTnLst>
+                  <p:par>
+                    <p:cTn id="3" fill="hold">
+                      <p:stCondLst>
+                        <p:cond delay="indefinite"/>
+                      </p:stCondLst>
+                      <p:childTnLst>
+                        <p:par>
+                          <p:cTn id="4" fill="hold">
+                            <p:stCondLst>
+                              <p:cond delay="0"/>
+                            </p:stCondLst>
+                            <p:childTnLst>
+                              <p:par>
+                                <p:cTn id="5" presetID="16" presetClass="entr" presetSubtype="21" fill="hold" grpId="0" nodeType="clickEffect">
+                                  <p:stCondLst>
+                                    <p:cond delay="0"/>
+                                  </p:stCondLst>
+                                  <p:childTnLst>
+                                    <p:set>
+                                      <p:cBhvr>
+                                        <p:cTn id="6" dur="1" fill="hold">
+                                          <p:stCondLst>
+                                            <p:cond delay="0"/>
+                                          </p:stCondLst>
+                                        </p:cTn>
+                                        <p:tgtEl>
+                                          <p:spTgt spid="3">
+                                            <p:txEl>
+                                              <p:pRg st="1" end="1"/>
+                                            </p:txEl>
+                                          </p:spTgt>
+                                        </p:tgtEl>
+                                        <p:attrNameLst>
+                                          <p:attrName>style.visibility</p:attrName>
+                                        </p:attrNameLst>
+                                      </p:cBhvr>
+                                      <p:to>
+                                        <p:strVal val="visible"/>
+                                      </p:to>
+                                    </p:set>
+                                    <p:animEffect transition="in" filter="barn(inVertical)">
+                                      <p:cBhvr>
+                                        <p:cTn id="7" dur="500"/>
+                                        <p:tgtEl>
+                                          <p:spTgt spid="3">
+                                            <p:txEl>
+                                              <p:pRg st="1" end="1"/>
+                                            </p:txEl>
+                                          </p:spTgt>
+                                        </p:tgtEl>
+                                      </p:cBhvr>
+                                    </p:animEffect>
+                                  </p:childTnLst>
+                                </p:cTn>
+                              </p:par>
+                            </p:childTnLst>
+                          </p:cTn>
+                        </p:par>
+                      </p:childTnLst>
+                    </p:cTn>
+                  </p:par>
+                  <p:par>
+                    <p:cTn id="8" fill="hold">
+                      <p:stCondLst>
+                        <p:cond delay="indefinite"/>
+                      </p:stCondLst>
+                      <p:childTnLst>
+                        <p:par>
+                          <p:cTn id="9" fill="hold">
+                            <p:stCondLst>
+                              <p:cond delay="0"/>
+                            </p:stCondLst>
+                            <p:childTnLst>
+                              <p:par>
+                                <p:cTn id="10" presetID="16" presetClass="entr" presetSubtype="21" fill="hold" grpId="0" nodeType="clickEffect">
+                                  <p:stCondLst>
+                                    <p:cond delay="0"/>
+                                  </p:stCondLst>
+                                  <p:childTnLst>
+                                    <p:set>
+                                      <p:cBhvr>
+                                        <p:cTn id="11" dur="1" fill="hold">
+                                          <p:stCondLst>
+                                            <p:cond delay="0"/>
+                                          </p:stCondLst>
+                                        </p:cTn>
+                                        <p:tgtEl>
+                                          <p:spTgt spid="3">
+                                            <p:txEl>
+                                              <p:pRg st="2" end="2"/>
+                                            </p:txEl>
+                                          </p:spTgt>
+                                        </p:tgtEl>
+                                        <p:attrNameLst>
+                                          <p:attrName>style.visibility</p:attrName>
+                                        </p:attrNameLst>
+                                      </p:cBhvr>
+                                      <p:to>
+                                        <p:strVal val="visible"/>
+                                      </p:to>
+                                    </p:set>
+                                    <p:animEffect transition="in" filter="barn(inVertical)">
+                                      <p:cBhvr>
+                                        <p:cTn id="12" dur="500"/>
+                                        <p:tgtEl>
+                                          <p:spTgt spid="3">
+                                            <p:txEl>
+                                              <p:pRg st="2" end="2"/>
+                                            </p:txEl>
+                                          </p:spTgt>
+                                        </p:tgtEl>
+                                      </p:cBhvr>
+                                    </p:animEffect>
+                                  </p:childTnLst>
+                                </p:cTn>
+                              </p:par>
+                            </p:childTnLst>
+                          </p:cTn>
+                        </p:par>
+                      </p:childTnLst>
+                    </p:cTn>
+                  </p:par>
+                  <p:par>
+                    <p:cTn id="13" fill="hold">
+                      <p:stCondLst>
+                        <p:cond delay="indefinite"/>
+                      </p:stCondLst>
+                      <p:childTnLst>
+                        <p:par>
+                          <p:cTn id="14" fill="hold">
+                            <p:stCondLst>
+                              <p:cond delay="0"/>
+                            </p:stCondLst>
+                            <p:childTnLst>
+                              <p:par>
+                                <p:cTn id="15" presetID="42" presetClass="entr" presetSubtype="0" fill="hold" nodeType="clickEffect">
+                                  <p:stCondLst>
+                                    <p:cond delay="0"/>
+                                  </p:stCondLst>
+                                  <p:childTnLst>
+                                    <p:set>
+                                      <p:cBhvr>
+                                        <p:cTn id="16" dur="1" fill="hold">
+                                          <p:stCondLst>
+                                            <p:cond delay="0"/>
+                                          </p:stCondLst>
+                                        </p:cTn>
+                                        <p:tgtEl>
+                                          <p:spTgt spid="6"/>
+                                        </p:tgtEl>
+                                        <p:attrNameLst>
+                                          <p:attrName>style.visibility</p:attrName>
+                                        </p:attrNameLst>
+                                      </p:cBhvr>
+                                      <p:to>
+                                        <p:strVal val="visible"/>
+                                      </p:to>
+                                    </p:set>
+                                    <p:animEffect transition="in" filter="fade">
+                                      <p:cBhvr>
+                                        <p:cTn id="17" dur="1000"/>
+                                        <p:tgtEl>
+                                          <p:spTgt spid="6"/>
+                                        </p:tgtEl>
+                                      </p:cBhvr>
+                                    </p:animEffect>
+                                    <p:anim calcmode="lin" valueType="num">
+                                      <p:cBhvr>
+                                        <p:cTn id="18" dur="1000" fill="hold"/>
+                                        <p:tgtEl>
+                                          <p:spTgt spid="6"/>
+                                        </p:tgtEl>
+                                        <p:attrNameLst>
+                                          <p:attrName>ppt_x</p:attrName>
+                                        </p:attrNameLst>
+                                      </p:cBhvr>
+                                      <p:tavLst>
+                                        <p:tav tm="0">
+                                          <p:val>
+                                            <p:strVal val="#ppt_x"/>
+                                          </p:val>
+                                        </p:tav>
+                                        <p:tav tm="100000">
+                                          <p:val>
+                                            <p:strVal val="#ppt_x"/>
+                                          </p:val>
+                                        </p:tav>
+                                      </p:tavLst>
+                                    </p:anim>
+                                    <p:anim calcmode="lin" valueType="num">
+                                      <p:cBhvr>
+                                        <p:cTn id="19" dur="1000" fill="hold"/>
+                                        <p:tgtEl>
+                                          <p:spTgt spid="6"/>
+                                        </p:tgtEl>
+                                        <p:attrNameLst>
+                                          <p:attrName>ppt_y</p:attrName>
+                                        </p:attrNameLst>
+                                      </p:cBhvr>
+                                      <p:tavLst>
+                                        <p:tav tm="0">
+                                          <p:val>
+                                            <p:strVal val="#ppt_y+.1"/>
+                                          </p:val>
+                                        </p:tav>
+                                        <p:tav tm="100000">
+                                          <p:val>
+                                            <p:strVal val="#ppt_y"/>
+                                          </p:val>
+                                        </p:tav>
+                                      </p:tavLst>
+                                    </p:anim>
+                                  </p:childTnLst>
+                                </p:cTn>
+                              </p:par>
+                            </p:childTnLst>
+                          </p:cTn>
+                        </p:par>
+                      </p:childTnLst>
+                    </p:cTn>
+                  </p:par>
+                  <p:par>
+                    <p:cTn id="20" fill="hold">
+                      <p:stCondLst>
+                        <p:cond delay="indefinite"/>
+                      </p:stCondLst>
+                      <p:childTnLst>
+                        <p:par>
+                          <p:cTn id="21" fill="hold">
+                            <p:stCondLst>
+                              <p:cond delay="0"/>
+                            </p:stCondLst>
+                            <p:childTnLst>
+                              <p:par>
+                                <p:cTn id="22" presetID="42" presetClass="exit" presetSubtype="0" fill="hold" nodeType="clickEffect">
+                                  <p:stCondLst>
+                                    <p:cond delay="0"/>
+                                  </p:stCondLst>
+                                  <p:childTnLst>
+                                    <p:animEffect transition="out" filter="fade">
+                                      <p:cBhvr>
+                                        <p:cTn id="23" dur="1000"/>
+                                        <p:tgtEl>
+                                          <p:spTgt spid="6"/>
+                                        </p:tgtEl>
+                                      </p:cBhvr>
+                                    </p:animEffect>
+                                    <p:anim calcmode="lin" valueType="num">
+                                      <p:cBhvr>
+                                        <p:cTn id="24" dur="1000"/>
+                                        <p:tgtEl>
+                                          <p:spTgt spid="6"/>
+                                        </p:tgtEl>
+                                        <p:attrNameLst>
+                                          <p:attrName>ppt_x</p:attrName>
+                                        </p:attrNameLst>
+                                      </p:cBhvr>
+                                      <p:tavLst>
+                                        <p:tav tm="0">
+                                          <p:val>
+                                            <p:strVal val="ppt_x"/>
+                                          </p:val>
+                                        </p:tav>
+                                        <p:tav tm="100000">
+                                          <p:val>
+                                            <p:strVal val="ppt_x"/>
+                                          </p:val>
+                                        </p:tav>
+                                      </p:tavLst>
+                                    </p:anim>
+                                    <p:anim calcmode="lin" valueType="num">
+                                      <p:cBhvr>
+                                        <p:cTn id="25" dur="1000"/>
+                                        <p:tgtEl>
+                                          <p:spTgt spid="6"/>
+                                        </p:tgtEl>
+                                        <p:attrNameLst>
+                                          <p:attrName>ppt_y</p:attrName>
+                                        </p:attrNameLst>
+                                      </p:cBhvr>
+                                      <p:tavLst>
+                                        <p:tav tm="0">
+                                          <p:val>
+                                            <p:strVal val="ppt_y"/>
+                                          </p:val>
+                                        </p:tav>
+                                        <p:tav tm="100000">
+                                          <p:val>
+                                            <p:strVal val="ppt_y+.1"/>
+                                          </p:val>
+                                        </p:tav>
+                                      </p:tavLst>
+                                    </p:anim>
+                                    <p:set>
+                                      <p:cBhvr>
+                                        <p:cTn id="26" dur="1" fill="hold">
+                                          <p:stCondLst>
+                                            <p:cond delay="999"/>
+                                          </p:stCondLst>
+                                        </p:cTn>
+                                        <p:tgtEl>
+                                          <p:spTgt spid="6"/>
+                                        </p:tgtEl>
+                                        <p:attrNameLst>
+                                          <p:attrName>style.visibility</p:attrName>
+                                        </p:attrNameLst>
+                                      </p:cBhvr>
+                                      <p:to>
+                                        <p:strVal val="hidden"/>
+                                      </p:to>
+                                    </p:set>
+                                  </p:childTnLst>
+                                </p:cTn>
+                              </p:par>
+                            </p:childTnLst>
+                          </p:cTn>
+                        </p:par>
+                      </p:childTnLst>
+                    </p:cTn>
+                  </p:par>
+                  <p:par>
+                    <p:cTn id="27" fill="hold">
+                      <p:stCondLst>
+                        <p:cond delay="indefinite"/>
+                      </p:stCondLst>
+                      <p:childTnLst>
+                        <p:par>
+                          <p:cTn id="28" fill="hold">
+                            <p:stCondLst>
+                              <p:cond delay="0"/>
+                            </p:stCondLst>
+                            <p:childTnLst>
+                              <p:par>
+                                <p:cTn id="29" presetID="42" presetClass="entr" presetSubtype="0" fill="hold" nodeType="clickEffect">
+                                  <p:stCondLst>
+                                    <p:cond delay="0"/>
+                                  </p:stCondLst>
+                                  <p:childTnLst>
+                                    <p:set>
+                                      <p:cBhvr>
+                                        <p:cTn id="30" dur="1" fill="hold">
+                                          <p:stCondLst>
+                                            <p:cond delay="0"/>
+                                          </p:stCondLst>
+                                        </p:cTn>
+                                        <p:tgtEl>
+                                          <p:spTgt spid="10"/>
+                                        </p:tgtEl>
+                                        <p:attrNameLst>
+                                          <p:attrName>style.visibility</p:attrName>
+                                        </p:attrNameLst>
+                                      </p:cBhvr>
+                                      <p:to>
+                                        <p:strVal val="visible"/>
+                                      </p:to>
+                                    </p:set>
+                                    <p:animEffect transition="in" filter="fade">
+                                      <p:cBhvr>
+                                        <p:cTn id="31" dur="1000"/>
+                                        <p:tgtEl>
+                                          <p:spTgt spid="10"/>
+                                        </p:tgtEl>
+                                      </p:cBhvr>
+                                    </p:animEffect>
+                                    <p:anim calcmode="lin" valueType="num">
+                                      <p:cBhvr>
+                                        <p:cTn id="32" dur="1000" fill="hold"/>
+                                        <p:tgtEl>
+                                          <p:spTgt spid="10"/>
+                                        </p:tgtEl>
+                                        <p:attrNameLst>
+                                          <p:attrName>ppt_x</p:attrName>
+                                        </p:attrNameLst>
+                                      </p:cBhvr>
+                                      <p:tavLst>
+                                        <p:tav tm="0">
+                                          <p:val>
+                                            <p:strVal val="#ppt_x"/>
+                                          </p:val>
+                                        </p:tav>
+                                        <p:tav tm="100000">
+                                          <p:val>
+                                            <p:strVal val="#ppt_x"/>
+                                          </p:val>
+                                        </p:tav>
+                                      </p:tavLst>
+                                    </p:anim>
+                                    <p:anim calcmode="lin" valueType="num">
+                                      <p:cBhvr>
+                                        <p:cTn id="33" dur="1000" fill="hold"/>
+                                        <p:tgtEl>
+                                          <p:spTgt spid="10"/>
+                                        </p:tgtEl>
+                                        <p:attrNameLst>
+                                          <p:attrName>ppt_y</p:attrName>
+                                        </p:attrNameLst>
+                                      </p:cBhvr>
+                                      <p:tavLst>
+                                        <p:tav tm="0">
+                                          <p:val>
+                                            <p:strVal val="#ppt_y+.1"/>
+                                          </p:val>
+                                        </p:tav>
+                                        <p:tav tm="100000">
+                                          <p:val>
+                                            <p:strVal val="#ppt_y"/>
+                                          </p:val>
+                                        </p:tav>
+                                      </p:tavLst>
+                                    </p:anim>
+                                  </p:childTnLst>
+                                </p:cTn>
+                              </p:par>
+                            </p:childTnLst>
+                          </p:cTn>
+                        </p:par>
+                      </p:childTnLst>
+                    </p:cTn>
+                  </p:par>
+                  <p:par>
+                    <p:cTn id="34" fill="hold">
+                      <p:stCondLst>
+                        <p:cond delay="indefinite"/>
+                      </p:stCondLst>
+                      <p:childTnLst>
+                        <p:par>
+                          <p:cTn id="35" fill="hold">
+                            <p:stCondLst>
+                              <p:cond delay="0"/>
+                            </p:stCondLst>
+                            <p:childTnLst>
+                              <p:par>
+                                <p:cTn id="36" presetID="42" presetClass="exit" presetSubtype="0" fill="hold" nodeType="clickEffect">
+                                  <p:stCondLst>
+                                    <p:cond delay="0"/>
+                                  </p:stCondLst>
+                                  <p:childTnLst>
+                                    <p:animEffect transition="out" filter="fade">
+                                      <p:cBhvr>
+                                        <p:cTn id="37" dur="1000"/>
+                                        <p:tgtEl>
+                                          <p:spTgt spid="10"/>
+                                        </p:tgtEl>
+                                      </p:cBhvr>
+                                    </p:animEffect>
+                                    <p:anim calcmode="lin" valueType="num">
+                                      <p:cBhvr>
+                                        <p:cTn id="38" dur="1000"/>
+                                        <p:tgtEl>
+                                          <p:spTgt spid="10"/>
+                                        </p:tgtEl>
+                                        <p:attrNameLst>
+                                          <p:attrName>ppt_x</p:attrName>
+                                        </p:attrNameLst>
+                                      </p:cBhvr>
+                                      <p:tavLst>
+                                        <p:tav tm="0">
+                                          <p:val>
+                                            <p:strVal val="ppt_x"/>
+                                          </p:val>
+                                        </p:tav>
+                                        <p:tav tm="100000">
+                                          <p:val>
+                                            <p:strVal val="ppt_x"/>
+                                          </p:val>
+                                        </p:tav>
+                                      </p:tavLst>
+                                    </p:anim>
+                                    <p:anim calcmode="lin" valueType="num">
+                                      <p:cBhvr>
+                                        <p:cTn id="39" dur="1000"/>
+                                        <p:tgtEl>
+                                          <p:spTgt spid="10"/>
+                                        </p:tgtEl>
+                                        <p:attrNameLst>
+                                          <p:attrName>ppt_y</p:attrName>
+                                        </p:attrNameLst>
+                                      </p:cBhvr>
+                                      <p:tavLst>
+                                        <p:tav tm="0">
+                                          <p:val>
+                                            <p:strVal val="ppt_y"/>
+                                          </p:val>
+                                        </p:tav>
+                                        <p:tav tm="100000">
+                                          <p:val>
+                                            <p:strVal val="ppt_y+.1"/>
+                                          </p:val>
+                                        </p:tav>
+                                      </p:tavLst>
+                                    </p:anim>
+                                    <p:set>
+                                      <p:cBhvr>
+                                        <p:cTn id="40" dur="1" fill="hold">
+                                          <p:stCondLst>
+                                            <p:cond delay="999"/>
+                                          </p:stCondLst>
+                                        </p:cTn>
+                                        <p:tgtEl>
+                                          <p:spTgt spid="10"/>
+                                        </p:tgtEl>
+                                        <p:attrNameLst>
+                                          <p:attrName>style.visibility</p:attrName>
+                                        </p:attrNameLst>
+                                      </p:cBhvr>
+                                      <p:to>
+                                        <p:strVal val="hidden"/>
+                                      </p:to>
+                                    </p:set>
+                                  </p:childTnLst>
+                                </p:cTn>
+                              </p:par>
+                            </p:childTnLst>
+                          </p:cTn>
+                        </p:par>
+                      </p:childTnLst>
+                    </p:cTn>
+                  </p:par>
+                  <p:par>
+                    <p:cTn id="41" fill="hold">
+                      <p:stCondLst>
+                        <p:cond delay="indefinite"/>
+                      </p:stCondLst>
+                      <p:childTnLst>
+                        <p:par>
+                          <p:cTn id="42" fill="hold">
+                            <p:stCondLst>
+                              <p:cond delay="0"/>
+                            </p:stCondLst>
+                            <p:childTnLst>
+                              <p:par>
+                                <p:cTn id="43" presetID="42" presetClass="entr" presetSubtype="0" fill="hold" nodeType="clickEffect">
+                                  <p:stCondLst>
+                                    <p:cond delay="0"/>
+                                  </p:stCondLst>
+                                  <p:childTnLst>
+                                    <p:set>
+                                      <p:cBhvr>
+                                        <p:cTn id="44" dur="1" fill="hold">
+                                          <p:stCondLst>
+                                            <p:cond delay="0"/>
+                                          </p:stCondLst>
+                                        </p:cTn>
+                                        <p:tgtEl>
+                                          <p:spTgt spid="7"/>
+                                        </p:tgtEl>
+                                        <p:attrNameLst>
+                                          <p:attrName>style.visibility</p:attrName>
+                                        </p:attrNameLst>
+                                      </p:cBhvr>
+                                      <p:to>
+                                        <p:strVal val="visible"/>
+                                      </p:to>
+                                    </p:set>
+                                    <p:animEffect transition="in" filter="fade">
+                                      <p:cBhvr>
+                                        <p:cTn id="45" dur="1000"/>
+                                        <p:tgtEl>
+                                          <p:spTgt spid="7"/>
+                                        </p:tgtEl>
+                                      </p:cBhvr>
+                                    </p:animEffect>
+                                    <p:anim calcmode="lin" valueType="num">
+                                      <p:cBhvr>
+                                        <p:cTn id="46" dur="1000" fill="hold"/>
+                                        <p:tgtEl>
+                                          <p:spTgt spid="7"/>
+                                        </p:tgtEl>
+                                        <p:attrNameLst>
+                                          <p:attrName>ppt_x</p:attrName>
+                                        </p:attrNameLst>
+                                      </p:cBhvr>
+                                      <p:tavLst>
+                                        <p:tav tm="0">
+                                          <p:val>
+                                            <p:strVal val="#ppt_x"/>
+                                          </p:val>
+                                        </p:tav>
+                                        <p:tav tm="100000">
+                                          <p:val>
+                                            <p:strVal val="#ppt_x"/>
+                                          </p:val>
+                                        </p:tav>
+                                      </p:tavLst>
+                                    </p:anim>
+                                    <p:anim calcmode="lin" valueType="num">
+                                      <p:cBhvr>
+                                        <p:cTn id="47" dur="1000" fill="hold"/>
+                                        <p:tgtEl>
+                                          <p:spTgt spid="7"/>
+                                        </p:tgtEl>
+                                        <p:attrNameLst>
+                                          <p:attrName>ppt_y</p:attrName>
+                                        </p:attrNameLst>
+                                      </p:cBhvr>
+                                      <p:tavLst>
+                                        <p:tav tm="0">
+                                          <p:val>
+                                            <p:strVal val="#ppt_y+.1"/>
+                                          </p:val>
+                                        </p:tav>
+                                        <p:tav tm="100000">
+                                          <p:val>
+                                            <p:strVal val="#ppt_y"/>
+                                          </p:val>
+                                        </p:tav>
+                                      </p:tavLst>
+                                    </p:anim>
+                                  </p:childTnLst>
+                                </p:cTn>
+                              </p:par>
+                            </p:childTnLst>
+                          </p:cTn>
+                        </p:par>
+                      </p:childTnLst>
+                    </p:cTn>
+                  </p:par>
+                  <p:par>
+                    <p:cTn id="48" fill="hold">
+                      <p:stCondLst>
+                        <p:cond delay="indefinite"/>
+                      </p:stCondLst>
+                      <p:childTnLst>
+                        <p:par>
+                          <p:cTn id="49" fill="hold">
+                            <p:stCondLst>
+                              <p:cond delay="0"/>
+                            </p:stCondLst>
+                            <p:childTnLst>
+                              <p:par>
+                                <p:cTn id="50" presetID="42" presetClass="exit" presetSubtype="0" fill="hold" nodeType="clickEffect">
+                                  <p:stCondLst>
+                                    <p:cond delay="0"/>
+                                  </p:stCondLst>
+                                  <p:childTnLst>
+                                    <p:animEffect transition="out" filter="fade">
+                                      <p:cBhvr>
+                                        <p:cTn id="51" dur="1000"/>
+                                        <p:tgtEl>
+                                          <p:spTgt spid="7"/>
+                                        </p:tgtEl>
+                                      </p:cBhvr>
+                                    </p:animEffect>
+                                    <p:anim calcmode="lin" valueType="num">
+                                      <p:cBhvr>
+                                        <p:cTn id="52" dur="1000"/>
+                                        <p:tgtEl>
+                                          <p:spTgt spid="7"/>
+                                        </p:tgtEl>
+                                        <p:attrNameLst>
+                                          <p:attrName>ppt_x</p:attrName>
+                                        </p:attrNameLst>
+                                      </p:cBhvr>
+                                      <p:tavLst>
+                                        <p:tav tm="0">
+                                          <p:val>
+                                            <p:strVal val="ppt_x"/>
+                                          </p:val>
+                                        </p:tav>
+                                        <p:tav tm="100000">
+                                          <p:val>
+                                            <p:strVal val="ppt_x"/>
+                                          </p:val>
+                                        </p:tav>
+                                      </p:tavLst>
+                                    </p:anim>
+                                    <p:anim calcmode="lin" valueType="num">
+                                      <p:cBhvr>
+                                        <p:cTn id="53" dur="1000"/>
+                                        <p:tgtEl>
+                                          <p:spTgt spid="7"/>
+                                        </p:tgtEl>
+                                        <p:attrNameLst>
+                                          <p:attrName>ppt_y</p:attrName>
+                                        </p:attrNameLst>
+                                      </p:cBhvr>
+                                      <p:tavLst>
+                                        <p:tav tm="0">
+                                          <p:val>
+                                            <p:strVal val="ppt_y"/>
+                                          </p:val>
+                                        </p:tav>
+                                        <p:tav tm="100000">
+                                          <p:val>
+                                            <p:strVal val="ppt_y+.1"/>
+                                          </p:val>
+                                        </p:tav>
+                                      </p:tavLst>
+                                    </p:anim>
+                                    <p:set>
+                                      <p:cBhvr>
+                                        <p:cTn id="54" dur="1" fill="hold">
+                                          <p:stCondLst>
+                                            <p:cond delay="999"/>
+                                          </p:stCondLst>
+                                        </p:cTn>
+                                        <p:tgtEl>
+                                          <p:spTgt spid="7"/>
+                                        </p:tgtEl>
+                                        <p:attrNameLst>
+                                          <p:attrName>style.visibility</p:attrName>
+                                        </p:attrNameLst>
+                                      </p:cBhvr>
+                                      <p:to>
+                                        <p:strVal val="hidden"/>
+                                      </p:to>
+                                    </p:set>
+                                  </p:childTnLst>
+                                </p:cTn>
+                              </p:par>
+                            </p:childTnLst>
+                          </p:cTn>
+                        </p:par>
+                      </p:childTnLst>
+                    </p:cTn>
+                  </p:par>
+                  <p:par>
+                    <p:cTn id="55" fill="hold">
+                      <p:stCondLst>
+                        <p:cond delay="indefinite"/>
+                      </p:stCondLst>
+                      <p:childTnLst>
+                        <p:par>
+                          <p:cTn id="56" fill="hold">
+                            <p:stCondLst>
+                              <p:cond delay="0"/>
+                            </p:stCondLst>
+                            <p:childTnLst>
+                              <p:par>
+                                <p:cTn id="57" presetID="16" presetClass="entr" presetSubtype="21" fill="hold" grpId="0" nodeType="clickEffect">
+                                  <p:stCondLst>
+                                    <p:cond delay="0"/>
+                                  </p:stCondLst>
+                                  <p:childTnLst>
+                                    <p:set>
+                                      <p:cBhvr>
+                                        <p:cTn id="58" dur="1" fill="hold">
+                                          <p:stCondLst>
+                                            <p:cond delay="0"/>
+                                          </p:stCondLst>
+                                        </p:cTn>
+                                        <p:tgtEl>
+                                          <p:spTgt spid="3">
+                                            <p:txEl>
+                                              <p:pRg st="5" end="5"/>
+                                            </p:txEl>
+                                          </p:spTgt>
+                                        </p:tgtEl>
+                                        <p:attrNameLst>
+                                          <p:attrName>style.visibility</p:attrName>
+                                        </p:attrNameLst>
+                                      </p:cBhvr>
+                                      <p:to>
+                                        <p:strVal val="visible"/>
+                                      </p:to>
+                                    </p:set>
+                                    <p:animEffect transition="in" filter="barn(inVertical)">
+                                      <p:cBhvr>
+                                        <p:cTn id="59" dur="500"/>
+                                        <p:tgtEl>
+                                          <p:spTgt spid="3">
+                                            <p:txEl>
+                                              <p:pRg st="5" end="5"/>
+                                            </p:txEl>
+                                          </p:spTgt>
+                                        </p:tgtEl>
+                                      </p:cBhvr>
+                                    </p:animEffect>
+                                  </p:childTnLst>
+                                </p:cTn>
+                              </p:par>
+                            </p:childTnLst>
+                          </p:cTn>
+                        </p:par>
+                        <p:par>
+                          <p:cTn id="60" fill="hold">
+                            <p:stCondLst>
+                              <p:cond delay="500"/>
+                            </p:stCondLst>
+                            <p:childTnLst>
+                              <p:par>
+                                <p:cTn id="61" presetID="16" presetClass="entr" presetSubtype="21" fill="hold" grpId="0" nodeType="afterEffect">
+                                  <p:stCondLst>
+                                    <p:cond delay="0"/>
+                                  </p:stCondLst>
+                                  <p:childTnLst>
+                                    <p:set>
+                                      <p:cBhvr>
+                                        <p:cTn id="62" dur="1" fill="hold">
+                                          <p:stCondLst>
+                                            <p:cond delay="0"/>
+                                          </p:stCondLst>
+                                        </p:cTn>
+                                        <p:tgtEl>
+                                          <p:spTgt spid="3">
+                                            <p:txEl>
+                                              <p:pRg st="6" end="6"/>
+                                            </p:txEl>
+                                          </p:spTgt>
+                                        </p:tgtEl>
+                                        <p:attrNameLst>
+                                          <p:attrName>style.visibility</p:attrName>
+                                        </p:attrNameLst>
+                                      </p:cBhvr>
+                                      <p:to>
+                                        <p:strVal val="visible"/>
+                                      </p:to>
+                                    </p:set>
+                                    <p:animEffect transition="in" filter="barn(inVertical)">
+                                      <p:cBhvr>
+                                        <p:cTn id="63" dur="500"/>
+                                        <p:tgtEl>
+                                          <p:spTgt spid="3">
+                                            <p:txEl>
+                                              <p:pRg st="6" end="6"/>
+                                            </p:txEl>
+                                          </p:spTgt>
+                                        </p:tgtEl>
+                                      </p:cBhvr>
+                                    </p:animEffect>
+                                  </p:childTnLst>
+                                </p:cTn>
+                              </p:par>
+                            </p:childTnLst>
+                          </p:cTn>
+                        </p:par>
+                      </p:childTnLst>
+                    </p:cTn>
+                  </p:par>
+                </p:childTnLst>
+              </p:cTn>
+              <p:prevCondLst>
+                <p:cond evt="onPrev" delay="0">
+                  <p:tgtEl>
+                    <p:sldTgt/>
+                  </p:tgtEl>
+                </p:cond>
+              </p:prevCondLst>
+              <p:nextCondLst>
+                <p:cond evt="onNext" delay="0">
+                  <p:tgtEl>
+                    <p:sldTgt/>
+                  </p:tgtEl>
+                </p:cond>
+              </p:nextCondLst>
+            </p:seq>
+          </p:childTnLst>
+        </p:cTn>
+      </p:par>
+    </p:tnLst>
+    <p:bldLst>
+      <p:bldP spid="3" grpId="0" uiExpand="1" build="p"/>
+    </p:bldLst>
+  </p:timing>
+</p:sld>
+</file>
+
+<file path=ppt/slides/slide19.xml><?xml version="1.0" encoding="utf-8"?>
+<p:sld xmlns:a="http://schemas.openxmlformats.org/drawingml/2006/main" xmlns:r="http://schemas.openxmlformats.org/officeDocument/2006/relationships" xmlns:p="http://schemas.openxmlformats.org/presentationml/2006/main">
+  <p:cSld>
+    <p:spTree>
+      <p:nvGrpSpPr>
+        <p:cNvPr id="1" name=""/>
+        <p:cNvGrpSpPr/>
+        <p:nvPr/>
+      </p:nvGrpSpPr>
+      <p:grpSpPr>
+        <a:xfrm>
+          <a:off x="0" y="0"/>
+          <a:ext cx="0" cy="0"/>
+          <a:chOff x="0" y="0"/>
+          <a:chExt cx="0" cy="0"/>
+        </a:xfrm>
+      </p:grpSpPr>
+      <p:pic>
+        <p:nvPicPr>
+          <p:cNvPr id="4" name="Picture 2"/>
+          <p:cNvPicPr>
+            <a:picLocks noChangeAspect="1" noChangeArrowheads="1"/>
+          </p:cNvPicPr>
+          <p:nvPr/>
+        </p:nvPicPr>
+        <p:blipFill rotWithShape="1">
+          <a:blip r:embed="rId2">
+            <a:extLst>
+              <a:ext uri="{28A0092B-C50C-407E-A947-70E740481C1C}">
+                <a14:useLocalDpi xmlns:a14="http://schemas.microsoft.com/office/drawing/2010/main" val="0"/>
+              </a:ext>
+            </a:extLst>
+          </a:blip>
+          <a:srcRect l="13788" r="24394"/>
+          <a:stretch/>
+        </p:blipFill>
+        <p:spPr bwMode="auto">
+          <a:xfrm>
+            <a:off x="6172200" y="1143000"/>
+            <a:ext cx="2826327" cy="4572000"/>
+          </a:xfrm>
+          <a:prstGeom prst="rect">
+            <a:avLst/>
+          </a:prstGeom>
+          <a:noFill/>
+          <a:ln>
+            <a:noFill/>
+          </a:ln>
+          <a:effectLst>
+            <a:softEdge rad="76200"/>
+          </a:effectLst>
+          <a:extLst>
+            <a:ext uri="{909E8E84-426E-40DD-AFC4-6F175D3DCCD1}">
+              <a14:hiddenFill xmlns:a14="http://schemas.microsoft.com/office/drawing/2010/main">
+                <a:solidFill>
+                  <a:schemeClr val="accent1"/>
+                </a:solidFill>
+              </a14:hiddenFill>
+            </a:ext>
+            <a:ext uri="{91240B29-F687-4F45-9708-019B960494DF}">
+              <a14:hiddenLine xmlns:a14="http://schemas.microsoft.com/office/drawing/2010/main" w="9525">
+                <a:solidFill>
+                  <a:schemeClr val="tx1"/>
+                </a:solidFill>
+                <a:miter lim="800000"/>
+                <a:headEnd/>
+                <a:tailEnd/>
+              </a14:hiddenLine>
+            </a:ext>
+          </a:extLst>
+        </p:spPr>
+      </p:pic>
+      <p:sp>
+        <p:nvSpPr>
+          <p:cNvPr id="2" name="Title 1"/>
+          <p:cNvSpPr>
+            <a:spLocks noGrp="1"/>
+          </p:cNvSpPr>
+          <p:nvPr>
+            <p:ph type="title"/>
+          </p:nvPr>
+        </p:nvSpPr>
+        <p:spPr/>
+        <p:txBody>
+          <a:bodyPr>
+            <a:normAutofit/>
+          </a:bodyPr>
+          <a:lstStyle/>
+          <a:p>
+            <a:r>
+              <a:rPr lang="en-US" dirty="0"/>
+              <a:t>Compare Time Series Data</a:t>
+            </a:r>
             <a:endParaRPr lang="en-US" dirty="0"/>
+          </a:p>
+        </p:txBody>
+      </p:sp>
+      <p:sp>
+        <p:nvSpPr>
+          <p:cNvPr id="3" name="Content Placeholder 2"/>
+          <p:cNvSpPr>
+            <a:spLocks noGrp="1"/>
+          </p:cNvSpPr>
+          <p:nvPr>
+            <p:ph idx="1"/>
+          </p:nvPr>
+        </p:nvSpPr>
+        <p:spPr>
+          <a:xfrm>
+            <a:off x="457200" y="1935480"/>
+            <a:ext cx="8229600" cy="4617720"/>
+          </a:xfrm>
+        </p:spPr>
+        <p:txBody>
+          <a:bodyPr>
+            <a:normAutofit/>
+          </a:bodyPr>
+          <a:lstStyle/>
+          <a:p>
+            <a:endParaRPr lang="en-US" dirty="0" smtClean="0"/>
+          </a:p>
+          <a:p>
+            <a:pPr marL="0" indent="0">
+              <a:buNone/>
+            </a:pPr>
+            <a:r>
+              <a:rPr lang="en-US" b="1" dirty="0" smtClean="0"/>
+              <a:t>Pros</a:t>
+            </a:r>
+            <a:endParaRPr lang="en-US" b="1" dirty="0" smtClean="0"/>
+          </a:p>
+          <a:p>
+            <a:r>
+              <a:rPr lang="en-US" dirty="0" smtClean="0"/>
+              <a:t>Easy to compare differences (befor</a:t>
+            </a:r>
+            <a:r>
+              <a:rPr lang="en-US" dirty="0" smtClean="0"/>
+              <a:t>e and after)</a:t>
+            </a:r>
+            <a:endParaRPr lang="en-US" dirty="0" smtClean="0"/>
+          </a:p>
+          <a:p>
+            <a:r>
+              <a:rPr lang="en-US" dirty="0" smtClean="0"/>
+              <a:t>Options available for effective visualization</a:t>
+            </a:r>
+          </a:p>
+          <a:p>
+            <a:endParaRPr lang="en-US" dirty="0" smtClean="0"/>
+          </a:p>
+          <a:p>
+            <a:pPr marL="0" indent="0">
+              <a:buNone/>
+            </a:pPr>
+            <a:r>
+              <a:rPr lang="en-US" b="1" dirty="0" smtClean="0"/>
+              <a:t>Cons</a:t>
+            </a:r>
+            <a:endParaRPr lang="en-US" b="1" dirty="0"/>
+          </a:p>
+          <a:p>
+            <a:r>
+              <a:rPr lang="en-US" dirty="0"/>
+              <a:t>Some light colors may hinder analysis </a:t>
+            </a:r>
+            <a:r>
+              <a:rPr lang="en-US" dirty="0" smtClean="0"/>
+              <a:t>process</a:t>
+            </a:r>
+          </a:p>
+          <a:p>
+            <a:r>
+              <a:rPr lang="en-US" dirty="0" smtClean="0"/>
+              <a:t>Manual analysis</a:t>
+            </a:r>
+            <a:endParaRPr lang="en-US" dirty="0"/>
+          </a:p>
+          <a:p>
+            <a:pPr lvl="1"/>
+            <a:endParaRPr lang="en-US" dirty="0" smtClean="0"/>
           </a:p>
         </p:txBody>
       </p:sp>
     </p:spTree>
     <p:extLst>
       <p:ext uri="{BB962C8B-B14F-4D97-AF65-F5344CB8AC3E}">
-        <p14:creationId xmlns:p14="http://schemas.microsoft.com/office/powerpoint/2010/main" val="1678015390"/>
+        <p14:creationId xmlns:p14="http://schemas.microsoft.com/office/powerpoint/2010/main" val="2024799291"/>
       </p:ext>
     </p:extLst>
   </p:cSld>
@@ -35810,21 +39537,30 @@
                             </p:childTnLst>
                           </p:cTn>
                         </p:par>
+                      </p:childTnLst>
+                    </p:cTn>
+                  </p:par>
+                  <p:par>
+                    <p:cTn id="16" fill="hold">
+                      <p:stCondLst>
+                        <p:cond delay="indefinite"/>
+                      </p:stCondLst>
+                      <p:childTnLst>
                         <p:par>
-                          <p:cTn id="16" fill="hold">
+                          <p:cTn id="17" fill="hold">
                             <p:stCondLst>
-                              <p:cond delay="1500"/>
+                              <p:cond delay="0"/>
                             </p:stCondLst>
                             <p:childTnLst>
                               <p:par>
-                                <p:cTn id="17" presetID="16" presetClass="entr" presetSubtype="21" fill="hold" grpId="0" nodeType="afterEffect">
+                                <p:cTn id="18" presetID="16" presetClass="entr" presetSubtype="21" fill="hold" grpId="0" nodeType="clickEffect">
                                   <p:stCondLst>
                                     <p:cond delay="0"/>
                                   </p:stCondLst>
                                   <p:childTnLst>
                                     <p:set>
                                       <p:cBhvr>
-                                        <p:cTn id="18" dur="1" fill="hold">
+                                        <p:cTn id="19" dur="1" fill="hold">
                                           <p:stCondLst>
                                             <p:cond delay="0"/>
                                           </p:stCondLst>
@@ -35846,7 +39582,7 @@
                                     </p:set>
                                     <p:animEffect transition="in" filter="barn(inVertical)">
                                       <p:cBhvr>
-                                        <p:cTn id="19" dur="500"/>
+                                        <p:cTn id="20" dur="500"/>
                                         <p:tgtEl>
                                           <p:spTgt spid="3">
                                             <p:txEl>
@@ -35863,20 +39599,72 @@
                           </p:cTn>
                         </p:par>
                         <p:par>
-                          <p:cTn id="20" fill="hold">
+                          <p:cTn id="21" fill="hold">
                             <p:stCondLst>
-                              <p:cond delay="2000"/>
+                              <p:cond delay="500"/>
                             </p:stCondLst>
                             <p:childTnLst>
                               <p:par>
-                                <p:cTn id="21" presetID="16" presetClass="entr" presetSubtype="21" fill="hold" grpId="0" nodeType="afterEffect">
+                                <p:cTn id="22" presetID="16" presetClass="entr" presetSubtype="21" fill="hold" nodeType="afterEffect">
                                   <p:stCondLst>
                                     <p:cond delay="0"/>
                                   </p:stCondLst>
                                   <p:childTnLst>
                                     <p:set>
                                       <p:cBhvr>
-                                        <p:cTn id="22" dur="1" fill="hold">
+                                        <p:cTn id="23" dur="1" fill="hold">
+                                          <p:stCondLst>
+                                            <p:cond delay="0"/>
+                                          </p:stCondLst>
+                                        </p:cTn>
+                                        <p:tgtEl>
+                                          <p:spTgt spid="3">
+                                            <p:txEl>
+                                              <p:pRg st="6" end="6"/>
+                                            </p:txEl>
+                                          </p:spTgt>
+                                        </p:tgtEl>
+                                        <p:attrNameLst>
+                                          <p:attrName>style.visibility</p:attrName>
+                                        </p:attrNameLst>
+                                      </p:cBhvr>
+                                      <p:to>
+                                        <p:strVal val="visible"/>
+                                      </p:to>
+                                    </p:set>
+                                    <p:animEffect transition="in" filter="barn(inVertical)">
+                                      <p:cBhvr>
+                                        <p:cTn id="24" dur="500"/>
+                                        <p:tgtEl>
+                                          <p:spTgt spid="3">
+                                            <p:txEl>
+                                              <p:pRg st="6" end="6"/>
+                                            </p:txEl>
+                                          </p:spTgt>
+                                        </p:tgtEl>
+                                      </p:cBhvr>
+                                    </p:animEffect>
+                                  </p:childTnLst>
+                                </p:cTn>
+                              </p:par>
+                            </p:childTnLst>
+                          </p:cTn>
+                        </p:par>
+                        <p:par>
+                          <p:cTn id="25" fill="hold">
+                            <p:stCondLst>
+                              <p:cond delay="1000"/>
+                            </p:stCondLst>
+                            <p:childTnLst>
+                              <p:par>
+                                <p:cTn id="26" presetID="16" presetClass="entr" presetSubtype="21" fill="hold" nodeType="afterEffect">
+                                  <p:stCondLst>
+                                    <p:cond delay="0"/>
+                                  </p:stCondLst>
+                                  <p:childTnLst>
+                                    <p:set>
+                                      <p:cBhvr>
+                                        <p:cTn id="27" dur="1" fill="hold">
                                           <p:stCondLst>
                                             <p:cond delay="0"/>
                                           </p:stCondLst>
@@ -35898,7 +39686,7 @@
                                     </p:set>
                                     <p:animEffect transition="in" filter="barn(inVertical)">
                                       <p:cBhvr>
-                                        <p:cTn id="23" dur="500"/>
+                                        <p:cTn id="28" dur="500"/>
                                         <p:tgtEl>
                                           <p:spTgt spid="3">
                                             <p:txEl>
@@ -35939,177 +39727,7 @@
       </p:par>
     </p:tnLst>
     <p:bldLst>
-      <p:bldP spid="3" grpId="0" uiExpand="1" build="p"/>
-    </p:bldLst>
-  </p:timing>
-</p:sld>
-</file>
-
-<file path=ppt/slides/slide19.xml><?xml version="1.0" encoding="utf-8"?>
-<p:sld xmlns:a="http://schemas.openxmlformats.org/drawingml/2006/main" xmlns:r="http://schemas.openxmlformats.org/officeDocument/2006/relationships" xmlns:p="http://schemas.openxmlformats.org/presentationml/2006/main">
-  <p:cSld>
-    <p:spTree>
-      <p:nvGrpSpPr>
-        <p:cNvPr id="1" name=""/>
-        <p:cNvGrpSpPr/>
-        <p:nvPr/>
-      </p:nvGrpSpPr>
-      <p:grpSpPr>
-        <a:xfrm>
-          <a:off x="0" y="0"/>
-          <a:ext cx="0" cy="0"/>
-          <a:chOff x="0" y="0"/>
-          <a:chExt cx="0" cy="0"/>
-        </a:xfrm>
-      </p:grpSpPr>
-      <p:sp>
-        <p:nvSpPr>
-          <p:cNvPr id="4" name="Title 3"/>
-          <p:cNvSpPr>
-            <a:spLocks noGrp="1"/>
-          </p:cNvSpPr>
-          <p:nvPr>
-            <p:ph type="title"/>
-          </p:nvPr>
-        </p:nvSpPr>
-        <p:spPr/>
-        <p:txBody>
-          <a:bodyPr/>
-          <a:lstStyle/>
-          <a:p>
-            <a:r>
-              <a:rPr lang="en-US" dirty="0" smtClean="0"/>
-              <a:t>Agenda</a:t>
-            </a:r>
-            <a:endParaRPr lang="en-US" dirty="0"/>
-          </a:p>
-        </p:txBody>
-      </p:sp>
-      <p:graphicFrame>
-        <p:nvGraphicFramePr>
-          <p:cNvPr id="5" name="Diagram 4"/>
-          <p:cNvGraphicFramePr/>
-          <p:nvPr>
-            <p:extLst>
-              <p:ext uri="{D42A27DB-BD31-4B8C-83A1-F6EECF244321}">
-                <p14:modId xmlns:p14="http://schemas.microsoft.com/office/powerpoint/2010/main" val="1799331977"/>
-              </p:ext>
-            </p:extLst>
-          </p:nvPr>
-        </p:nvGraphicFramePr>
-        <p:xfrm>
-          <a:off x="1447800" y="2133600"/>
-          <a:ext cx="6248400" cy="4343400"/>
-        </p:xfrm>
-        <a:graphic>
-          <a:graphicData uri="http://schemas.openxmlformats.org/drawingml/2006/diagram">
-            <dgm:relIds xmlns:dgm="http://schemas.openxmlformats.org/drawingml/2006/diagram" xmlns:r="http://schemas.openxmlformats.org/officeDocument/2006/relationships" r:dm="rId2" r:lo="rId3" r:qs="rId4" r:cs="rId5"/>
-          </a:graphicData>
-        </a:graphic>
-      </p:graphicFrame>
-    </p:spTree>
-    <p:extLst>
-      <p:ext uri="{BB962C8B-B14F-4D97-AF65-F5344CB8AC3E}">
-        <p14:creationId xmlns:p14="http://schemas.microsoft.com/office/powerpoint/2010/main" val="354466682"/>
-      </p:ext>
-    </p:extLst>
-  </p:cSld>
-  <p:clrMapOvr>
-    <a:masterClrMapping/>
-  </p:clrMapOvr>
-  <p:transition spd="slow">
-    <p:pull/>
-  </p:transition>
-  <p:timing>
-    <p:tnLst>
-      <p:par>
-        <p:cTn id="1" dur="indefinite" restart="never" nodeType="tmRoot">
-          <p:childTnLst>
-            <p:seq concurrent="1" nextAc="seek">
-              <p:cTn id="2" dur="indefinite" nodeType="mainSeq">
-                <p:childTnLst>
-                  <p:par>
-                    <p:cTn id="3" fill="hold">
-                      <p:stCondLst>
-                        <p:cond delay="indefinite"/>
-                        <p:cond evt="onBegin" delay="0">
-                          <p:tn val="2"/>
-                        </p:cond>
-                      </p:stCondLst>
-                      <p:childTnLst>
-                        <p:par>
-                          <p:cTn id="4" fill="hold">
-                            <p:stCondLst>
-                              <p:cond delay="0"/>
-                            </p:stCondLst>
-                            <p:childTnLst>
-                              <p:par>
-                                <p:cTn id="5" presetID="26" presetClass="emph" presetSubtype="0" fill="hold" grpId="1" nodeType="afterEffect">
-                                  <p:stCondLst>
-                                    <p:cond delay="0"/>
-                                  </p:stCondLst>
-                                  <p:childTnLst>
-                                    <p:animEffect transition="out" filter="fade">
-                                      <p:cBhvr>
-                                        <p:cTn id="6" dur="500" tmFilter="0, 0; .2, .5; .8, .5; 1, 0"/>
-                                        <p:tgtEl>
-                                          <p:spTgt spid="5">
-                                            <p:graphicEl>
-                                              <a:dgm id="{B822015E-D0C0-4C5D-A0F0-F701DE2DA15C}"/>
-                                            </p:graphicEl>
-                                          </p:spTgt>
-                                        </p:tgtEl>
-                                      </p:cBhvr>
-                                    </p:animEffect>
-                                    <p:animScale>
-                                      <p:cBhvr>
-                                        <p:cTn id="7" dur="250" autoRev="1" fill="hold"/>
-                                        <p:tgtEl>
-                                          <p:spTgt spid="5">
-                                            <p:graphicEl>
-                                              <a:dgm id="{B822015E-D0C0-4C5D-A0F0-F701DE2DA15C}"/>
-                                            </p:graphicEl>
-                                          </p:spTgt>
-                                        </p:tgtEl>
-                                      </p:cBhvr>
-                                      <p:by x="105000" y="105000"/>
-                                    </p:animScale>
-                                  </p:childTnLst>
-                                </p:cTn>
-                              </p:par>
-                            </p:childTnLst>
-                          </p:cTn>
-                        </p:par>
-                      </p:childTnLst>
-                    </p:cTn>
-                  </p:par>
-                </p:childTnLst>
-              </p:cTn>
-              <p:prevCondLst>
-                <p:cond evt="onPrev" delay="0">
-                  <p:tgtEl>
-                    <p:sldTgt/>
-                  </p:tgtEl>
-                </p:cond>
-              </p:prevCondLst>
-              <p:nextCondLst>
-                <p:cond evt="onNext" delay="0">
-                  <p:tgtEl>
-                    <p:sldTgt/>
-                  </p:tgtEl>
-                </p:cond>
-              </p:nextCondLst>
-            </p:seq>
-          </p:childTnLst>
-        </p:cTn>
-      </p:par>
-    </p:tnLst>
-    <p:bldLst>
-      <p:bldGraphic spid="5" grpId="1" uiExpand="1">
-        <p:bldSub>
-          <a:bldDgm bld="one"/>
-        </p:bldSub>
-      </p:bldGraphic>
+      <p:bldP spid="3" grpId="0" build="p"/>
     </p:bldLst>
   </p:timing>
 </p:sld>
@@ -36507,6 +40125,490 @@
           <a:chExt cx="0" cy="0"/>
         </a:xfrm>
       </p:grpSpPr>
+      <p:sp>
+        <p:nvSpPr>
+          <p:cNvPr id="4" name="Title 3"/>
+          <p:cNvSpPr>
+            <a:spLocks noGrp="1"/>
+          </p:cNvSpPr>
+          <p:nvPr>
+            <p:ph type="title"/>
+          </p:nvPr>
+        </p:nvSpPr>
+        <p:spPr/>
+        <p:txBody>
+          <a:bodyPr/>
+          <a:lstStyle/>
+          <a:p>
+            <a:r>
+              <a:rPr lang="en-US" dirty="0" smtClean="0"/>
+              <a:t>Agenda</a:t>
+            </a:r>
+            <a:endParaRPr lang="en-US" dirty="0"/>
+          </a:p>
+        </p:txBody>
+      </p:sp>
+      <p:graphicFrame>
+        <p:nvGraphicFramePr>
+          <p:cNvPr id="5" name="Diagram 4"/>
+          <p:cNvGraphicFramePr/>
+          <p:nvPr>
+            <p:extLst>
+              <p:ext uri="{D42A27DB-BD31-4B8C-83A1-F6EECF244321}">
+                <p14:modId xmlns:p14="http://schemas.microsoft.com/office/powerpoint/2010/main" val="2267046297"/>
+              </p:ext>
+            </p:extLst>
+          </p:nvPr>
+        </p:nvGraphicFramePr>
+        <p:xfrm>
+          <a:off x="1447800" y="2133600"/>
+          <a:ext cx="6248400" cy="4343400"/>
+        </p:xfrm>
+        <a:graphic>
+          <a:graphicData uri="http://schemas.openxmlformats.org/drawingml/2006/diagram">
+            <dgm:relIds xmlns:dgm="http://schemas.openxmlformats.org/drawingml/2006/diagram" xmlns:r="http://schemas.openxmlformats.org/officeDocument/2006/relationships" r:dm="rId2" r:lo="rId3" r:qs="rId4" r:cs="rId5"/>
+          </a:graphicData>
+        </a:graphic>
+      </p:graphicFrame>
+    </p:spTree>
+    <p:extLst>
+      <p:ext uri="{BB962C8B-B14F-4D97-AF65-F5344CB8AC3E}">
+        <p14:creationId xmlns:p14="http://schemas.microsoft.com/office/powerpoint/2010/main" val="2271473573"/>
+      </p:ext>
+    </p:extLst>
+  </p:cSld>
+  <p:clrMapOvr>
+    <a:masterClrMapping/>
+  </p:clrMapOvr>
+  <mc:AlternateContent xmlns:mc="http://schemas.openxmlformats.org/markup-compatibility/2006">
+    <mc:Choice xmlns:p14="http://schemas.microsoft.com/office/powerpoint/2010/main" Requires="p14">
+      <p:transition spd="slow" p14:dur="1600">
+        <p14:gallery dir="l"/>
+      </p:transition>
+    </mc:Choice>
+    <mc:Fallback>
+      <p:transition spd="slow">
+        <p:fade/>
+      </p:transition>
+    </mc:Fallback>
+  </mc:AlternateContent>
+  <p:timing>
+    <p:tnLst>
+      <p:par>
+        <p:cTn id="1" dur="indefinite" restart="never" nodeType="tmRoot">
+          <p:childTnLst>
+            <p:seq concurrent="1" nextAc="seek">
+              <p:cTn id="2" dur="indefinite" nodeType="mainSeq">
+                <p:childTnLst>
+                  <p:par>
+                    <p:cTn id="3" fill="hold">
+                      <p:stCondLst>
+                        <p:cond delay="indefinite"/>
+                        <p:cond evt="onBegin" delay="0">
+                          <p:tn val="2"/>
+                        </p:cond>
+                      </p:stCondLst>
+                      <p:childTnLst>
+                        <p:par>
+                          <p:cTn id="4" fill="hold">
+                            <p:stCondLst>
+                              <p:cond delay="0"/>
+                            </p:stCondLst>
+                            <p:childTnLst>
+                              <p:par>
+                                <p:cTn id="5" presetID="26" presetClass="emph" presetSubtype="0" fill="hold" grpId="1" nodeType="afterEffect">
+                                  <p:stCondLst>
+                                    <p:cond delay="0"/>
+                                  </p:stCondLst>
+                                  <p:childTnLst>
+                                    <p:animEffect transition="out" filter="fade">
+                                      <p:cBhvr>
+                                        <p:cTn id="6" dur="500" tmFilter="0, 0; .2, .5; .8, .5; 1, 0"/>
+                                        <p:tgtEl>
+                                          <p:spTgt spid="5">
+                                            <p:graphicEl>
+                                              <a:dgm id="{ED80F958-D652-4442-A02A-B87785A08A48}"/>
+                                            </p:graphicEl>
+                                          </p:spTgt>
+                                        </p:tgtEl>
+                                      </p:cBhvr>
+                                    </p:animEffect>
+                                    <p:animScale>
+                                      <p:cBhvr>
+                                        <p:cTn id="7" dur="250" autoRev="1" fill="hold"/>
+                                        <p:tgtEl>
+                                          <p:spTgt spid="5">
+                                            <p:graphicEl>
+                                              <a:dgm id="{ED80F958-D652-4442-A02A-B87785A08A48}"/>
+                                            </p:graphicEl>
+                                          </p:spTgt>
+                                        </p:tgtEl>
+                                      </p:cBhvr>
+                                      <p:by x="105000" y="105000"/>
+                                    </p:animScale>
+                                  </p:childTnLst>
+                                </p:cTn>
+                              </p:par>
+                            </p:childTnLst>
+                          </p:cTn>
+                        </p:par>
+                      </p:childTnLst>
+                    </p:cTn>
+                  </p:par>
+                </p:childTnLst>
+              </p:cTn>
+              <p:prevCondLst>
+                <p:cond evt="onPrev" delay="0">
+                  <p:tgtEl>
+                    <p:sldTgt/>
+                  </p:tgtEl>
+                </p:cond>
+              </p:prevCondLst>
+              <p:nextCondLst>
+                <p:cond evt="onNext" delay="0">
+                  <p:tgtEl>
+                    <p:sldTgt/>
+                  </p:tgtEl>
+                </p:cond>
+              </p:nextCondLst>
+            </p:seq>
+          </p:childTnLst>
+        </p:cTn>
+      </p:par>
+    </p:tnLst>
+    <p:bldLst>
+      <p:bldGraphic spid="5" grpId="1" uiExpand="1">
+        <p:bldSub>
+          <a:bldDgm bld="one"/>
+        </p:bldSub>
+      </p:bldGraphic>
+    </p:bldLst>
+  </p:timing>
+</p:sld>
+</file>
+
+<file path=ppt/slides/slide21.xml><?xml version="1.0" encoding="utf-8"?>
+<p:sld xmlns:a="http://schemas.openxmlformats.org/drawingml/2006/main" xmlns:r="http://schemas.openxmlformats.org/officeDocument/2006/relationships" xmlns:p="http://schemas.openxmlformats.org/presentationml/2006/main">
+  <p:cSld>
+    <p:spTree>
+      <p:nvGrpSpPr>
+        <p:cNvPr id="1" name=""/>
+        <p:cNvGrpSpPr/>
+        <p:nvPr/>
+      </p:nvGrpSpPr>
+      <p:grpSpPr>
+        <a:xfrm>
+          <a:off x="0" y="0"/>
+          <a:ext cx="0" cy="0"/>
+          <a:chOff x="0" y="0"/>
+          <a:chExt cx="0" cy="0"/>
+        </a:xfrm>
+      </p:grpSpPr>
+      <p:pic>
+        <p:nvPicPr>
+          <p:cNvPr id="2050" name="Picture 2"/>
+          <p:cNvPicPr>
+            <a:picLocks noChangeAspect="1" noChangeArrowheads="1"/>
+          </p:cNvPicPr>
+          <p:nvPr/>
+        </p:nvPicPr>
+        <p:blipFill rotWithShape="1">
+          <a:blip r:embed="rId3">
+            <a:extLst>
+              <a:ext uri="{28A0092B-C50C-407E-A947-70E740481C1C}">
+                <a14:useLocalDpi xmlns:a14="http://schemas.microsoft.com/office/drawing/2010/main" val="0"/>
+              </a:ext>
+            </a:extLst>
+          </a:blip>
+          <a:srcRect l="13788" r="24394"/>
+          <a:stretch/>
+        </p:blipFill>
+        <p:spPr bwMode="auto">
+          <a:xfrm>
+            <a:off x="6172200" y="1143000"/>
+            <a:ext cx="2826327" cy="4572000"/>
+          </a:xfrm>
+          <a:prstGeom prst="rect">
+            <a:avLst/>
+          </a:prstGeom>
+          <a:noFill/>
+          <a:ln>
+            <a:noFill/>
+          </a:ln>
+          <a:effectLst>
+            <a:softEdge rad="76200"/>
+          </a:effectLst>
+          <a:extLst>
+            <a:ext uri="{909E8E84-426E-40DD-AFC4-6F175D3DCCD1}">
+              <a14:hiddenFill xmlns:a14="http://schemas.microsoft.com/office/drawing/2010/main">
+                <a:solidFill>
+                  <a:schemeClr val="accent1"/>
+                </a:solidFill>
+              </a14:hiddenFill>
+            </a:ext>
+            <a:ext uri="{91240B29-F687-4F45-9708-019B960494DF}">
+              <a14:hiddenLine xmlns:a14="http://schemas.microsoft.com/office/drawing/2010/main" w="9525">
+                <a:solidFill>
+                  <a:schemeClr val="tx1"/>
+                </a:solidFill>
+                <a:miter lim="800000"/>
+                <a:headEnd/>
+                <a:tailEnd/>
+              </a14:hiddenLine>
+            </a:ext>
+          </a:extLst>
+        </p:spPr>
+      </p:pic>
+      <p:sp>
+        <p:nvSpPr>
+          <p:cNvPr id="2" name="Title 1"/>
+          <p:cNvSpPr>
+            <a:spLocks noGrp="1"/>
+          </p:cNvSpPr>
+          <p:nvPr>
+            <p:ph type="title"/>
+          </p:nvPr>
+        </p:nvSpPr>
+        <p:spPr>
+          <a:xfrm>
+            <a:off x="-304800" y="2667000"/>
+            <a:ext cx="8305800" cy="1143000"/>
+          </a:xfrm>
+        </p:spPr>
+        <p:txBody>
+          <a:bodyPr>
+            <a:normAutofit/>
+          </a:bodyPr>
+          <a:lstStyle/>
+          <a:p>
+            <a:pPr algn="ctr"/>
+            <a:r>
+              <a:rPr lang="en-US" sz="6600" dirty="0" smtClean="0"/>
+              <a:t>DEMONSTRATION</a:t>
+            </a:r>
+            <a:endParaRPr lang="en-US" sz="6600" dirty="0"/>
+          </a:p>
+        </p:txBody>
+      </p:sp>
+    </p:spTree>
+    <p:extLst>
+      <p:ext uri="{BB962C8B-B14F-4D97-AF65-F5344CB8AC3E}">
+        <p14:creationId xmlns:p14="http://schemas.microsoft.com/office/powerpoint/2010/main" val="921439347"/>
+      </p:ext>
+    </p:extLst>
+  </p:cSld>
+  <p:clrMapOvr>
+    <a:masterClrMapping/>
+  </p:clrMapOvr>
+  <mc:AlternateContent xmlns:mc="http://schemas.openxmlformats.org/markup-compatibility/2006" xmlns:p14="http://schemas.microsoft.com/office/powerpoint/2010/main">
+    <mc:Choice Requires="p14">
+      <p:transition spd="slow" p14:dur="1200">
+        <p14:prism/>
+      </p:transition>
+    </mc:Choice>
+    <mc:Fallback xmlns="">
+      <p:transition spd="slow">
+        <p:fade/>
+      </p:transition>
+    </mc:Fallback>
+  </mc:AlternateContent>
+  <p:timing>
+    <p:tnLst>
+      <p:par>
+        <p:cTn id="1" dur="indefinite" restart="never" nodeType="tmRoot"/>
+      </p:par>
+    </p:tnLst>
+  </p:timing>
+</p:sld>
+</file>
+
+<file path=ppt/slides/slide22.xml><?xml version="1.0" encoding="utf-8"?>
+<p:sld xmlns:a="http://schemas.openxmlformats.org/drawingml/2006/main" xmlns:r="http://schemas.openxmlformats.org/officeDocument/2006/relationships" xmlns:p="http://schemas.openxmlformats.org/presentationml/2006/main">
+  <p:cSld>
+    <p:spTree>
+      <p:nvGrpSpPr>
+        <p:cNvPr id="1" name=""/>
+        <p:cNvGrpSpPr/>
+        <p:nvPr/>
+      </p:nvGrpSpPr>
+      <p:grpSpPr>
+        <a:xfrm>
+          <a:off x="0" y="0"/>
+          <a:ext cx="0" cy="0"/>
+          <a:chOff x="0" y="0"/>
+          <a:chExt cx="0" cy="0"/>
+        </a:xfrm>
+      </p:grpSpPr>
+      <p:sp>
+        <p:nvSpPr>
+          <p:cNvPr id="4" name="Title 3"/>
+          <p:cNvSpPr>
+            <a:spLocks noGrp="1"/>
+          </p:cNvSpPr>
+          <p:nvPr>
+            <p:ph type="title"/>
+          </p:nvPr>
+        </p:nvSpPr>
+        <p:spPr/>
+        <p:txBody>
+          <a:bodyPr/>
+          <a:lstStyle/>
+          <a:p>
+            <a:r>
+              <a:rPr lang="en-US" dirty="0" smtClean="0"/>
+              <a:t>Agenda</a:t>
+            </a:r>
+            <a:endParaRPr lang="en-US" dirty="0"/>
+          </a:p>
+        </p:txBody>
+      </p:sp>
+      <p:graphicFrame>
+        <p:nvGraphicFramePr>
+          <p:cNvPr id="5" name="Diagram 4"/>
+          <p:cNvGraphicFramePr/>
+          <p:nvPr>
+            <p:extLst>
+              <p:ext uri="{D42A27DB-BD31-4B8C-83A1-F6EECF244321}">
+                <p14:modId xmlns:p14="http://schemas.microsoft.com/office/powerpoint/2010/main" val="877423646"/>
+              </p:ext>
+            </p:extLst>
+          </p:nvPr>
+        </p:nvGraphicFramePr>
+        <p:xfrm>
+          <a:off x="1447800" y="2133600"/>
+          <a:ext cx="6248400" cy="4343400"/>
+        </p:xfrm>
+        <a:graphic>
+          <a:graphicData uri="http://schemas.openxmlformats.org/drawingml/2006/diagram">
+            <dgm:relIds xmlns:dgm="http://schemas.openxmlformats.org/drawingml/2006/diagram" xmlns:r="http://schemas.openxmlformats.org/officeDocument/2006/relationships" r:dm="rId2" r:lo="rId3" r:qs="rId4" r:cs="rId5"/>
+          </a:graphicData>
+        </a:graphic>
+      </p:graphicFrame>
+    </p:spTree>
+    <p:extLst>
+      <p:ext uri="{BB962C8B-B14F-4D97-AF65-F5344CB8AC3E}">
+        <p14:creationId xmlns:p14="http://schemas.microsoft.com/office/powerpoint/2010/main" val="354466682"/>
+      </p:ext>
+    </p:extLst>
+  </p:cSld>
+  <p:clrMapOvr>
+    <a:masterClrMapping/>
+  </p:clrMapOvr>
+  <p:transition spd="slow">
+    <p:pull/>
+  </p:transition>
+  <p:timing>
+    <p:tnLst>
+      <p:par>
+        <p:cTn id="1" dur="indefinite" restart="never" nodeType="tmRoot">
+          <p:childTnLst>
+            <p:seq concurrent="1" nextAc="seek">
+              <p:cTn id="2" dur="indefinite" nodeType="mainSeq">
+                <p:childTnLst>
+                  <p:par>
+                    <p:cTn id="3" fill="hold">
+                      <p:stCondLst>
+                        <p:cond delay="indefinite"/>
+                        <p:cond evt="onBegin" delay="0">
+                          <p:tn val="2"/>
+                        </p:cond>
+                      </p:stCondLst>
+                      <p:childTnLst>
+                        <p:par>
+                          <p:cTn id="4" fill="hold">
+                            <p:stCondLst>
+                              <p:cond delay="0"/>
+                            </p:stCondLst>
+                            <p:childTnLst>
+                              <p:par>
+                                <p:cTn id="5" presetID="26" presetClass="emph" presetSubtype="0" fill="hold" grpId="1" nodeType="afterEffect">
+                                  <p:stCondLst>
+                                    <p:cond delay="0"/>
+                                  </p:stCondLst>
+                                  <p:childTnLst>
+                                    <p:animEffect transition="out" filter="fade">
+                                      <p:cBhvr>
+                                        <p:cTn id="6" dur="500" tmFilter="0, 0; .2, .5; .8, .5; 1, 0"/>
+                                        <p:tgtEl>
+                                          <p:spTgt spid="5">
+                                            <p:graphicEl>
+                                              <a:dgm id="{B822015E-D0C0-4C5D-A0F0-F701DE2DA15C}"/>
+                                            </p:graphicEl>
+                                          </p:spTgt>
+                                        </p:tgtEl>
+                                      </p:cBhvr>
+                                    </p:animEffect>
+                                    <p:animScale>
+                                      <p:cBhvr>
+                                        <p:cTn id="7" dur="250" autoRev="1" fill="hold"/>
+                                        <p:tgtEl>
+                                          <p:spTgt spid="5">
+                                            <p:graphicEl>
+                                              <a:dgm id="{B822015E-D0C0-4C5D-A0F0-F701DE2DA15C}"/>
+                                            </p:graphicEl>
+                                          </p:spTgt>
+                                        </p:tgtEl>
+                                      </p:cBhvr>
+                                      <p:by x="105000" y="105000"/>
+                                    </p:animScale>
+                                  </p:childTnLst>
+                                </p:cTn>
+                              </p:par>
+                            </p:childTnLst>
+                          </p:cTn>
+                        </p:par>
+                      </p:childTnLst>
+                    </p:cTn>
+                  </p:par>
+                </p:childTnLst>
+              </p:cTn>
+              <p:prevCondLst>
+                <p:cond evt="onPrev" delay="0">
+                  <p:tgtEl>
+                    <p:sldTgt/>
+                  </p:tgtEl>
+                </p:cond>
+              </p:prevCondLst>
+              <p:nextCondLst>
+                <p:cond evt="onNext" delay="0">
+                  <p:tgtEl>
+                    <p:sldTgt/>
+                  </p:tgtEl>
+                </p:cond>
+              </p:nextCondLst>
+            </p:seq>
+          </p:childTnLst>
+        </p:cTn>
+      </p:par>
+    </p:tnLst>
+    <p:bldLst>
+      <p:bldGraphic spid="5" grpId="1" uiExpand="1">
+        <p:bldSub>
+          <a:bldDgm bld="one"/>
+        </p:bldSub>
+      </p:bldGraphic>
+    </p:bldLst>
+  </p:timing>
+</p:sld>
+</file>
+
+<file path=ppt/slides/slide23.xml><?xml version="1.0" encoding="utf-8"?>
+<p:sld xmlns:a="http://schemas.openxmlformats.org/drawingml/2006/main" xmlns:r="http://schemas.openxmlformats.org/officeDocument/2006/relationships" xmlns:p="http://schemas.openxmlformats.org/presentationml/2006/main">
+  <p:cSld>
+    <p:spTree>
+      <p:nvGrpSpPr>
+        <p:cNvPr id="1" name=""/>
+        <p:cNvGrpSpPr/>
+        <p:nvPr/>
+      </p:nvGrpSpPr>
+      <p:grpSpPr>
+        <a:xfrm>
+          <a:off x="0" y="0"/>
+          <a:ext cx="0" cy="0"/>
+          <a:chOff x="0" y="0"/>
+          <a:chExt cx="0" cy="0"/>
+        </a:xfrm>
+      </p:grpSpPr>
       <p:pic>
         <p:nvPicPr>
           <p:cNvPr id="3" name="Picture 2" descr="http://www.baromahc.com/images/raw/invest%20icon-30314.jpg"/>
@@ -36619,7 +40721,7 @@
 </p:sld>
 </file>
 
-<file path=ppt/slides/slide21.xml><?xml version="1.0" encoding="utf-8"?>
+<file path=ppt/slides/slide24.xml><?xml version="1.0" encoding="utf-8"?>
 <p:sld xmlns:a="http://schemas.openxmlformats.org/drawingml/2006/main" xmlns:r="http://schemas.openxmlformats.org/officeDocument/2006/relationships" xmlns:p="http://schemas.openxmlformats.org/presentationml/2006/main">
   <p:cSld>
     <p:spTree>
@@ -36645,7 +40747,7 @@
           <p:nvPr/>
         </p:nvPicPr>
         <p:blipFill rotWithShape="1">
-          <a:blip r:embed="rId3">
+          <a:blip r:embed="rId3" cstate="print">
             <a:extLst>
               <a:ext uri="{28A0092B-C50C-407E-A947-70E740481C1C}">
                 <a14:useLocalDpi xmlns:a14="http://schemas.microsoft.com/office/drawing/2010/main" val="0"/>
@@ -36657,8 +40759,8 @@
         </p:blipFill>
         <p:spPr bwMode="auto">
           <a:xfrm>
-            <a:off x="5219114" y="1905000"/>
-            <a:ext cx="3924886" cy="4724400"/>
+            <a:off x="5562600" y="2438400"/>
+            <a:ext cx="3547591" cy="4270248"/>
           </a:xfrm>
           <a:prstGeom prst="rect">
             <a:avLst/>
@@ -36958,7 +41060,7 @@
 </p:sld>
 </file>
 
-<file path=ppt/slides/slide22.xml><?xml version="1.0" encoding="utf-8"?>
+<file path=ppt/slides/slide25.xml><?xml version="1.0" encoding="utf-8"?>
 <p:sld xmlns:a="http://schemas.openxmlformats.org/drawingml/2006/main" xmlns:r="http://schemas.openxmlformats.org/officeDocument/2006/relationships" xmlns:p="http://schemas.openxmlformats.org/presentationml/2006/main">
   <p:cSld>
     <p:spTree>
@@ -36984,7 +41086,7 @@
           <p:nvPr/>
         </p:nvPicPr>
         <p:blipFill rotWithShape="1">
-          <a:blip r:embed="rId3">
+          <a:blip r:embed="rId3" cstate="print">
             <a:extLst>
               <a:ext uri="{28A0092B-C50C-407E-A947-70E740481C1C}">
                 <a14:useLocalDpi xmlns:a14="http://schemas.microsoft.com/office/drawing/2010/main" val="0"/>
@@ -36996,8 +41098,8 @@
         </p:blipFill>
         <p:spPr bwMode="auto">
           <a:xfrm>
-            <a:off x="5219114" y="1905000"/>
-            <a:ext cx="3924886" cy="4724400"/>
+            <a:off x="5598942" y="2362200"/>
+            <a:ext cx="3545058" cy="4267200"/>
           </a:xfrm>
           <a:prstGeom prst="rect">
             <a:avLst/>
@@ -37054,8 +41156,8 @@
         </p:nvSpPr>
         <p:spPr>
           <a:xfrm>
-            <a:off x="457200" y="1935480"/>
-            <a:ext cx="6724357" cy="4389120"/>
+            <a:off x="457201" y="1935480"/>
+            <a:ext cx="6477000" cy="4389120"/>
           </a:xfrm>
         </p:spPr>
         <p:txBody>
@@ -37476,7 +41578,7 @@
 </p:sld>
 </file>
 
-<file path=ppt/slides/slide23.xml><?xml version="1.0" encoding="utf-8"?>
+<file path=ppt/slides/slide26.xml><?xml version="1.0" encoding="utf-8"?>
 <p:sld xmlns:a="http://schemas.openxmlformats.org/drawingml/2006/main" xmlns:r="http://schemas.openxmlformats.org/officeDocument/2006/relationships" xmlns:p="http://schemas.openxmlformats.org/presentationml/2006/main">
   <p:cSld>
     <p:spTree>
@@ -37611,7 +41713,7 @@
 </p:sld>
 </file>
 
-<file path=ppt/slides/slide24.xml><?xml version="1.0" encoding="utf-8"?>
+<file path=ppt/slides/slide27.xml><?xml version="1.0" encoding="utf-8"?>
 <p:sld xmlns:a="http://schemas.openxmlformats.org/drawingml/2006/main" xmlns:r="http://schemas.openxmlformats.org/officeDocument/2006/relationships" xmlns:p="http://schemas.openxmlformats.org/presentationml/2006/main">
   <p:cSld>
     <p:spTree>
@@ -38276,7 +42378,7 @@
           <p:nvPr>
             <p:extLst>
               <p:ext uri="{D42A27DB-BD31-4B8C-83A1-F6EECF244321}">
-                <p14:modId xmlns:p14="http://schemas.microsoft.com/office/powerpoint/2010/main" val="275973140"/>
+                <p14:modId xmlns:p14="http://schemas.microsoft.com/office/powerpoint/2010/main" val="689769286"/>
               </p:ext>
             </p:extLst>
           </p:nvPr>
@@ -38868,7 +42970,7 @@
           <p:nvPr>
             <p:extLst>
               <p:ext uri="{D42A27DB-BD31-4B8C-83A1-F6EECF244321}">
-                <p14:modId xmlns:p14="http://schemas.microsoft.com/office/powerpoint/2010/main" val="1173587277"/>
+                <p14:modId xmlns:p14="http://schemas.microsoft.com/office/powerpoint/2010/main" val="2082251099"/>
               </p:ext>
             </p:extLst>
           </p:nvPr>
@@ -40829,7 +44931,7 @@
           <p:nvPr>
             <p:extLst>
               <p:ext uri="{D42A27DB-BD31-4B8C-83A1-F6EECF244321}">
-                <p14:modId xmlns:p14="http://schemas.microsoft.com/office/powerpoint/2010/main" val="318528515"/>
+                <p14:modId xmlns:p14="http://schemas.microsoft.com/office/powerpoint/2010/main" val="341323741"/>
               </p:ext>
             </p:extLst>
           </p:nvPr>
@@ -40847,7 +44949,7 @@
     </p:spTree>
     <p:extLst>
       <p:ext uri="{BB962C8B-B14F-4D97-AF65-F5344CB8AC3E}">
-        <p14:creationId xmlns:p14="http://schemas.microsoft.com/office/powerpoint/2010/main" val="2726345570"/>
+        <p14:creationId xmlns:p14="http://schemas.microsoft.com/office/powerpoint/2010/main" val="918211182"/>
       </p:ext>
     </p:extLst>
   </p:cSld>
@@ -40878,7 +44980,7 @@
                             </p:stCondLst>
                             <p:childTnLst>
                               <p:par>
-                                <p:cTn id="5" presetID="26" presetClass="emph" presetSubtype="0" fill="hold" grpId="1" nodeType="afterEffect">
+                                <p:cTn id="5" presetID="26" presetClass="emph" presetSubtype="0" fill="hold" grpId="0" nodeType="afterEffect">
                                   <p:stCondLst>
                                     <p:cond delay="0"/>
                                   </p:stCondLst>
@@ -40939,7 +45041,7 @@
       </p:par>
     </p:tnLst>
     <p:bldLst>
-      <p:bldGraphic spid="5" grpId="1" uiExpand="1">
+      <p:bldGraphic spid="5" grpId="0">
         <p:bldSub>
           <a:bldDgm bld="one"/>
         </p:bldSub>
